--- a/task7.pptx
+++ b/task7.pptx
@@ -14,8 +14,7 @@
     <p:sldId id="262" r:id="rId8"/>
     <p:sldId id="263" r:id="rId9"/>
     <p:sldId id="264" r:id="rId10"/>
-    <p:sldId id="265" r:id="rId11"/>
-    <p:sldId id="266" r:id="rId12"/>
+    <p:sldId id="266" r:id="rId11"/>
   </p:sldIdLst>
   <p:sldSz cx="12192000" cy="6858000"/>
   <p:notesSz cx="6858000" cy="9144000"/>
@@ -114,6 +113,11 @@
       </a:defRPr>
     </a:lvl9pPr>
   </p:defaultTextStyle>
+  <p:extLst>
+    <p:ext uri="{EFAFB233-063F-42B5-8137-9DF3F51BA10A}">
+      <p15:sldGuideLst xmlns:p15="http://schemas.microsoft.com/office/powerpoint/2012/main"/>
+    </p:ext>
+  </p:extLst>
 </p:presentation>
 </file>
 
@@ -159,10 +163,9 @@
           </a:lstStyle>
           <a:p>
             <a:r>
-              <a:rPr lang="ru-RU" smtClean="0"/>
+              <a:rPr lang="ru-RU"/>
               <a:t>Образец заголовка</a:t>
             </a:r>
-            <a:endParaRPr lang="ru-RU"/>
           </a:p>
         </p:txBody>
       </p:sp>
@@ -224,10 +227,9 @@
           </a:lstStyle>
           <a:p>
             <a:r>
-              <a:rPr lang="ru-RU" smtClean="0"/>
+              <a:rPr lang="ru-RU"/>
               <a:t>Образец подзаголовка</a:t>
             </a:r>
-            <a:endParaRPr lang="ru-RU"/>
           </a:p>
         </p:txBody>
       </p:sp>
@@ -248,7 +250,7 @@
           <a:p>
             <a:fld id="{CB8AB8CA-94B0-4D70-B3AA-F4F604145185}" type="datetimeFigureOut">
               <a:rPr lang="ru-RU" smtClean="0"/>
-              <a:t>21.12.2020</a:t>
+              <a:t>22.12.2020</a:t>
             </a:fld>
             <a:endParaRPr lang="ru-RU"/>
           </a:p>
@@ -342,10 +344,9 @@
           <a:lstStyle/>
           <a:p>
             <a:r>
-              <a:rPr lang="ru-RU" smtClean="0"/>
+              <a:rPr lang="ru-RU"/>
               <a:t>Образец заголовка</a:t>
             </a:r>
-            <a:endParaRPr lang="ru-RU"/>
           </a:p>
         </p:txBody>
       </p:sp>
@@ -366,38 +367,37 @@
           <a:p>
             <a:pPr lvl="0"/>
             <a:r>
-              <a:rPr lang="ru-RU" smtClean="0"/>
+              <a:rPr lang="ru-RU"/>
               <a:t>Образец текста</a:t>
             </a:r>
           </a:p>
           <a:p>
             <a:pPr lvl="1"/>
             <a:r>
-              <a:rPr lang="ru-RU" smtClean="0"/>
+              <a:rPr lang="ru-RU"/>
               <a:t>Второй уровень</a:t>
             </a:r>
           </a:p>
           <a:p>
             <a:pPr lvl="2"/>
             <a:r>
-              <a:rPr lang="ru-RU" smtClean="0"/>
+              <a:rPr lang="ru-RU"/>
               <a:t>Третий уровень</a:t>
             </a:r>
           </a:p>
           <a:p>
             <a:pPr lvl="3"/>
             <a:r>
-              <a:rPr lang="ru-RU" smtClean="0"/>
+              <a:rPr lang="ru-RU"/>
               <a:t>Четвертый уровень</a:t>
             </a:r>
           </a:p>
           <a:p>
             <a:pPr lvl="4"/>
             <a:r>
-              <a:rPr lang="ru-RU" smtClean="0"/>
+              <a:rPr lang="ru-RU"/>
               <a:t>Пятый уровень</a:t>
             </a:r>
-            <a:endParaRPr lang="ru-RU"/>
           </a:p>
         </p:txBody>
       </p:sp>
@@ -418,7 +418,7 @@
           <a:p>
             <a:fld id="{CB8AB8CA-94B0-4D70-B3AA-F4F604145185}" type="datetimeFigureOut">
               <a:rPr lang="ru-RU" smtClean="0"/>
-              <a:t>21.12.2020</a:t>
+              <a:t>22.12.2020</a:t>
             </a:fld>
             <a:endParaRPr lang="ru-RU"/>
           </a:p>
@@ -517,10 +517,9 @@
           <a:lstStyle/>
           <a:p>
             <a:r>
-              <a:rPr lang="ru-RU" smtClean="0"/>
+              <a:rPr lang="ru-RU"/>
               <a:t>Образец заголовка</a:t>
             </a:r>
-            <a:endParaRPr lang="ru-RU"/>
           </a:p>
         </p:txBody>
       </p:sp>
@@ -546,38 +545,37 @@
           <a:p>
             <a:pPr lvl="0"/>
             <a:r>
-              <a:rPr lang="ru-RU" smtClean="0"/>
+              <a:rPr lang="ru-RU"/>
               <a:t>Образец текста</a:t>
             </a:r>
           </a:p>
           <a:p>
             <a:pPr lvl="1"/>
             <a:r>
-              <a:rPr lang="ru-RU" smtClean="0"/>
+              <a:rPr lang="ru-RU"/>
               <a:t>Второй уровень</a:t>
             </a:r>
           </a:p>
           <a:p>
             <a:pPr lvl="2"/>
             <a:r>
-              <a:rPr lang="ru-RU" smtClean="0"/>
+              <a:rPr lang="ru-RU"/>
               <a:t>Третий уровень</a:t>
             </a:r>
           </a:p>
           <a:p>
             <a:pPr lvl="3"/>
             <a:r>
-              <a:rPr lang="ru-RU" smtClean="0"/>
+              <a:rPr lang="ru-RU"/>
               <a:t>Четвертый уровень</a:t>
             </a:r>
           </a:p>
           <a:p>
             <a:pPr lvl="4"/>
             <a:r>
-              <a:rPr lang="ru-RU" smtClean="0"/>
+              <a:rPr lang="ru-RU"/>
               <a:t>Пятый уровень</a:t>
             </a:r>
-            <a:endParaRPr lang="ru-RU"/>
           </a:p>
         </p:txBody>
       </p:sp>
@@ -598,7 +596,7 @@
           <a:p>
             <a:fld id="{CB8AB8CA-94B0-4D70-B3AA-F4F604145185}" type="datetimeFigureOut">
               <a:rPr lang="ru-RU" smtClean="0"/>
-              <a:t>21.12.2020</a:t>
+              <a:t>22.12.2020</a:t>
             </a:fld>
             <a:endParaRPr lang="ru-RU"/>
           </a:p>
@@ -692,10 +690,9 @@
           <a:lstStyle/>
           <a:p>
             <a:r>
-              <a:rPr lang="ru-RU" smtClean="0"/>
+              <a:rPr lang="ru-RU"/>
               <a:t>Образец заголовка</a:t>
             </a:r>
-            <a:endParaRPr lang="ru-RU"/>
           </a:p>
         </p:txBody>
       </p:sp>
@@ -716,38 +713,37 @@
           <a:p>
             <a:pPr lvl="0"/>
             <a:r>
-              <a:rPr lang="ru-RU" smtClean="0"/>
+              <a:rPr lang="ru-RU"/>
               <a:t>Образец текста</a:t>
             </a:r>
           </a:p>
           <a:p>
             <a:pPr lvl="1"/>
             <a:r>
-              <a:rPr lang="ru-RU" smtClean="0"/>
+              <a:rPr lang="ru-RU"/>
               <a:t>Второй уровень</a:t>
             </a:r>
           </a:p>
           <a:p>
             <a:pPr lvl="2"/>
             <a:r>
-              <a:rPr lang="ru-RU" smtClean="0"/>
+              <a:rPr lang="ru-RU"/>
               <a:t>Третий уровень</a:t>
             </a:r>
           </a:p>
           <a:p>
             <a:pPr lvl="3"/>
             <a:r>
-              <a:rPr lang="ru-RU" smtClean="0"/>
+              <a:rPr lang="ru-RU"/>
               <a:t>Четвертый уровень</a:t>
             </a:r>
           </a:p>
           <a:p>
             <a:pPr lvl="4"/>
             <a:r>
-              <a:rPr lang="ru-RU" smtClean="0"/>
+              <a:rPr lang="ru-RU"/>
               <a:t>Пятый уровень</a:t>
             </a:r>
-            <a:endParaRPr lang="ru-RU"/>
           </a:p>
         </p:txBody>
       </p:sp>
@@ -768,7 +764,7 @@
           <a:p>
             <a:fld id="{CB8AB8CA-94B0-4D70-B3AA-F4F604145185}" type="datetimeFigureOut">
               <a:rPr lang="ru-RU" smtClean="0"/>
-              <a:t>21.12.2020</a:t>
+              <a:t>22.12.2020</a:t>
             </a:fld>
             <a:endParaRPr lang="ru-RU"/>
           </a:p>
@@ -871,10 +867,9 @@
           </a:lstStyle>
           <a:p>
             <a:r>
-              <a:rPr lang="ru-RU" smtClean="0"/>
+              <a:rPr lang="ru-RU"/>
               <a:t>Образец заголовка</a:t>
             </a:r>
-            <a:endParaRPr lang="ru-RU"/>
           </a:p>
         </p:txBody>
       </p:sp>
@@ -991,7 +986,7 @@
           <a:p>
             <a:pPr lvl="0"/>
             <a:r>
-              <a:rPr lang="ru-RU" smtClean="0"/>
+              <a:rPr lang="ru-RU"/>
               <a:t>Образец текста</a:t>
             </a:r>
           </a:p>
@@ -1014,7 +1009,7 @@
           <a:p>
             <a:fld id="{CB8AB8CA-94B0-4D70-B3AA-F4F604145185}" type="datetimeFigureOut">
               <a:rPr lang="ru-RU" smtClean="0"/>
-              <a:t>21.12.2020</a:t>
+              <a:t>22.12.2020</a:t>
             </a:fld>
             <a:endParaRPr lang="ru-RU"/>
           </a:p>
@@ -1108,10 +1103,9 @@
           <a:lstStyle/>
           <a:p>
             <a:r>
-              <a:rPr lang="ru-RU" smtClean="0"/>
+              <a:rPr lang="ru-RU"/>
               <a:t>Образец заголовка</a:t>
             </a:r>
-            <a:endParaRPr lang="ru-RU"/>
           </a:p>
         </p:txBody>
       </p:sp>
@@ -1137,38 +1131,37 @@
           <a:p>
             <a:pPr lvl="0"/>
             <a:r>
-              <a:rPr lang="ru-RU" smtClean="0"/>
+              <a:rPr lang="ru-RU"/>
               <a:t>Образец текста</a:t>
             </a:r>
           </a:p>
           <a:p>
             <a:pPr lvl="1"/>
             <a:r>
-              <a:rPr lang="ru-RU" smtClean="0"/>
+              <a:rPr lang="ru-RU"/>
               <a:t>Второй уровень</a:t>
             </a:r>
           </a:p>
           <a:p>
             <a:pPr lvl="2"/>
             <a:r>
-              <a:rPr lang="ru-RU" smtClean="0"/>
+              <a:rPr lang="ru-RU"/>
               <a:t>Третий уровень</a:t>
             </a:r>
           </a:p>
           <a:p>
             <a:pPr lvl="3"/>
             <a:r>
-              <a:rPr lang="ru-RU" smtClean="0"/>
+              <a:rPr lang="ru-RU"/>
               <a:t>Четвертый уровень</a:t>
             </a:r>
           </a:p>
           <a:p>
             <a:pPr lvl="4"/>
             <a:r>
-              <a:rPr lang="ru-RU" smtClean="0"/>
+              <a:rPr lang="ru-RU"/>
               <a:t>Пятый уровень</a:t>
             </a:r>
-            <a:endParaRPr lang="ru-RU"/>
           </a:p>
         </p:txBody>
       </p:sp>
@@ -1194,38 +1187,37 @@
           <a:p>
             <a:pPr lvl="0"/>
             <a:r>
-              <a:rPr lang="ru-RU" smtClean="0"/>
+              <a:rPr lang="ru-RU"/>
               <a:t>Образец текста</a:t>
             </a:r>
           </a:p>
           <a:p>
             <a:pPr lvl="1"/>
             <a:r>
-              <a:rPr lang="ru-RU" smtClean="0"/>
+              <a:rPr lang="ru-RU"/>
               <a:t>Второй уровень</a:t>
             </a:r>
           </a:p>
           <a:p>
             <a:pPr lvl="2"/>
             <a:r>
-              <a:rPr lang="ru-RU" smtClean="0"/>
+              <a:rPr lang="ru-RU"/>
               <a:t>Третий уровень</a:t>
             </a:r>
           </a:p>
           <a:p>
             <a:pPr lvl="3"/>
             <a:r>
-              <a:rPr lang="ru-RU" smtClean="0"/>
+              <a:rPr lang="ru-RU"/>
               <a:t>Четвертый уровень</a:t>
             </a:r>
           </a:p>
           <a:p>
             <a:pPr lvl="4"/>
             <a:r>
-              <a:rPr lang="ru-RU" smtClean="0"/>
+              <a:rPr lang="ru-RU"/>
               <a:t>Пятый уровень</a:t>
             </a:r>
-            <a:endParaRPr lang="ru-RU"/>
           </a:p>
         </p:txBody>
       </p:sp>
@@ -1246,7 +1238,7 @@
           <a:p>
             <a:fld id="{CB8AB8CA-94B0-4D70-B3AA-F4F604145185}" type="datetimeFigureOut">
               <a:rPr lang="ru-RU" smtClean="0"/>
-              <a:t>21.12.2020</a:t>
+              <a:t>22.12.2020</a:t>
             </a:fld>
             <a:endParaRPr lang="ru-RU"/>
           </a:p>
@@ -1345,10 +1337,9 @@
           <a:lstStyle/>
           <a:p>
             <a:r>
-              <a:rPr lang="ru-RU" smtClean="0"/>
+              <a:rPr lang="ru-RU"/>
               <a:t>Образец заголовка</a:t>
             </a:r>
-            <a:endParaRPr lang="ru-RU"/>
           </a:p>
         </p:txBody>
       </p:sp>
@@ -1411,7 +1402,7 @@
           <a:p>
             <a:pPr lvl="0"/>
             <a:r>
-              <a:rPr lang="ru-RU" smtClean="0"/>
+              <a:rPr lang="ru-RU"/>
               <a:t>Образец текста</a:t>
             </a:r>
           </a:p>
@@ -1439,38 +1430,37 @@
           <a:p>
             <a:pPr lvl="0"/>
             <a:r>
-              <a:rPr lang="ru-RU" smtClean="0"/>
+              <a:rPr lang="ru-RU"/>
               <a:t>Образец текста</a:t>
             </a:r>
           </a:p>
           <a:p>
             <a:pPr lvl="1"/>
             <a:r>
-              <a:rPr lang="ru-RU" smtClean="0"/>
+              <a:rPr lang="ru-RU"/>
               <a:t>Второй уровень</a:t>
             </a:r>
           </a:p>
           <a:p>
             <a:pPr lvl="2"/>
             <a:r>
-              <a:rPr lang="ru-RU" smtClean="0"/>
+              <a:rPr lang="ru-RU"/>
               <a:t>Третий уровень</a:t>
             </a:r>
           </a:p>
           <a:p>
             <a:pPr lvl="3"/>
             <a:r>
-              <a:rPr lang="ru-RU" smtClean="0"/>
+              <a:rPr lang="ru-RU"/>
               <a:t>Четвертый уровень</a:t>
             </a:r>
           </a:p>
           <a:p>
             <a:pPr lvl="4"/>
             <a:r>
-              <a:rPr lang="ru-RU" smtClean="0"/>
+              <a:rPr lang="ru-RU"/>
               <a:t>Пятый уровень</a:t>
             </a:r>
-            <a:endParaRPr lang="ru-RU"/>
           </a:p>
         </p:txBody>
       </p:sp>
@@ -1533,7 +1523,7 @@
           <a:p>
             <a:pPr lvl="0"/>
             <a:r>
-              <a:rPr lang="ru-RU" smtClean="0"/>
+              <a:rPr lang="ru-RU"/>
               <a:t>Образец текста</a:t>
             </a:r>
           </a:p>
@@ -1561,38 +1551,37 @@
           <a:p>
             <a:pPr lvl="0"/>
             <a:r>
-              <a:rPr lang="ru-RU" smtClean="0"/>
+              <a:rPr lang="ru-RU"/>
               <a:t>Образец текста</a:t>
             </a:r>
           </a:p>
           <a:p>
             <a:pPr lvl="1"/>
             <a:r>
-              <a:rPr lang="ru-RU" smtClean="0"/>
+              <a:rPr lang="ru-RU"/>
               <a:t>Второй уровень</a:t>
             </a:r>
           </a:p>
           <a:p>
             <a:pPr lvl="2"/>
             <a:r>
-              <a:rPr lang="ru-RU" smtClean="0"/>
+              <a:rPr lang="ru-RU"/>
               <a:t>Третий уровень</a:t>
             </a:r>
           </a:p>
           <a:p>
             <a:pPr lvl="3"/>
             <a:r>
-              <a:rPr lang="ru-RU" smtClean="0"/>
+              <a:rPr lang="ru-RU"/>
               <a:t>Четвертый уровень</a:t>
             </a:r>
           </a:p>
           <a:p>
             <a:pPr lvl="4"/>
             <a:r>
-              <a:rPr lang="ru-RU" smtClean="0"/>
+              <a:rPr lang="ru-RU"/>
               <a:t>Пятый уровень</a:t>
             </a:r>
-            <a:endParaRPr lang="ru-RU"/>
           </a:p>
         </p:txBody>
       </p:sp>
@@ -1613,7 +1602,7 @@
           <a:p>
             <a:fld id="{CB8AB8CA-94B0-4D70-B3AA-F4F604145185}" type="datetimeFigureOut">
               <a:rPr lang="ru-RU" smtClean="0"/>
-              <a:t>21.12.2020</a:t>
+              <a:t>22.12.2020</a:t>
             </a:fld>
             <a:endParaRPr lang="ru-RU"/>
           </a:p>
@@ -1707,10 +1696,9 @@
           <a:lstStyle/>
           <a:p>
             <a:r>
-              <a:rPr lang="ru-RU" smtClean="0"/>
+              <a:rPr lang="ru-RU"/>
               <a:t>Образец заголовка</a:t>
             </a:r>
-            <a:endParaRPr lang="ru-RU"/>
           </a:p>
         </p:txBody>
       </p:sp>
@@ -1731,7 +1719,7 @@
           <a:p>
             <a:fld id="{CB8AB8CA-94B0-4D70-B3AA-F4F604145185}" type="datetimeFigureOut">
               <a:rPr lang="ru-RU" smtClean="0"/>
-              <a:t>21.12.2020</a:t>
+              <a:t>22.12.2020</a:t>
             </a:fld>
             <a:endParaRPr lang="ru-RU"/>
           </a:p>
@@ -1826,7 +1814,7 @@
           <a:p>
             <a:fld id="{CB8AB8CA-94B0-4D70-B3AA-F4F604145185}" type="datetimeFigureOut">
               <a:rPr lang="ru-RU" smtClean="0"/>
-              <a:t>21.12.2020</a:t>
+              <a:t>22.12.2020</a:t>
             </a:fld>
             <a:endParaRPr lang="ru-RU"/>
           </a:p>
@@ -1929,10 +1917,9 @@
           </a:lstStyle>
           <a:p>
             <a:r>
-              <a:rPr lang="ru-RU" smtClean="0"/>
+              <a:rPr lang="ru-RU"/>
               <a:t>Образец заголовка</a:t>
             </a:r>
-            <a:endParaRPr lang="ru-RU"/>
           </a:p>
         </p:txBody>
       </p:sp>
@@ -1986,38 +1973,37 @@
           <a:p>
             <a:pPr lvl="0"/>
             <a:r>
-              <a:rPr lang="ru-RU" smtClean="0"/>
+              <a:rPr lang="ru-RU"/>
               <a:t>Образец текста</a:t>
             </a:r>
           </a:p>
           <a:p>
             <a:pPr lvl="1"/>
             <a:r>
-              <a:rPr lang="ru-RU" smtClean="0"/>
+              <a:rPr lang="ru-RU"/>
               <a:t>Второй уровень</a:t>
             </a:r>
           </a:p>
           <a:p>
             <a:pPr lvl="2"/>
             <a:r>
-              <a:rPr lang="ru-RU" smtClean="0"/>
+              <a:rPr lang="ru-RU"/>
               <a:t>Третий уровень</a:t>
             </a:r>
           </a:p>
           <a:p>
             <a:pPr lvl="3"/>
             <a:r>
-              <a:rPr lang="ru-RU" smtClean="0"/>
+              <a:rPr lang="ru-RU"/>
               <a:t>Четвертый уровень</a:t>
             </a:r>
           </a:p>
           <a:p>
             <a:pPr lvl="4"/>
             <a:r>
-              <a:rPr lang="ru-RU" smtClean="0"/>
+              <a:rPr lang="ru-RU"/>
               <a:t>Пятый уровень</a:t>
             </a:r>
-            <a:endParaRPr lang="ru-RU"/>
           </a:p>
         </p:txBody>
       </p:sp>
@@ -2080,7 +2066,7 @@
           <a:p>
             <a:pPr lvl="0"/>
             <a:r>
-              <a:rPr lang="ru-RU" smtClean="0"/>
+              <a:rPr lang="ru-RU"/>
               <a:t>Образец текста</a:t>
             </a:r>
           </a:p>
@@ -2103,7 +2089,7 @@
           <a:p>
             <a:fld id="{CB8AB8CA-94B0-4D70-B3AA-F4F604145185}" type="datetimeFigureOut">
               <a:rPr lang="ru-RU" smtClean="0"/>
-              <a:t>21.12.2020</a:t>
+              <a:t>22.12.2020</a:t>
             </a:fld>
             <a:endParaRPr lang="ru-RU"/>
           </a:p>
@@ -2206,10 +2192,9 @@
           </a:lstStyle>
           <a:p>
             <a:r>
-              <a:rPr lang="ru-RU" smtClean="0"/>
+              <a:rPr lang="ru-RU"/>
               <a:t>Образец заголовка</a:t>
             </a:r>
-            <a:endParaRPr lang="ru-RU"/>
           </a:p>
         </p:txBody>
       </p:sp>
@@ -2333,7 +2318,7 @@
           <a:p>
             <a:pPr lvl="0"/>
             <a:r>
-              <a:rPr lang="ru-RU" smtClean="0"/>
+              <a:rPr lang="ru-RU"/>
               <a:t>Образец текста</a:t>
             </a:r>
           </a:p>
@@ -2356,7 +2341,7 @@
           <a:p>
             <a:fld id="{CB8AB8CA-94B0-4D70-B3AA-F4F604145185}" type="datetimeFigureOut">
               <a:rPr lang="ru-RU" smtClean="0"/>
-              <a:t>21.12.2020</a:t>
+              <a:t>22.12.2020</a:t>
             </a:fld>
             <a:endParaRPr lang="ru-RU"/>
           </a:p>
@@ -2465,10 +2450,9 @@
           <a:lstStyle/>
           <a:p>
             <a:r>
-              <a:rPr lang="ru-RU" smtClean="0"/>
+              <a:rPr lang="ru-RU"/>
               <a:t>Образец заголовка</a:t>
             </a:r>
-            <a:endParaRPr lang="ru-RU"/>
           </a:p>
         </p:txBody>
       </p:sp>
@@ -2499,38 +2483,37 @@
           <a:p>
             <a:pPr lvl="0"/>
             <a:r>
-              <a:rPr lang="ru-RU" smtClean="0"/>
+              <a:rPr lang="ru-RU"/>
               <a:t>Образец текста</a:t>
             </a:r>
           </a:p>
           <a:p>
             <a:pPr lvl="1"/>
             <a:r>
-              <a:rPr lang="ru-RU" smtClean="0"/>
+              <a:rPr lang="ru-RU"/>
               <a:t>Второй уровень</a:t>
             </a:r>
           </a:p>
           <a:p>
             <a:pPr lvl="2"/>
             <a:r>
-              <a:rPr lang="ru-RU" smtClean="0"/>
+              <a:rPr lang="ru-RU"/>
               <a:t>Третий уровень</a:t>
             </a:r>
           </a:p>
           <a:p>
             <a:pPr lvl="3"/>
             <a:r>
-              <a:rPr lang="ru-RU" smtClean="0"/>
+              <a:rPr lang="ru-RU"/>
               <a:t>Четвертый уровень</a:t>
             </a:r>
           </a:p>
           <a:p>
             <a:pPr lvl="4"/>
             <a:r>
-              <a:rPr lang="ru-RU" smtClean="0"/>
+              <a:rPr lang="ru-RU"/>
               <a:t>Пятый уровень</a:t>
             </a:r>
-            <a:endParaRPr lang="ru-RU"/>
           </a:p>
         </p:txBody>
       </p:sp>
@@ -2569,7 +2552,7 @@
           <a:p>
             <a:fld id="{CB8AB8CA-94B0-4D70-B3AA-F4F604145185}" type="datetimeFigureOut">
               <a:rPr lang="ru-RU" smtClean="0"/>
-              <a:t>21.12.2020</a:t>
+              <a:t>22.12.2020</a:t>
             </a:fld>
             <a:endParaRPr lang="ru-RU"/>
           </a:p>
@@ -2993,7 +2976,7 @@
           </a:ln>
           <a:extLst>
             <a:ext uri="{C572A759-6A51-4108-AA02-DFA0A04FC94B}">
-              <ma14:wrappingTextBoxFlag xmlns="" xmlns:m="http://schemas.openxmlformats.org/officeDocument/2006/math" xmlns:a14="http://schemas.microsoft.com/office/drawing/2010/main" xmlns:ma14="http://schemas.microsoft.com/office/mac/drawingml/2011/main" val="1"/>
+              <ma14:wrappingTextBoxFlag xmlns:ma14="http://schemas.microsoft.com/office/mac/drawingml/2011/main" xmlns:a14="http://schemas.microsoft.com/office/drawing/2010/main" xmlns:m="http://schemas.openxmlformats.org/officeDocument/2006/math" xmlns="" val="1"/>
             </a:ext>
           </a:extLst>
         </p:spPr>
@@ -3083,10 +3066,6 @@
               <a:rPr lang="ru-RU" sz="4100" dirty="0"/>
               <a:t>Синтаксически-управляемый семантический анализ</a:t>
             </a:r>
-            <a:r>
-              <a:rPr dirty="0"/>
-              <a:t/>
-            </a:r>
             <a:br>
               <a:rPr dirty="0"/>
             </a:br>
@@ -3234,7 +3213,7 @@
           </a:ln>
           <a:extLst>
             <a:ext uri="{C572A759-6A51-4108-AA02-DFA0A04FC94B}">
-              <ma14:wrappingTextBoxFlag xmlns="" xmlns:m="http://schemas.openxmlformats.org/officeDocument/2006/math" xmlns:a14="http://schemas.microsoft.com/office/drawing/2010/main" xmlns:ma14="http://schemas.microsoft.com/office/mac/drawingml/2011/main" val="1"/>
+              <ma14:wrappingTextBoxFlag xmlns:ma14="http://schemas.microsoft.com/office/mac/drawingml/2011/main" xmlns:a14="http://schemas.microsoft.com/office/drawing/2010/main" xmlns:m="http://schemas.openxmlformats.org/officeDocument/2006/math" xmlns="" val="1"/>
             </a:ext>
           </a:extLst>
         </p:spPr>
@@ -3359,76 +3338,29 @@
             </a:lvl1pPr>
           </a:lstStyle>
           <a:p>
-            <a:r>
-              <a:rPr lang="ru-RU" sz="2800" dirty="0" smtClean="0"/>
-              <a:t/>
-            </a:r>
             <a:br>
-              <a:rPr lang="ru-RU" sz="2800" dirty="0" smtClean="0"/>
+              <a:rPr lang="ru-RU" sz="2800" dirty="0"/>
             </a:br>
             <a:r>
-              <a:rPr lang="ru-RU" sz="2800" dirty="0" smtClean="0"/>
+              <a:rPr lang="ru-RU" sz="2800" dirty="0"/>
               <a:t>В)Выполните разбор данной цепочки в соответствии с алгоритмом «сдвиг-свертка». Убедитесь, что в работе алгоритма появляется то же дерево, что было построено на шаге б).</a:t>
             </a:r>
             <a:br>
-              <a:rPr lang="ru-RU" sz="2800" dirty="0" smtClean="0"/>
+              <a:rPr lang="ru-RU" sz="2800" dirty="0"/>
             </a:br>
             <a:endParaRPr lang="ru-RU" sz="2800" dirty="0"/>
           </a:p>
         </p:txBody>
       </p:sp>
-      <p:sp>
-        <p:nvSpPr>
-          <p:cNvPr id="5" name="TextBox 4"/>
-          <p:cNvSpPr txBox="1"/>
-          <p:nvPr/>
-        </p:nvSpPr>
-        <p:spPr>
-          <a:xfrm>
-            <a:off x="838200" y="1675466"/>
-            <a:ext cx="5555411" cy="369332"/>
-          </a:xfrm>
-          <a:prstGeom prst="rect">
-            <a:avLst/>
-          </a:prstGeom>
-          <a:noFill/>
-        </p:spPr>
-        <p:txBody>
-          <a:bodyPr wrap="square" rtlCol="0">
-            <a:spAutoFit/>
-          </a:bodyPr>
-          <a:lstStyle/>
-          <a:p>
-            <a:r>
-              <a:rPr lang="en-US" dirty="0" smtClean="0"/>
-              <a:t>9)  </a:t>
-            </a:r>
-            <a:r>
-              <a:rPr lang="ru-RU" dirty="0" smtClean="0"/>
-              <a:t>А</a:t>
-            </a:r>
-            <a:r>
-              <a:rPr lang="en-US" dirty="0" smtClean="0"/>
-              <a:t>b</a:t>
-            </a:r>
-            <a:r>
-              <a:rPr lang="ru-RU" dirty="0" smtClean="0"/>
-              <a:t> </a:t>
-            </a:r>
-            <a:r>
-              <a:rPr lang="en-US" dirty="0" smtClean="0"/>
-              <a:t>// </a:t>
-            </a:r>
-            <a:r>
-              <a:rPr lang="ru-RU" dirty="0" smtClean="0"/>
-              <a:t>свёртка</a:t>
-            </a:r>
-          </a:p>
-        </p:txBody>
-      </p:sp>
       <p:pic>
         <p:nvPicPr>
-          <p:cNvPr id="6" name="Рисунок 5"/>
+          <p:cNvPr id="7" name="Рисунок 6">
+            <a:extLst>
+              <a:ext uri="{FF2B5EF4-FFF2-40B4-BE49-F238E27FC236}">
+                <a16:creationId xmlns:a16="http://schemas.microsoft.com/office/drawing/2014/main" id="{0001D865-EC39-493A-BA84-606E2412B24E}"/>
+              </a:ext>
+            </a:extLst>
+          </p:cNvPr>
           <p:cNvPicPr>
             <a:picLocks noChangeAspect="1"/>
           </p:cNvPicPr>
@@ -3442,70 +3374,23 @@
         </p:blipFill>
         <p:spPr>
           <a:xfrm>
-            <a:off x="1114246" y="2144594"/>
-            <a:ext cx="4027098" cy="4507317"/>
+            <a:off x="6947793" y="2045322"/>
+            <a:ext cx="4052716" cy="4650232"/>
           </a:xfrm>
           <a:prstGeom prst="rect">
             <a:avLst/>
           </a:prstGeom>
         </p:spPr>
       </p:pic>
-      <p:sp>
-        <p:nvSpPr>
-          <p:cNvPr id="8" name="TextBox 7"/>
-          <p:cNvSpPr txBox="1"/>
-          <p:nvPr/>
-        </p:nvSpPr>
-        <p:spPr>
-          <a:xfrm>
-            <a:off x="6244805" y="1725364"/>
-            <a:ext cx="5555411" cy="369332"/>
-          </a:xfrm>
-          <a:prstGeom prst="rect">
-            <a:avLst/>
-          </a:prstGeom>
-          <a:noFill/>
-        </p:spPr>
-        <p:txBody>
-          <a:bodyPr wrap="square" rtlCol="0">
-            <a:spAutoFit/>
-          </a:bodyPr>
-          <a:lstStyle/>
-          <a:p>
-            <a:r>
-              <a:rPr lang="ru-RU" dirty="0" smtClean="0"/>
-              <a:t>10</a:t>
-            </a:r>
-            <a:r>
-              <a:rPr lang="en-US" dirty="0" smtClean="0"/>
-              <a:t>)  </a:t>
-            </a:r>
-            <a:r>
-              <a:rPr lang="ru-RU" dirty="0" smtClean="0"/>
-              <a:t>А</a:t>
-            </a:r>
-            <a:r>
-              <a:rPr lang="en-US" dirty="0" smtClean="0"/>
-              <a:t>B</a:t>
-            </a:r>
-            <a:r>
-              <a:rPr lang="ru-RU" dirty="0" smtClean="0"/>
-              <a:t> </a:t>
-            </a:r>
-            <a:r>
-              <a:rPr lang="en-US" dirty="0" smtClean="0"/>
-              <a:t>// </a:t>
-            </a:r>
-            <a:r>
-              <a:rPr lang="ru-RU" dirty="0" smtClean="0"/>
-              <a:t>свёртка</a:t>
-            </a:r>
-          </a:p>
-        </p:txBody>
-      </p:sp>
       <p:pic>
         <p:nvPicPr>
-          <p:cNvPr id="9" name="Рисунок 8"/>
+          <p:cNvPr id="8" name="Рисунок 7">
+            <a:extLst>
+              <a:ext uri="{FF2B5EF4-FFF2-40B4-BE49-F238E27FC236}">
+                <a16:creationId xmlns:a16="http://schemas.microsoft.com/office/drawing/2014/main" id="{B4153B1B-8BB3-4A54-9706-DC0D44AFE9B1}"/>
+              </a:ext>
+            </a:extLst>
+          </p:cNvPr>
           <p:cNvPicPr>
             <a:picLocks noChangeAspect="1"/>
           </p:cNvPicPr>
@@ -3519,188 +3404,14 @@
         </p:blipFill>
         <p:spPr>
           <a:xfrm>
-            <a:off x="7282851" y="2094696"/>
-            <a:ext cx="3672697" cy="4562178"/>
+            <a:off x="1191491" y="2045322"/>
+            <a:ext cx="3140363" cy="4746755"/>
           </a:xfrm>
           <a:prstGeom prst="rect">
             <a:avLst/>
           </a:prstGeom>
         </p:spPr>
       </p:pic>
-    </p:spTree>
-    <p:extLst>
-      <p:ext uri="{BB962C8B-B14F-4D97-AF65-F5344CB8AC3E}">
-        <p14:creationId xmlns:p14="http://schemas.microsoft.com/office/powerpoint/2010/main" val="3448293326"/>
-      </p:ext>
-    </p:extLst>
-  </p:cSld>
-  <p:clrMapOvr>
-    <a:masterClrMapping/>
-  </p:clrMapOvr>
-</p:sld>
-</file>
-
-<file path=ppt/slides/slide11.xml><?xml version="1.0" encoding="utf-8"?>
-<p:sld xmlns:a="http://schemas.openxmlformats.org/drawingml/2006/main" xmlns:r="http://schemas.openxmlformats.org/officeDocument/2006/relationships" xmlns:p="http://schemas.openxmlformats.org/presentationml/2006/main">
-  <p:cSld>
-    <p:spTree>
-      <p:nvGrpSpPr>
-        <p:cNvPr id="1" name=""/>
-        <p:cNvGrpSpPr/>
-        <p:nvPr/>
-      </p:nvGrpSpPr>
-      <p:grpSpPr>
-        <a:xfrm>
-          <a:off x="0" y="0"/>
-          <a:ext cx="0" cy="0"/>
-          <a:chOff x="0" y="0"/>
-          <a:chExt cx="0" cy="0"/>
-        </a:xfrm>
-      </p:grpSpPr>
-      <p:sp>
-        <p:nvSpPr>
-          <p:cNvPr id="4" name="Заголовок 1"/>
-          <p:cNvSpPr txBox="1">
-            <a:spLocks/>
-          </p:cNvSpPr>
-          <p:nvPr/>
-        </p:nvSpPr>
-        <p:spPr>
-          <a:xfrm>
-            <a:off x="838200" y="250107"/>
-            <a:ext cx="10515600" cy="1325563"/>
-          </a:xfrm>
-          <a:prstGeom prst="rect">
-            <a:avLst/>
-          </a:prstGeom>
-        </p:spPr>
-        <p:txBody>
-          <a:bodyPr vert="horz" lIns="91440" tIns="45720" rIns="91440" bIns="45720" rtlCol="0" anchor="ctr">
-            <a:noAutofit/>
-          </a:bodyPr>
-          <a:lstStyle>
-            <a:lvl1pPr algn="l" defTabSz="914400" rtl="0" eaLnBrk="1" latinLnBrk="0" hangingPunct="1">
-              <a:lnSpc>
-                <a:spcPct val="90000"/>
-              </a:lnSpc>
-              <a:spcBef>
-                <a:spcPct val="0"/>
-              </a:spcBef>
-              <a:buNone/>
-              <a:defRPr sz="4400" kern="1200">
-                <a:solidFill>
-                  <a:schemeClr val="tx1"/>
-                </a:solidFill>
-                <a:latin typeface="+mj-lt"/>
-                <a:ea typeface="+mj-ea"/>
-                <a:cs typeface="+mj-cs"/>
-              </a:defRPr>
-            </a:lvl1pPr>
-          </a:lstStyle>
-          <a:p>
-            <a:r>
-              <a:rPr lang="ru-RU" sz="2800" dirty="0" smtClean="0"/>
-              <a:t/>
-            </a:r>
-            <a:br>
-              <a:rPr lang="ru-RU" sz="2800" dirty="0" smtClean="0"/>
-            </a:br>
-            <a:r>
-              <a:rPr lang="ru-RU" sz="2800" dirty="0" smtClean="0"/>
-              <a:t>В)Выполните разбор данной цепочки в соответствии с алгоритмом «сдвиг-свертка». Убедитесь, что в работе алгоритма появляется то же дерево, что было построено на шаге б).</a:t>
-            </a:r>
-            <a:br>
-              <a:rPr lang="ru-RU" sz="2800" dirty="0" smtClean="0"/>
-            </a:br>
-            <a:endParaRPr lang="ru-RU" sz="2800" dirty="0"/>
-          </a:p>
-        </p:txBody>
-      </p:sp>
-      <p:pic>
-        <p:nvPicPr>
-          <p:cNvPr id="5" name="Рисунок 4"/>
-          <p:cNvPicPr>
-            <a:picLocks noChangeAspect="1"/>
-          </p:cNvPicPr>
-          <p:nvPr/>
-        </p:nvPicPr>
-        <p:blipFill>
-          <a:blip r:embed="rId2"/>
-          <a:stretch>
-            <a:fillRect/>
-          </a:stretch>
-        </p:blipFill>
-        <p:spPr>
-          <a:xfrm>
-            <a:off x="4758007" y="1449237"/>
-            <a:ext cx="4166231" cy="5326721"/>
-          </a:xfrm>
-          <a:prstGeom prst="rect">
-            <a:avLst/>
-          </a:prstGeom>
-        </p:spPr>
-      </p:pic>
-      <p:sp>
-        <p:nvSpPr>
-          <p:cNvPr id="6" name="TextBox 5"/>
-          <p:cNvSpPr txBox="1"/>
-          <p:nvPr/>
-        </p:nvSpPr>
-        <p:spPr>
-          <a:xfrm>
-            <a:off x="838200" y="1742617"/>
-            <a:ext cx="5555411" cy="1477328"/>
-          </a:xfrm>
-          <a:prstGeom prst="rect">
-            <a:avLst/>
-          </a:prstGeom>
-          <a:noFill/>
-        </p:spPr>
-        <p:txBody>
-          <a:bodyPr wrap="square" rtlCol="0">
-            <a:spAutoFit/>
-          </a:bodyPr>
-          <a:lstStyle/>
-          <a:p>
-            <a:pPr marL="342900" indent="-342900">
-              <a:buAutoNum type="arabicParenR" startAt="11"/>
-            </a:pPr>
-            <a:r>
-              <a:rPr lang="en-US" dirty="0" smtClean="0"/>
-              <a:t>S</a:t>
-            </a:r>
-          </a:p>
-          <a:p>
-            <a:r>
-              <a:rPr lang="ru-RU" dirty="0" smtClean="0"/>
-              <a:t>Алгоритм закончен, потому что мы пришли в </a:t>
-            </a:r>
-            <a:r>
-              <a:rPr lang="en-US" dirty="0" smtClean="0"/>
-              <a:t>S </a:t>
-            </a:r>
-            <a:r>
-              <a:rPr lang="ru-RU" dirty="0" smtClean="0"/>
-              <a:t>больше нечего сдвигать или </a:t>
-            </a:r>
-            <a:r>
-              <a:rPr lang="ru-RU" dirty="0" err="1" smtClean="0"/>
-              <a:t>свертать</a:t>
-            </a:r>
-            <a:r>
-              <a:rPr lang="ru-RU" dirty="0" smtClean="0"/>
-              <a:t/>
-            </a:r>
-            <a:br>
-              <a:rPr lang="ru-RU" dirty="0" smtClean="0"/>
-            </a:br>
-            <a:r>
-              <a:rPr lang="ru-RU" dirty="0" smtClean="0"/>
-              <a:t>Вывод: Дерево построенное на шаге Б то же, что и построенное в ходе алгоритма.</a:t>
-            </a:r>
-          </a:p>
-        </p:txBody>
-      </p:sp>
     </p:spTree>
     <p:extLst>
       <p:ext uri="{BB962C8B-B14F-4D97-AF65-F5344CB8AC3E}">
@@ -3749,18 +3460,9 @@
           <a:lstStyle/>
           <a:p>
             <a:r>
-              <a:rPr lang="ru-RU" dirty="0" smtClean="0"/>
-              <a:t>А)Выбрать </a:t>
-            </a:r>
-            <a:r>
               <a:rPr lang="ru-RU" dirty="0"/>
-              <a:t>грамматику в упр. 9.1 или 9.2 задачника</a:t>
-            </a:r>
-            <a:r>
-              <a:rPr lang="ru-RU" dirty="0" smtClean="0"/>
-              <a:t>.</a:t>
-            </a:r>
-            <a:endParaRPr lang="ru-RU" dirty="0"/>
+              <a:t>А)Выбрать грамматику в упр. 9.1 или 9.2 задачника.</a:t>
+            </a:r>
           </a:p>
         </p:txBody>
       </p:sp>
@@ -3782,64 +3484,56 @@
           <a:lstStyle/>
           <a:p>
             <a:r>
-              <a:rPr lang="en-US" sz="6000" dirty="0" smtClean="0"/>
+              <a:rPr lang="ru-RU" sz="6000" dirty="0"/>
+              <a:t>9.1 </a:t>
+            </a:r>
+            <a:r>
+              <a:rPr lang="en-US" sz="6000" dirty="0"/>
               <a:t>a) </a:t>
             </a:r>
             <a:r>
-              <a:rPr lang="ru-RU" sz="6000" dirty="0" smtClean="0"/>
+              <a:rPr lang="ru-RU" sz="6000" dirty="0"/>
               <a:t>Пример цепочки: </a:t>
             </a:r>
             <a:r>
-              <a:rPr lang="en-US" sz="6000" dirty="0" err="1" smtClean="0"/>
+              <a:rPr lang="en-US" sz="6000" dirty="0" err="1"/>
               <a:t>abbb</a:t>
             </a:r>
             <a:r>
-              <a:rPr lang="ru-RU" sz="6000" dirty="0" smtClean="0"/>
+              <a:rPr lang="ru-RU" sz="6000" dirty="0"/>
               <a:t> </a:t>
-            </a:r>
-            <a:r>
-              <a:rPr lang="ru-RU" sz="6000" dirty="0"/>
-              <a:t/>
             </a:r>
             <a:br>
               <a:rPr lang="ru-RU" sz="6000" dirty="0"/>
             </a:br>
             <a:r>
-              <a:rPr lang="ru-RU" sz="6000" dirty="0" smtClean="0"/>
+              <a:rPr lang="ru-RU" sz="6000" dirty="0"/>
               <a:t>	</a:t>
             </a:r>
             <a:r>
-              <a:rPr lang="en-US" sz="6000" dirty="0" smtClean="0"/>
+              <a:rPr lang="en-US" sz="6000" dirty="0"/>
               <a:t>S → AB | BA </a:t>
             </a:r>
-            <a:r>
-              <a:rPr lang="ru-RU" sz="6000" dirty="0" smtClean="0"/>
-              <a:t/>
-            </a:r>
             <a:br>
-              <a:rPr lang="ru-RU" sz="6000" dirty="0" smtClean="0"/>
+              <a:rPr lang="ru-RU" sz="6000" dirty="0"/>
             </a:br>
             <a:r>
-              <a:rPr lang="ru-RU" sz="6000" dirty="0" smtClean="0"/>
+              <a:rPr lang="ru-RU" sz="6000" dirty="0"/>
               <a:t>	</a:t>
             </a:r>
             <a:r>
-              <a:rPr lang="en-US" sz="6000" dirty="0" smtClean="0"/>
+              <a:rPr lang="en-US" sz="6000" dirty="0"/>
               <a:t>A → AB | AA | a </a:t>
             </a:r>
-            <a:r>
-              <a:rPr lang="ru-RU" sz="6000" dirty="0" smtClean="0"/>
-              <a:t/>
-            </a:r>
             <a:br>
-              <a:rPr lang="ru-RU" sz="6000" dirty="0" smtClean="0"/>
+              <a:rPr lang="ru-RU" sz="6000" dirty="0"/>
             </a:br>
             <a:r>
-              <a:rPr lang="ru-RU" sz="6000" dirty="0" smtClean="0"/>
+              <a:rPr lang="ru-RU" sz="6000" dirty="0"/>
               <a:t>	</a:t>
             </a:r>
             <a:r>
-              <a:rPr lang="en-US" sz="6000" dirty="0" smtClean="0"/>
+              <a:rPr lang="en-US" sz="6000" dirty="0"/>
               <a:t>B → b</a:t>
             </a:r>
             <a:endParaRPr lang="ru-RU" sz="6000" dirty="0"/>
@@ -3894,12 +3588,8 @@
           <a:lstStyle/>
           <a:p>
             <a:r>
-              <a:rPr lang="ru-RU" sz="3600" dirty="0" smtClean="0"/>
-              <a:t>Б) Предложите </a:t>
-            </a:r>
-            <a:r>
               <a:rPr lang="ru-RU" sz="3600" dirty="0"/>
-              <a:t>пример синтаксически правильной цепочки для выбранной грамматике. Нужно построить синтаксическое дерево.</a:t>
+              <a:t>Б) Предложите пример синтаксически правильной цепочки для выбранной грамматике. Нужно построить синтаксическое дерево.</a:t>
             </a:r>
             <a:br>
               <a:rPr lang="ru-RU" sz="3600" dirty="0"/>
@@ -3924,14 +3614,14 @@
           <a:lstStyle/>
           <a:p>
             <a:r>
-              <a:rPr lang="ru-RU" dirty="0" smtClean="0"/>
+              <a:rPr lang="ru-RU" dirty="0"/>
               <a:t>Синтаксически правильная цепочка: </a:t>
             </a:r>
             <a:r>
-              <a:rPr lang="en-US" dirty="0" err="1" smtClean="0"/>
+              <a:rPr lang="en-US" dirty="0" err="1"/>
               <a:t>abab</a:t>
             </a:r>
-            <a:endParaRPr lang="ru-RU" dirty="0" smtClean="0"/>
+            <a:endParaRPr lang="ru-RU" dirty="0"/>
           </a:p>
           <a:p>
             <a:pPr marL="0" indent="0">
@@ -4037,6 +3727,112 @@
           </a:prstGeom>
         </p:spPr>
       </p:pic>
+      <p:cxnSp>
+        <p:nvCxnSpPr>
+          <p:cNvPr id="5" name="Прямая соединительная линия 4">
+            <a:extLst>
+              <a:ext uri="{FF2B5EF4-FFF2-40B4-BE49-F238E27FC236}">
+                <a16:creationId xmlns:a16="http://schemas.microsoft.com/office/drawing/2014/main" id="{6D80FFAE-52DB-408C-A04F-E4DD8B1D771D}"/>
+              </a:ext>
+            </a:extLst>
+          </p:cNvPr>
+          <p:cNvCxnSpPr/>
+          <p:nvPr/>
+        </p:nvCxnSpPr>
+        <p:spPr>
+          <a:xfrm>
+            <a:off x="6096000" y="2198254"/>
+            <a:ext cx="0" cy="4680000"/>
+          </a:xfrm>
+          <a:prstGeom prst="line">
+            <a:avLst/>
+          </a:prstGeom>
+        </p:spPr>
+        <p:style>
+          <a:lnRef idx="1">
+            <a:schemeClr val="dk1"/>
+          </a:lnRef>
+          <a:fillRef idx="0">
+            <a:schemeClr val="dk1"/>
+          </a:fillRef>
+          <a:effectRef idx="0">
+            <a:schemeClr val="dk1"/>
+          </a:effectRef>
+          <a:fontRef idx="minor">
+            <a:schemeClr val="tx1"/>
+          </a:fontRef>
+        </p:style>
+      </p:cxnSp>
+      <p:sp>
+        <p:nvSpPr>
+          <p:cNvPr id="6" name="TextBox 5">
+            <a:extLst>
+              <a:ext uri="{FF2B5EF4-FFF2-40B4-BE49-F238E27FC236}">
+                <a16:creationId xmlns:a16="http://schemas.microsoft.com/office/drawing/2014/main" id="{30E696D7-B052-4145-B815-839CB4B6F516}"/>
+              </a:ext>
+            </a:extLst>
+          </p:cNvPr>
+          <p:cNvSpPr txBox="1"/>
+          <p:nvPr/>
+        </p:nvSpPr>
+        <p:spPr>
+          <a:xfrm>
+            <a:off x="572655" y="2484582"/>
+            <a:ext cx="2124363" cy="369332"/>
+          </a:xfrm>
+          <a:prstGeom prst="rect">
+            <a:avLst/>
+          </a:prstGeom>
+          <a:noFill/>
+        </p:spPr>
+        <p:txBody>
+          <a:bodyPr wrap="square" rtlCol="0">
+            <a:spAutoFit/>
+          </a:bodyPr>
+          <a:lstStyle/>
+          <a:p>
+            <a:r>
+              <a:rPr lang="ru-RU" dirty="0"/>
+              <a:t>Шаг 1</a:t>
+            </a:r>
+          </a:p>
+        </p:txBody>
+      </p:sp>
+      <p:sp>
+        <p:nvSpPr>
+          <p:cNvPr id="12" name="TextBox 11">
+            <a:extLst>
+              <a:ext uri="{FF2B5EF4-FFF2-40B4-BE49-F238E27FC236}">
+                <a16:creationId xmlns:a16="http://schemas.microsoft.com/office/drawing/2014/main" id="{00A2A20A-5BEC-49C2-ACB2-C6135EF03E67}"/>
+              </a:ext>
+            </a:extLst>
+          </p:cNvPr>
+          <p:cNvSpPr txBox="1"/>
+          <p:nvPr/>
+        </p:nvSpPr>
+        <p:spPr>
+          <a:xfrm>
+            <a:off x="6514811" y="2484582"/>
+            <a:ext cx="2124363" cy="369332"/>
+          </a:xfrm>
+          <a:prstGeom prst="rect">
+            <a:avLst/>
+          </a:prstGeom>
+          <a:noFill/>
+        </p:spPr>
+        <p:txBody>
+          <a:bodyPr wrap="square" rtlCol="0">
+            <a:spAutoFit/>
+          </a:bodyPr>
+          <a:lstStyle/>
+          <a:p>
+            <a:r>
+              <a:rPr lang="ru-RU" dirty="0"/>
+              <a:t>Шаг 2</a:t>
+            </a:r>
+          </a:p>
+        </p:txBody>
+      </p:sp>
     </p:spTree>
     <p:extLst>
       <p:ext uri="{BB962C8B-B14F-4D97-AF65-F5344CB8AC3E}">
@@ -4109,11 +3905,11 @@
           </a:lstStyle>
           <a:p>
             <a:r>
-              <a:rPr lang="ru-RU" sz="3600" dirty="0" smtClean="0"/>
+              <a:rPr lang="ru-RU" sz="3600" dirty="0"/>
               <a:t>Б) Предложите пример синтаксически правильной цепочки для выбранной грамматике. Нужно построить синтаксическое дерево.</a:t>
             </a:r>
             <a:br>
-              <a:rPr lang="ru-RU" sz="3600" dirty="0" smtClean="0"/>
+              <a:rPr lang="ru-RU" sz="3600" dirty="0"/>
             </a:br>
             <a:endParaRPr lang="ru-RU" sz="3600" dirty="0"/>
           </a:p>
@@ -4121,7 +3917,13 @@
       </p:sp>
       <p:pic>
         <p:nvPicPr>
-          <p:cNvPr id="5" name="Рисунок 4"/>
+          <p:cNvPr id="10" name="Рисунок 9">
+            <a:extLst>
+              <a:ext uri="{FF2B5EF4-FFF2-40B4-BE49-F238E27FC236}">
+                <a16:creationId xmlns:a16="http://schemas.microsoft.com/office/drawing/2014/main" id="{B43E6557-93C0-4EA6-B7A5-A0509D9C6B60}"/>
+              </a:ext>
+            </a:extLst>
+          </p:cNvPr>
           <p:cNvPicPr>
             <a:picLocks noChangeAspect="1"/>
           </p:cNvPicPr>
@@ -4135,8 +3937,8 @@
         </p:blipFill>
         <p:spPr>
           <a:xfrm>
-            <a:off x="239563" y="2501661"/>
-            <a:ext cx="4830307" cy="3748895"/>
+            <a:off x="196160" y="1822547"/>
+            <a:ext cx="5052116" cy="4825902"/>
           </a:xfrm>
           <a:prstGeom prst="rect">
             <a:avLst/>
@@ -4145,7 +3947,13 @@
       </p:pic>
       <p:pic>
         <p:nvPicPr>
-          <p:cNvPr id="6" name="Рисунок 5"/>
+          <p:cNvPr id="12" name="Рисунок 11">
+            <a:extLst>
+              <a:ext uri="{FF2B5EF4-FFF2-40B4-BE49-F238E27FC236}">
+                <a16:creationId xmlns:a16="http://schemas.microsoft.com/office/drawing/2014/main" id="{3F959B36-8D0A-4492-8EFC-C1601FF7ACEE}"/>
+              </a:ext>
+            </a:extLst>
+          </p:cNvPr>
           <p:cNvPicPr>
             <a:picLocks noChangeAspect="1"/>
           </p:cNvPicPr>
@@ -4159,62 +3967,122 @@
         </p:blipFill>
         <p:spPr>
           <a:xfrm>
-            <a:off x="6548527" y="1691862"/>
-            <a:ext cx="3854930" cy="4445831"/>
+            <a:off x="6943725" y="2038349"/>
+            <a:ext cx="4562475" cy="4610100"/>
           </a:xfrm>
           <a:prstGeom prst="rect">
             <a:avLst/>
           </a:prstGeom>
         </p:spPr>
       </p:pic>
-      <p:pic>
-        <p:nvPicPr>
-          <p:cNvPr id="7" name="Рисунок 6"/>
-          <p:cNvPicPr>
-            <a:picLocks noChangeAspect="1"/>
-          </p:cNvPicPr>
+      <p:sp>
+        <p:nvSpPr>
+          <p:cNvPr id="13" name="TextBox 12">
+            <a:extLst>
+              <a:ext uri="{FF2B5EF4-FFF2-40B4-BE49-F238E27FC236}">
+                <a16:creationId xmlns:a16="http://schemas.microsoft.com/office/drawing/2014/main" id="{B8958A77-36F1-4267-9E7C-0C3BB65AFFBC}"/>
+              </a:ext>
+            </a:extLst>
+          </p:cNvPr>
+          <p:cNvSpPr txBox="1"/>
           <p:nvPr/>
-        </p:nvPicPr>
-        <p:blipFill>
-          <a:blip r:embed="rId4"/>
-          <a:stretch>
-            <a:fillRect/>
-          </a:stretch>
-        </p:blipFill>
-        <p:spPr>
-          <a:xfrm>
-            <a:off x="3984595" y="5623343"/>
-            <a:ext cx="962025" cy="514350"/>
+        </p:nvSpPr>
+        <p:spPr>
+          <a:xfrm>
+            <a:off x="332509" y="2038349"/>
+            <a:ext cx="2124363" cy="369332"/>
           </a:xfrm>
           <a:prstGeom prst="rect">
             <a:avLst/>
           </a:prstGeom>
-        </p:spPr>
-      </p:pic>
-      <p:pic>
-        <p:nvPicPr>
-          <p:cNvPr id="8" name="Рисунок 7"/>
-          <p:cNvPicPr>
-            <a:picLocks noChangeAspect="1"/>
-          </p:cNvPicPr>
+          <a:noFill/>
+        </p:spPr>
+        <p:txBody>
+          <a:bodyPr wrap="square" rtlCol="0">
+            <a:spAutoFit/>
+          </a:bodyPr>
+          <a:lstStyle/>
+          <a:p>
+            <a:r>
+              <a:rPr lang="ru-RU" dirty="0"/>
+              <a:t>Шаг 3</a:t>
+            </a:r>
+          </a:p>
+        </p:txBody>
+      </p:sp>
+      <p:sp>
+        <p:nvSpPr>
+          <p:cNvPr id="14" name="TextBox 13">
+            <a:extLst>
+              <a:ext uri="{FF2B5EF4-FFF2-40B4-BE49-F238E27FC236}">
+                <a16:creationId xmlns:a16="http://schemas.microsoft.com/office/drawing/2014/main" id="{8E45CFA7-67E6-4857-82DB-0F9AB5D4ACEA}"/>
+              </a:ext>
+            </a:extLst>
+          </p:cNvPr>
+          <p:cNvSpPr txBox="1"/>
           <p:nvPr/>
-        </p:nvPicPr>
-        <p:blipFill>
-          <a:blip r:embed="rId4"/>
-          <a:stretch>
-            <a:fillRect/>
-          </a:stretch>
-        </p:blipFill>
-        <p:spPr>
-          <a:xfrm>
-            <a:off x="9643457" y="5736566"/>
-            <a:ext cx="734122" cy="392501"/>
+        </p:nvSpPr>
+        <p:spPr>
+          <a:xfrm>
+            <a:off x="6534727" y="2038349"/>
+            <a:ext cx="2124363" cy="369332"/>
           </a:xfrm>
           <a:prstGeom prst="rect">
             <a:avLst/>
           </a:prstGeom>
-        </p:spPr>
-      </p:pic>
+          <a:noFill/>
+        </p:spPr>
+        <p:txBody>
+          <a:bodyPr wrap="square" rtlCol="0">
+            <a:spAutoFit/>
+          </a:bodyPr>
+          <a:lstStyle/>
+          <a:p>
+            <a:r>
+              <a:rPr lang="ru-RU" dirty="0"/>
+              <a:t>Шаг 4</a:t>
+            </a:r>
+          </a:p>
+        </p:txBody>
+      </p:sp>
+      <p:cxnSp>
+        <p:nvCxnSpPr>
+          <p:cNvPr id="15" name="Прямая соединительная линия 14">
+            <a:extLst>
+              <a:ext uri="{FF2B5EF4-FFF2-40B4-BE49-F238E27FC236}">
+                <a16:creationId xmlns:a16="http://schemas.microsoft.com/office/drawing/2014/main" id="{B2D460EE-7E39-4FAE-BAF5-CB3AC6122F55}"/>
+              </a:ext>
+            </a:extLst>
+          </p:cNvPr>
+          <p:cNvCxnSpPr>
+            <a:cxnSpLocks/>
+          </p:cNvCxnSpPr>
+          <p:nvPr/>
+        </p:nvCxnSpPr>
+        <p:spPr>
+          <a:xfrm>
+            <a:off x="5763491" y="1549928"/>
+            <a:ext cx="0" cy="5308072"/>
+          </a:xfrm>
+          <a:prstGeom prst="line">
+            <a:avLst/>
+          </a:prstGeom>
+        </p:spPr>
+        <p:style>
+          <a:lnRef idx="1">
+            <a:schemeClr val="dk1"/>
+          </a:lnRef>
+          <a:fillRef idx="0">
+            <a:schemeClr val="dk1"/>
+          </a:fillRef>
+          <a:effectRef idx="0">
+            <a:schemeClr val="dk1"/>
+          </a:effectRef>
+          <a:fontRef idx="minor">
+            <a:schemeClr val="tx1"/>
+          </a:fontRef>
+        </p:style>
+      </p:cxnSp>
     </p:spTree>
     <p:extLst>
       <p:ext uri="{BB962C8B-B14F-4D97-AF65-F5344CB8AC3E}">
@@ -4264,19 +4132,20 @@
           <a:p>
             <a:r>
               <a:rPr lang="ru-RU" sz="3600" dirty="0"/>
-              <a:t>Б) Предложите пример синтаксически правильной цепочки для выбранной грамматике. Нужно построить синтаксическое дерево</a:t>
-            </a:r>
-            <a:r>
-              <a:rPr lang="ru-RU" sz="3600" dirty="0" smtClean="0"/>
-              <a:t>.</a:t>
-            </a:r>
-            <a:endParaRPr lang="ru-RU" sz="3600" dirty="0"/>
+              <a:t>Б) Предложите пример синтаксически правильной цепочки для выбранной грамматике. Нужно построить синтаксическое дерево.</a:t>
+            </a:r>
           </a:p>
         </p:txBody>
       </p:sp>
       <p:pic>
         <p:nvPicPr>
-          <p:cNvPr id="4" name="Рисунок 3"/>
+          <p:cNvPr id="9" name="Рисунок 8">
+            <a:extLst>
+              <a:ext uri="{FF2B5EF4-FFF2-40B4-BE49-F238E27FC236}">
+                <a16:creationId xmlns:a16="http://schemas.microsoft.com/office/drawing/2014/main" id="{8D46905F-29C5-415E-9B23-C362C84A5B91}"/>
+              </a:ext>
+            </a:extLst>
+          </p:cNvPr>
           <p:cNvPicPr>
             <a:picLocks noChangeAspect="1"/>
           </p:cNvPicPr>
@@ -4290,8 +4159,8 @@
         </p:blipFill>
         <p:spPr>
           <a:xfrm>
-            <a:off x="462142" y="2079636"/>
-            <a:ext cx="4135737" cy="4467199"/>
+            <a:off x="563852" y="1779272"/>
+            <a:ext cx="4026622" cy="4972076"/>
           </a:xfrm>
           <a:prstGeom prst="rect">
             <a:avLst/>
@@ -4300,7 +4169,13 @@
       </p:pic>
       <p:pic>
         <p:nvPicPr>
-          <p:cNvPr id="5" name="Рисунок 4"/>
+          <p:cNvPr id="11" name="Рисунок 10">
+            <a:extLst>
+              <a:ext uri="{FF2B5EF4-FFF2-40B4-BE49-F238E27FC236}">
+                <a16:creationId xmlns:a16="http://schemas.microsoft.com/office/drawing/2014/main" id="{6533C05A-5EA0-44DE-99A5-CFAF3D5D173B}"/>
+              </a:ext>
+            </a:extLst>
+          </p:cNvPr>
           <p:cNvPicPr>
             <a:picLocks noChangeAspect="1"/>
           </p:cNvPicPr>
@@ -4314,86 +4189,122 @@
         </p:blipFill>
         <p:spPr>
           <a:xfrm>
-            <a:off x="4688366" y="2163056"/>
-            <a:ext cx="3683375" cy="4383779"/>
+            <a:off x="6947621" y="1799405"/>
+            <a:ext cx="3850679" cy="4972076"/>
           </a:xfrm>
           <a:prstGeom prst="rect">
             <a:avLst/>
           </a:prstGeom>
         </p:spPr>
       </p:pic>
-      <p:pic>
-        <p:nvPicPr>
-          <p:cNvPr id="6" name="Рисунок 5"/>
-          <p:cNvPicPr>
-            <a:picLocks noChangeAspect="1"/>
-          </p:cNvPicPr>
+      <p:cxnSp>
+        <p:nvCxnSpPr>
+          <p:cNvPr id="12" name="Прямая соединительная линия 11">
+            <a:extLst>
+              <a:ext uri="{FF2B5EF4-FFF2-40B4-BE49-F238E27FC236}">
+                <a16:creationId xmlns:a16="http://schemas.microsoft.com/office/drawing/2014/main" id="{59EB8300-85B3-4F9E-8959-DA71DF7EDFD1}"/>
+              </a:ext>
+            </a:extLst>
+          </p:cNvPr>
+          <p:cNvCxnSpPr>
+            <a:cxnSpLocks/>
+          </p:cNvCxnSpPr>
           <p:nvPr/>
-        </p:nvPicPr>
-        <p:blipFill>
-          <a:blip r:embed="rId4"/>
-          <a:stretch>
-            <a:fillRect/>
-          </a:stretch>
-        </p:blipFill>
-        <p:spPr>
-          <a:xfrm>
-            <a:off x="3726341" y="6136209"/>
-            <a:ext cx="768021" cy="410625"/>
+        </p:nvCxnSpPr>
+        <p:spPr>
+          <a:xfrm>
+            <a:off x="5763491" y="1549928"/>
+            <a:ext cx="0" cy="5308072"/>
+          </a:xfrm>
+          <a:prstGeom prst="line">
+            <a:avLst/>
+          </a:prstGeom>
+        </p:spPr>
+        <p:style>
+          <a:lnRef idx="1">
+            <a:schemeClr val="dk1"/>
+          </a:lnRef>
+          <a:fillRef idx="0">
+            <a:schemeClr val="dk1"/>
+          </a:fillRef>
+          <a:effectRef idx="0">
+            <a:schemeClr val="dk1"/>
+          </a:effectRef>
+          <a:fontRef idx="minor">
+            <a:schemeClr val="tx1"/>
+          </a:fontRef>
+        </p:style>
+      </p:cxnSp>
+      <p:sp>
+        <p:nvSpPr>
+          <p:cNvPr id="13" name="TextBox 12">
+            <a:extLst>
+              <a:ext uri="{FF2B5EF4-FFF2-40B4-BE49-F238E27FC236}">
+                <a16:creationId xmlns:a16="http://schemas.microsoft.com/office/drawing/2014/main" id="{879103F9-08D9-4E18-B0C5-11A1394FB424}"/>
+              </a:ext>
+            </a:extLst>
+          </p:cNvPr>
+          <p:cNvSpPr txBox="1"/>
+          <p:nvPr/>
+        </p:nvSpPr>
+        <p:spPr>
+          <a:xfrm>
+            <a:off x="332509" y="2038349"/>
+            <a:ext cx="2124363" cy="369332"/>
           </a:xfrm>
           <a:prstGeom prst="rect">
             <a:avLst/>
           </a:prstGeom>
-        </p:spPr>
-      </p:pic>
-      <p:pic>
-        <p:nvPicPr>
-          <p:cNvPr id="7" name="Рисунок 6"/>
-          <p:cNvPicPr>
-            <a:picLocks noChangeAspect="1"/>
-          </p:cNvPicPr>
+          <a:noFill/>
+        </p:spPr>
+        <p:txBody>
+          <a:bodyPr wrap="square" rtlCol="0">
+            <a:spAutoFit/>
+          </a:bodyPr>
+          <a:lstStyle/>
+          <a:p>
+            <a:r>
+              <a:rPr lang="ru-RU" dirty="0"/>
+              <a:t>Шаг 5</a:t>
+            </a:r>
+          </a:p>
+        </p:txBody>
+      </p:sp>
+      <p:sp>
+        <p:nvSpPr>
+          <p:cNvPr id="14" name="TextBox 13">
+            <a:extLst>
+              <a:ext uri="{FF2B5EF4-FFF2-40B4-BE49-F238E27FC236}">
+                <a16:creationId xmlns:a16="http://schemas.microsoft.com/office/drawing/2014/main" id="{2FE6A293-7732-4B27-80E4-8E58DA0CEA7A}"/>
+              </a:ext>
+            </a:extLst>
+          </p:cNvPr>
+          <p:cNvSpPr txBox="1"/>
           <p:nvPr/>
-        </p:nvPicPr>
-        <p:blipFill>
-          <a:blip r:embed="rId4"/>
-          <a:stretch>
-            <a:fillRect/>
-          </a:stretch>
-        </p:blipFill>
-        <p:spPr>
-          <a:xfrm>
-            <a:off x="7500204" y="6211018"/>
-            <a:ext cx="628098" cy="335815"/>
+        </p:nvSpPr>
+        <p:spPr>
+          <a:xfrm>
+            <a:off x="6211455" y="2038349"/>
+            <a:ext cx="2124363" cy="369332"/>
           </a:xfrm>
           <a:prstGeom prst="rect">
             <a:avLst/>
           </a:prstGeom>
-        </p:spPr>
-      </p:pic>
-      <p:pic>
-        <p:nvPicPr>
-          <p:cNvPr id="8" name="Рисунок 7"/>
-          <p:cNvPicPr>
-            <a:picLocks noChangeAspect="1"/>
-          </p:cNvPicPr>
-          <p:nvPr/>
-        </p:nvPicPr>
-        <p:blipFill>
-          <a:blip r:embed="rId5"/>
-          <a:stretch>
-            <a:fillRect/>
-          </a:stretch>
-        </p:blipFill>
-        <p:spPr>
-          <a:xfrm>
-            <a:off x="8160199" y="1407706"/>
-            <a:ext cx="4031801" cy="5139127"/>
-          </a:xfrm>
-          <a:prstGeom prst="rect">
-            <a:avLst/>
-          </a:prstGeom>
-        </p:spPr>
-      </p:pic>
+          <a:noFill/>
+        </p:spPr>
+        <p:txBody>
+          <a:bodyPr wrap="square" rtlCol="0">
+            <a:spAutoFit/>
+          </a:bodyPr>
+          <a:lstStyle/>
+          <a:p>
+            <a:r>
+              <a:rPr lang="ru-RU" dirty="0"/>
+              <a:t>Шаг 6</a:t>
+            </a:r>
+          </a:p>
+        </p:txBody>
+      </p:sp>
     </p:spTree>
     <p:extLst>
       <p:ext uri="{BB962C8B-B14F-4D97-AF65-F5344CB8AC3E}">
@@ -4436,8 +4347,8 @@
         </p:nvSpPr>
         <p:spPr>
           <a:xfrm>
-            <a:off x="838200" y="296114"/>
-            <a:ext cx="10515600" cy="1325563"/>
+            <a:off x="0" y="0"/>
+            <a:ext cx="5966691" cy="886691"/>
           </a:xfrm>
         </p:spPr>
         <p:txBody>
@@ -4447,20 +4358,21 @@
           <a:lstStyle/>
           <a:p>
             <a:r>
-              <a:rPr lang="ru-RU" sz="3600" dirty="0"/>
-              <a:t>Б) Предложите пример синтаксически правильной цепочки для выбранной грамматике. Нужно построить синтаксическое дерево</a:t>
-            </a:r>
-            <a:r>
-              <a:rPr lang="ru-RU" sz="3600" dirty="0" smtClean="0"/>
-              <a:t>.</a:t>
-            </a:r>
-            <a:endParaRPr lang="ru-RU" sz="3600" dirty="0"/>
+              <a:rPr lang="ru-RU" sz="1800" dirty="0"/>
+              <a:t>Б) Предложите пример синтаксически правильной цепочки для выбранной грамматике. Нужно построить синтаксическое дерево.</a:t>
+            </a:r>
           </a:p>
         </p:txBody>
       </p:sp>
       <p:pic>
         <p:nvPicPr>
-          <p:cNvPr id="5" name="Рисунок 4"/>
+          <p:cNvPr id="3" name="Рисунок 2">
+            <a:extLst>
+              <a:ext uri="{FF2B5EF4-FFF2-40B4-BE49-F238E27FC236}">
+                <a16:creationId xmlns:a16="http://schemas.microsoft.com/office/drawing/2014/main" id="{8CC25FA0-8EA1-48B8-BCF6-C1AB462E68C5}"/>
+              </a:ext>
+            </a:extLst>
+          </p:cNvPr>
           <p:cNvPicPr>
             <a:picLocks noChangeAspect="1"/>
           </p:cNvPicPr>
@@ -4474,38 +4386,49 @@
         </p:blipFill>
         <p:spPr>
           <a:xfrm>
-            <a:off x="1373038" y="1837425"/>
-            <a:ext cx="3898960" cy="4933957"/>
+            <a:off x="5966691" y="0"/>
+            <a:ext cx="4420634" cy="6681924"/>
           </a:xfrm>
           <a:prstGeom prst="rect">
             <a:avLst/>
           </a:prstGeom>
         </p:spPr>
       </p:pic>
-      <p:pic>
-        <p:nvPicPr>
-          <p:cNvPr id="6" name="Рисунок 5"/>
-          <p:cNvPicPr>
-            <a:picLocks noChangeAspect="1"/>
-          </p:cNvPicPr>
+      <p:sp>
+        <p:nvSpPr>
+          <p:cNvPr id="7" name="TextBox 6">
+            <a:extLst>
+              <a:ext uri="{FF2B5EF4-FFF2-40B4-BE49-F238E27FC236}">
+                <a16:creationId xmlns:a16="http://schemas.microsoft.com/office/drawing/2014/main" id="{EC690314-F356-4404-8E76-FF37D739CDD6}"/>
+              </a:ext>
+            </a:extLst>
+          </p:cNvPr>
+          <p:cNvSpPr txBox="1"/>
           <p:nvPr/>
-        </p:nvPicPr>
-        <p:blipFill>
-          <a:blip r:embed="rId3"/>
-          <a:stretch>
-            <a:fillRect/>
-          </a:stretch>
-        </p:blipFill>
-        <p:spPr>
-          <a:xfrm>
-            <a:off x="6304292" y="1739916"/>
-            <a:ext cx="4099165" cy="5031466"/>
+        </p:nvSpPr>
+        <p:spPr>
+          <a:xfrm>
+            <a:off x="2983345" y="1133185"/>
+            <a:ext cx="2124363" cy="369332"/>
           </a:xfrm>
           <a:prstGeom prst="rect">
             <a:avLst/>
           </a:prstGeom>
-        </p:spPr>
-      </p:pic>
+          <a:noFill/>
+        </p:spPr>
+        <p:txBody>
+          <a:bodyPr wrap="square" rtlCol="0">
+            <a:spAutoFit/>
+          </a:bodyPr>
+          <a:lstStyle/>
+          <a:p>
+            <a:r>
+              <a:rPr lang="ru-RU" dirty="0"/>
+              <a:t>Шаг 7</a:t>
+            </a:r>
+          </a:p>
+        </p:txBody>
+      </p:sp>
     </p:spTree>
     <p:extLst>
       <p:ext uri="{BB962C8B-B14F-4D97-AF65-F5344CB8AC3E}">
@@ -4553,20 +4476,12 @@
           </a:bodyPr>
           <a:lstStyle/>
           <a:p>
-            <a:r>
-              <a:rPr lang="ru-RU" sz="2800" dirty="0" smtClean="0"/>
-              <a:t/>
-            </a:r>
             <a:br>
-              <a:rPr lang="ru-RU" sz="2800" dirty="0" smtClean="0"/>
+              <a:rPr lang="ru-RU" sz="2800" dirty="0"/>
             </a:br>
             <a:r>
-              <a:rPr lang="ru-RU" sz="2800" dirty="0" smtClean="0"/>
-              <a:t>В)Выполните </a:t>
-            </a:r>
-            <a:r>
               <a:rPr lang="ru-RU" sz="2800" dirty="0"/>
-              <a:t>разбор данной цепочки в соответствии с алгоритмом «сдвиг-свертка». Убедитесь, что в работе алгоритма появляется то же дерево, что было построено на шаге б).</a:t>
+              <a:t>В)Выполните разбор данной цепочки в соответствии с алгоритмом «сдвиг-свертка». Убедитесь, что в работе алгоритма появляется то же дерево, что было построено на шаге б).</a:t>
             </a:r>
             <a:br>
               <a:rPr lang="ru-RU" sz="2800" dirty="0"/>
@@ -4627,12 +4542,8 @@
               <a:buAutoNum type="arabicParenR"/>
             </a:pPr>
             <a:r>
-              <a:rPr lang="en-US" dirty="0" smtClean="0"/>
-              <a:t>Ꜫ //</a:t>
-            </a:r>
-            <a:r>
-              <a:rPr lang="ru-RU" dirty="0" smtClean="0"/>
-              <a:t> сдвиг</a:t>
+              <a:rPr lang="ru-RU" dirty="0"/>
+              <a:t>.</a:t>
             </a:r>
           </a:p>
           <a:p>
@@ -4640,8 +4551,8 @@
               <a:buAutoNum type="arabicParenR"/>
             </a:pPr>
             <a:r>
-              <a:rPr lang="ru-RU" dirty="0" smtClean="0"/>
-              <a:t>а // свёртка</a:t>
+              <a:rPr lang="ru-RU" dirty="0"/>
+              <a:t>.</a:t>
             </a:r>
           </a:p>
         </p:txBody>
@@ -4717,24 +4628,17 @@
           <a:lstStyle/>
           <a:p>
             <a:r>
-              <a:rPr lang="en-US" dirty="0" smtClean="0"/>
-              <a:t>3) A //</a:t>
-            </a:r>
-            <a:r>
-              <a:rPr lang="ru-RU" dirty="0" smtClean="0"/>
-              <a:t>сдвиг</a:t>
+              <a:rPr lang="en-US" dirty="0"/>
+              <a:t>3) </a:t>
             </a:r>
             <a:br>
-              <a:rPr lang="ru-RU" dirty="0" smtClean="0"/>
+              <a:rPr lang="ru-RU" dirty="0"/>
             </a:br>
             <a:r>
-              <a:rPr lang="en-US" dirty="0" smtClean="0"/>
-              <a:t>4) Ab //</a:t>
-            </a:r>
-            <a:r>
-              <a:rPr lang="ru-RU" dirty="0" smtClean="0"/>
-              <a:t> свёртка</a:t>
-            </a:r>
+              <a:rPr lang="en-US" dirty="0"/>
+              <a:t>4) </a:t>
+            </a:r>
+            <a:endParaRPr lang="ru-RU" dirty="0"/>
           </a:p>
         </p:txBody>
       </p:sp>
@@ -4785,31 +4689,26 @@
           <a:lstStyle/>
           <a:p>
             <a:r>
-              <a:rPr lang="ru-RU" dirty="0" smtClean="0"/>
+              <a:rPr lang="ru-RU" dirty="0"/>
               <a:t>5</a:t>
             </a:r>
             <a:r>
-              <a:rPr lang="en-US" dirty="0" smtClean="0"/>
-              <a:t>) A</a:t>
-            </a:r>
-            <a:r>
               <a:rPr lang="en-US" dirty="0"/>
-              <a:t>B</a:t>
-            </a:r>
-            <a:r>
-              <a:rPr lang="en-US" dirty="0" smtClean="0"/>
-              <a:t> // </a:t>
-            </a:r>
-            <a:r>
-              <a:rPr lang="ru-RU" dirty="0" smtClean="0"/>
-              <a:t>свёртка</a:t>
-            </a:r>
+              <a:t>)</a:t>
+            </a:r>
+            <a:endParaRPr lang="ru-RU" dirty="0"/>
           </a:p>
         </p:txBody>
       </p:sp>
       <p:pic>
         <p:nvPicPr>
-          <p:cNvPr id="19" name="Рисунок 18"/>
+          <p:cNvPr id="4" name="Рисунок 3">
+            <a:extLst>
+              <a:ext uri="{FF2B5EF4-FFF2-40B4-BE49-F238E27FC236}">
+                <a16:creationId xmlns:a16="http://schemas.microsoft.com/office/drawing/2014/main" id="{8C102991-D31B-4004-8AA8-69887B979C3A}"/>
+              </a:ext>
+            </a:extLst>
+          </p:cNvPr>
           <p:cNvPicPr>
             <a:picLocks noChangeAspect="1"/>
           </p:cNvPicPr>
@@ -4823,8 +4722,8 @@
         </p:blipFill>
         <p:spPr>
           <a:xfrm>
-            <a:off x="6812620" y="4645231"/>
-            <a:ext cx="3711516" cy="2159577"/>
+            <a:off x="7035455" y="4673576"/>
+            <a:ext cx="3263090" cy="2151800"/>
           </a:xfrm>
           <a:prstGeom prst="rect">
             <a:avLst/>
@@ -4883,20 +4782,12 @@
           </a:bodyPr>
           <a:lstStyle/>
           <a:p>
-            <a:r>
-              <a:rPr lang="ru-RU" sz="2800" dirty="0" smtClean="0"/>
-              <a:t/>
-            </a:r>
             <a:br>
-              <a:rPr lang="ru-RU" sz="2800" dirty="0" smtClean="0"/>
+              <a:rPr lang="ru-RU" sz="2800" dirty="0"/>
             </a:br>
             <a:r>
-              <a:rPr lang="ru-RU" sz="2800" dirty="0" smtClean="0"/>
-              <a:t>В)Выполните </a:t>
-            </a:r>
-            <a:r>
               <a:rPr lang="ru-RU" sz="2800" dirty="0"/>
-              <a:t>разбор данной цепочки в соответствии с алгоритмом «сдвиг-свертка». Убедитесь, что в работе алгоритма появляется то же дерево, что было построено на шаге б).</a:t>
+              <a:t>В)Выполните разбор данной цепочки в соответствии с алгоритмом «сдвиг-свертка». Убедитесь, что в работе алгоритма появляется то же дерево, что было построено на шаге б).</a:t>
             </a:r>
             <a:br>
               <a:rPr lang="ru-RU" sz="2800" dirty="0"/>
@@ -4932,27 +4823,56 @@
               <a:t>6</a:t>
             </a:r>
             <a:r>
-              <a:rPr lang="en-US" dirty="0" smtClean="0"/>
+              <a:rPr lang="en-US" dirty="0"/>
               <a:t>)  </a:t>
             </a:r>
-            <a:r>
-              <a:rPr lang="ru-RU" dirty="0" smtClean="0"/>
-              <a:t>А </a:t>
-            </a:r>
-            <a:r>
-              <a:rPr lang="en-US" dirty="0" smtClean="0"/>
-              <a:t>// </a:t>
-            </a:r>
-            <a:r>
-              <a:rPr lang="ru-RU" dirty="0" smtClean="0"/>
-              <a:t>сдвиг</a:t>
-            </a:r>
+            <a:endParaRPr lang="ru-RU" dirty="0"/>
+          </a:p>
+        </p:txBody>
+      </p:sp>
+      <p:sp>
+        <p:nvSpPr>
+          <p:cNvPr id="9" name="TextBox 8"/>
+          <p:cNvSpPr txBox="1"/>
+          <p:nvPr/>
+        </p:nvSpPr>
+        <p:spPr>
+          <a:xfrm>
+            <a:off x="6205268" y="1917005"/>
+            <a:ext cx="5555411" cy="369332"/>
+          </a:xfrm>
+          <a:prstGeom prst="rect">
+            <a:avLst/>
+          </a:prstGeom>
+          <a:noFill/>
+        </p:spPr>
+        <p:txBody>
+          <a:bodyPr wrap="square" rtlCol="0">
+            <a:spAutoFit/>
+          </a:bodyPr>
+          <a:lstStyle/>
+          <a:p>
+            <a:r>
+              <a:rPr lang="ru-RU" dirty="0"/>
+              <a:t>7</a:t>
+            </a:r>
+            <a:r>
+              <a:rPr lang="en-US" dirty="0"/>
+              <a:t>)  </a:t>
+            </a:r>
+            <a:endParaRPr lang="ru-RU" dirty="0"/>
           </a:p>
         </p:txBody>
       </p:sp>
       <p:pic>
         <p:nvPicPr>
-          <p:cNvPr id="8" name="Рисунок 7"/>
+          <p:cNvPr id="3" name="Рисунок 2">
+            <a:extLst>
+              <a:ext uri="{FF2B5EF4-FFF2-40B4-BE49-F238E27FC236}">
+                <a16:creationId xmlns:a16="http://schemas.microsoft.com/office/drawing/2014/main" id="{B9513FF0-5622-4E8A-BD3F-3772FBEA4872}"/>
+              </a:ext>
+            </a:extLst>
+          </p:cNvPr>
           <p:cNvPicPr>
             <a:picLocks noChangeAspect="1"/>
           </p:cNvPicPr>
@@ -4966,66 +4886,23 @@
         </p:blipFill>
         <p:spPr>
           <a:xfrm>
-            <a:off x="838200" y="2420938"/>
-            <a:ext cx="4307456" cy="3136131"/>
+            <a:off x="540589" y="2771342"/>
+            <a:ext cx="4343400" cy="2867025"/>
           </a:xfrm>
           <a:prstGeom prst="rect">
             <a:avLst/>
           </a:prstGeom>
         </p:spPr>
       </p:pic>
-      <p:sp>
-        <p:nvSpPr>
-          <p:cNvPr id="9" name="TextBox 8"/>
-          <p:cNvSpPr txBox="1"/>
-          <p:nvPr/>
-        </p:nvSpPr>
-        <p:spPr>
-          <a:xfrm>
-            <a:off x="6205268" y="1917005"/>
-            <a:ext cx="5555411" cy="369332"/>
-          </a:xfrm>
-          <a:prstGeom prst="rect">
-            <a:avLst/>
-          </a:prstGeom>
-          <a:noFill/>
-        </p:spPr>
-        <p:txBody>
-          <a:bodyPr wrap="square" rtlCol="0">
-            <a:spAutoFit/>
-          </a:bodyPr>
-          <a:lstStyle/>
-          <a:p>
-            <a:r>
-              <a:rPr lang="ru-RU" dirty="0" smtClean="0"/>
-              <a:t>7</a:t>
-            </a:r>
-            <a:r>
-              <a:rPr lang="en-US" dirty="0" smtClean="0"/>
-              <a:t>)  </a:t>
-            </a:r>
-            <a:r>
-              <a:rPr lang="ru-RU" dirty="0" err="1" smtClean="0"/>
-              <a:t>Аа</a:t>
-            </a:r>
-            <a:r>
-              <a:rPr lang="ru-RU" dirty="0" smtClean="0"/>
-              <a:t> </a:t>
-            </a:r>
-            <a:r>
-              <a:rPr lang="en-US" dirty="0" smtClean="0"/>
-              <a:t>// </a:t>
-            </a:r>
-            <a:r>
-              <a:rPr lang="ru-RU" dirty="0" smtClean="0"/>
-              <a:t>свёртка</a:t>
-            </a:r>
-          </a:p>
-        </p:txBody>
-      </p:sp>
       <p:pic>
         <p:nvPicPr>
-          <p:cNvPr id="10" name="Рисунок 9"/>
+          <p:cNvPr id="6" name="Рисунок 5">
+            <a:extLst>
+              <a:ext uri="{FF2B5EF4-FFF2-40B4-BE49-F238E27FC236}">
+                <a16:creationId xmlns:a16="http://schemas.microsoft.com/office/drawing/2014/main" id="{855151EB-CBFE-4BE6-8214-4A0FCF974931}"/>
+              </a:ext>
+            </a:extLst>
+          </p:cNvPr>
           <p:cNvPicPr>
             <a:picLocks noChangeAspect="1"/>
           </p:cNvPicPr>
@@ -5039,8 +4916,8 @@
         </p:blipFill>
         <p:spPr>
           <a:xfrm>
-            <a:off x="6654110" y="2420938"/>
-            <a:ext cx="4657725" cy="3257550"/>
+            <a:off x="6205268" y="2288646"/>
+            <a:ext cx="4486275" cy="4305300"/>
           </a:xfrm>
           <a:prstGeom prst="rect">
             <a:avLst/>
@@ -5087,7 +4964,7 @@
         </p:nvSpPr>
         <p:spPr>
           <a:xfrm>
-            <a:off x="838200" y="250107"/>
+            <a:off x="794066" y="-107379"/>
             <a:ext cx="10515600" cy="1325563"/>
           </a:xfrm>
           <a:prstGeom prst="rect">
@@ -5118,19 +4995,15 @@
             </a:lvl1pPr>
           </a:lstStyle>
           <a:p>
-            <a:r>
-              <a:rPr lang="ru-RU" sz="2800" dirty="0" smtClean="0"/>
-              <a:t/>
-            </a:r>
             <a:br>
-              <a:rPr lang="ru-RU" sz="2800" dirty="0" smtClean="0"/>
+              <a:rPr lang="ru-RU" sz="2800" dirty="0"/>
             </a:br>
             <a:r>
-              <a:rPr lang="ru-RU" sz="2800" dirty="0" smtClean="0"/>
+              <a:rPr lang="ru-RU" sz="2800" dirty="0"/>
               <a:t>В)Выполните разбор данной цепочки в соответствии с алгоритмом «сдвиг-свертка». Убедитесь, что в работе алгоритма появляется то же дерево, что было построено на шаге б).</a:t>
             </a:r>
             <a:br>
-              <a:rPr lang="ru-RU" sz="2800" dirty="0" smtClean="0"/>
+              <a:rPr lang="ru-RU" sz="2800" dirty="0"/>
             </a:br>
             <a:endParaRPr lang="ru-RU" sz="2800" dirty="0"/>
           </a:p>
@@ -5159,35 +5032,99 @@
           <a:lstStyle/>
           <a:p>
             <a:r>
-              <a:rPr lang="ru-RU" dirty="0" smtClean="0"/>
+              <a:rPr lang="ru-RU" dirty="0"/>
               <a:t>7</a:t>
             </a:r>
             <a:r>
-              <a:rPr lang="en-US" dirty="0" smtClean="0"/>
-              <a:t>)  </a:t>
-            </a:r>
-            <a:r>
-              <a:rPr lang="ru-RU" dirty="0" err="1" smtClean="0"/>
-              <a:t>АА</a:t>
-            </a:r>
-            <a:r>
-              <a:rPr lang="ru-RU" dirty="0" smtClean="0"/>
+              <a:rPr lang="en-US" dirty="0"/>
+              <a:t>) </a:t>
+            </a:r>
+            <a:endParaRPr lang="ru-RU" dirty="0"/>
+          </a:p>
+        </p:txBody>
+      </p:sp>
+      <p:sp>
+        <p:nvSpPr>
+          <p:cNvPr id="8" name="TextBox 7"/>
+          <p:cNvSpPr txBox="1"/>
+          <p:nvPr/>
+        </p:nvSpPr>
+        <p:spPr>
+          <a:xfrm>
+            <a:off x="5890753" y="1218184"/>
+            <a:ext cx="5555411" cy="769441"/>
+          </a:xfrm>
+          <a:prstGeom prst="rect">
+            <a:avLst/>
+          </a:prstGeom>
+          <a:noFill/>
+        </p:spPr>
+        <p:txBody>
+          <a:bodyPr wrap="square" rtlCol="0">
+            <a:spAutoFit/>
+          </a:bodyPr>
+          <a:lstStyle/>
+          <a:p>
+            <a:r>
+              <a:rPr lang="ru-RU" sz="1100" dirty="0"/>
+              <a:t>8</a:t>
+            </a:r>
+            <a:r>
+              <a:rPr lang="en-US" sz="1100" dirty="0"/>
+              <a:t>)</a:t>
+            </a:r>
+            <a:r>
+              <a:rPr lang="ru-RU" sz="1100" dirty="0"/>
+              <a:t> 10)</a:t>
+            </a:r>
+            <a:r>
+              <a:rPr lang="en-US" sz="1100" dirty="0"/>
+              <a:t>S</a:t>
+            </a:r>
+          </a:p>
+          <a:p>
+            <a:r>
+              <a:rPr lang="ru-RU" sz="1100" dirty="0"/>
+              <a:t>Алгоритм закончен, потому что мы пришли в </a:t>
+            </a:r>
+            <a:r>
+              <a:rPr lang="en-US" sz="1100" dirty="0"/>
+              <a:t>S </a:t>
+            </a:r>
+            <a:r>
+              <a:rPr lang="ru-RU" sz="1100" dirty="0"/>
+              <a:t>больше нечего сдвигать или </a:t>
+            </a:r>
+            <a:r>
+              <a:rPr lang="ru-RU" sz="1100" dirty="0" err="1"/>
+              <a:t>свертать</a:t>
+            </a:r>
+            <a:br>
+              <a:rPr lang="ru-RU" sz="1100" dirty="0"/>
+            </a:br>
+            <a:r>
+              <a:rPr lang="ru-RU" sz="1100" dirty="0"/>
+              <a:t>Вывод: Дерево построенное на шаге Б то же, что и построенное в ходе алгоритма.</a:t>
+            </a:r>
+          </a:p>
+          <a:p>
+            <a:r>
+              <a:rPr lang="en-US" sz="1100" dirty="0"/>
               <a:t> </a:t>
             </a:r>
-            <a:r>
-              <a:rPr lang="en-US" dirty="0" smtClean="0"/>
-              <a:t>// </a:t>
-            </a:r>
-            <a:r>
-              <a:rPr lang="ru-RU" dirty="0" smtClean="0"/>
-              <a:t>свёртка</a:t>
-            </a:r>
+            <a:endParaRPr lang="ru-RU" sz="1100" dirty="0"/>
           </a:p>
         </p:txBody>
       </p:sp>
       <p:pic>
         <p:nvPicPr>
-          <p:cNvPr id="7" name="Рисунок 6"/>
+          <p:cNvPr id="3" name="Рисунок 2">
+            <a:extLst>
+              <a:ext uri="{FF2B5EF4-FFF2-40B4-BE49-F238E27FC236}">
+                <a16:creationId xmlns:a16="http://schemas.microsoft.com/office/drawing/2014/main" id="{474E82DC-D6E3-4005-BD3B-F00972BDA155}"/>
+              </a:ext>
+            </a:extLst>
+          </p:cNvPr>
           <p:cNvPicPr>
             <a:picLocks noChangeAspect="1"/>
           </p:cNvPicPr>
@@ -5201,62 +5138,23 @@
         </p:blipFill>
         <p:spPr>
           <a:xfrm>
-            <a:off x="838200" y="2144594"/>
-            <a:ext cx="4629150" cy="4314825"/>
+            <a:off x="505980" y="2086465"/>
+            <a:ext cx="4400550" cy="4400550"/>
           </a:xfrm>
           <a:prstGeom prst="rect">
             <a:avLst/>
           </a:prstGeom>
         </p:spPr>
       </p:pic>
-      <p:sp>
-        <p:nvSpPr>
-          <p:cNvPr id="8" name="TextBox 7"/>
-          <p:cNvSpPr txBox="1"/>
-          <p:nvPr/>
-        </p:nvSpPr>
-        <p:spPr>
-          <a:xfrm>
-            <a:off x="6313098" y="1663817"/>
-            <a:ext cx="5555411" cy="369332"/>
-          </a:xfrm>
-          <a:prstGeom prst="rect">
-            <a:avLst/>
-          </a:prstGeom>
-          <a:noFill/>
-        </p:spPr>
-        <p:txBody>
-          <a:bodyPr wrap="square" rtlCol="0">
-            <a:spAutoFit/>
-          </a:bodyPr>
-          <a:lstStyle/>
-          <a:p>
-            <a:r>
-              <a:rPr lang="ru-RU" dirty="0"/>
-              <a:t>8</a:t>
-            </a:r>
-            <a:r>
-              <a:rPr lang="en-US" dirty="0" smtClean="0"/>
-              <a:t>)  </a:t>
-            </a:r>
-            <a:r>
-              <a:rPr lang="ru-RU" dirty="0" smtClean="0"/>
-              <a:t>А </a:t>
-            </a:r>
-            <a:r>
-              <a:rPr lang="en-US" dirty="0" smtClean="0"/>
-              <a:t>// </a:t>
-            </a:r>
-            <a:r>
-              <a:rPr lang="ru-RU" dirty="0" smtClean="0"/>
-              <a:t>сдвиг</a:t>
-            </a:r>
-          </a:p>
-        </p:txBody>
-      </p:sp>
       <p:pic>
         <p:nvPicPr>
-          <p:cNvPr id="9" name="Рисунок 8"/>
+          <p:cNvPr id="10" name="Рисунок 9">
+            <a:extLst>
+              <a:ext uri="{FF2B5EF4-FFF2-40B4-BE49-F238E27FC236}">
+                <a16:creationId xmlns:a16="http://schemas.microsoft.com/office/drawing/2014/main" id="{B5094378-C620-4027-AEAF-B6BF2E78B637}"/>
+              </a:ext>
+            </a:extLst>
+          </p:cNvPr>
           <p:cNvPicPr>
             <a:picLocks noChangeAspect="1"/>
           </p:cNvPicPr>
@@ -5270,8 +5168,8 @@
         </p:blipFill>
         <p:spPr>
           <a:xfrm>
-            <a:off x="7170931" y="2144594"/>
-            <a:ext cx="3839744" cy="4553393"/>
+            <a:off x="7566630" y="2086465"/>
+            <a:ext cx="4052716" cy="4650232"/>
           </a:xfrm>
           <a:prstGeom prst="rect">
             <a:avLst/>

--- a/task7.pptx
+++ b/task7.pptx
@@ -11,10 +11,20 @@
     <p:sldId id="259" r:id="rId5"/>
     <p:sldId id="260" r:id="rId6"/>
     <p:sldId id="261" r:id="rId7"/>
-    <p:sldId id="262" r:id="rId8"/>
-    <p:sldId id="263" r:id="rId9"/>
-    <p:sldId id="264" r:id="rId10"/>
-    <p:sldId id="266" r:id="rId11"/>
+    <p:sldId id="269" r:id="rId8"/>
+    <p:sldId id="270" r:id="rId9"/>
+    <p:sldId id="271" r:id="rId10"/>
+    <p:sldId id="272" r:id="rId11"/>
+    <p:sldId id="273" r:id="rId12"/>
+    <p:sldId id="274" r:id="rId13"/>
+    <p:sldId id="275" r:id="rId14"/>
+    <p:sldId id="276" r:id="rId15"/>
+    <p:sldId id="277" r:id="rId16"/>
+    <p:sldId id="278" r:id="rId17"/>
+    <p:sldId id="279" r:id="rId18"/>
+    <p:sldId id="280" r:id="rId19"/>
+    <p:sldId id="268" r:id="rId20"/>
+    <p:sldId id="281" r:id="rId21"/>
   </p:sldIdLst>
   <p:sldSz cx="12192000" cy="6858000"/>
   <p:notesSz cx="6858000" cy="9144000"/>
@@ -250,7 +260,7 @@
           <a:p>
             <a:fld id="{CB8AB8CA-94B0-4D70-B3AA-F4F604145185}" type="datetimeFigureOut">
               <a:rPr lang="ru-RU" smtClean="0"/>
-              <a:t>22.12.2020</a:t>
+              <a:t>22.01.2021</a:t>
             </a:fld>
             <a:endParaRPr lang="ru-RU"/>
           </a:p>
@@ -418,7 +428,7 @@
           <a:p>
             <a:fld id="{CB8AB8CA-94B0-4D70-B3AA-F4F604145185}" type="datetimeFigureOut">
               <a:rPr lang="ru-RU" smtClean="0"/>
-              <a:t>22.12.2020</a:t>
+              <a:t>22.01.2021</a:t>
             </a:fld>
             <a:endParaRPr lang="ru-RU"/>
           </a:p>
@@ -596,7 +606,7 @@
           <a:p>
             <a:fld id="{CB8AB8CA-94B0-4D70-B3AA-F4F604145185}" type="datetimeFigureOut">
               <a:rPr lang="ru-RU" smtClean="0"/>
-              <a:t>22.12.2020</a:t>
+              <a:t>22.01.2021</a:t>
             </a:fld>
             <a:endParaRPr lang="ru-RU"/>
           </a:p>
@@ -764,7 +774,7 @@
           <a:p>
             <a:fld id="{CB8AB8CA-94B0-4D70-B3AA-F4F604145185}" type="datetimeFigureOut">
               <a:rPr lang="ru-RU" smtClean="0"/>
-              <a:t>22.12.2020</a:t>
+              <a:t>22.01.2021</a:t>
             </a:fld>
             <a:endParaRPr lang="ru-RU"/>
           </a:p>
@@ -1009,7 +1019,7 @@
           <a:p>
             <a:fld id="{CB8AB8CA-94B0-4D70-B3AA-F4F604145185}" type="datetimeFigureOut">
               <a:rPr lang="ru-RU" smtClean="0"/>
-              <a:t>22.12.2020</a:t>
+              <a:t>22.01.2021</a:t>
             </a:fld>
             <a:endParaRPr lang="ru-RU"/>
           </a:p>
@@ -1238,7 +1248,7 @@
           <a:p>
             <a:fld id="{CB8AB8CA-94B0-4D70-B3AA-F4F604145185}" type="datetimeFigureOut">
               <a:rPr lang="ru-RU" smtClean="0"/>
-              <a:t>22.12.2020</a:t>
+              <a:t>22.01.2021</a:t>
             </a:fld>
             <a:endParaRPr lang="ru-RU"/>
           </a:p>
@@ -1602,7 +1612,7 @@
           <a:p>
             <a:fld id="{CB8AB8CA-94B0-4D70-B3AA-F4F604145185}" type="datetimeFigureOut">
               <a:rPr lang="ru-RU" smtClean="0"/>
-              <a:t>22.12.2020</a:t>
+              <a:t>22.01.2021</a:t>
             </a:fld>
             <a:endParaRPr lang="ru-RU"/>
           </a:p>
@@ -1719,7 +1729,7 @@
           <a:p>
             <a:fld id="{CB8AB8CA-94B0-4D70-B3AA-F4F604145185}" type="datetimeFigureOut">
               <a:rPr lang="ru-RU" smtClean="0"/>
-              <a:t>22.12.2020</a:t>
+              <a:t>22.01.2021</a:t>
             </a:fld>
             <a:endParaRPr lang="ru-RU"/>
           </a:p>
@@ -1814,7 +1824,7 @@
           <a:p>
             <a:fld id="{CB8AB8CA-94B0-4D70-B3AA-F4F604145185}" type="datetimeFigureOut">
               <a:rPr lang="ru-RU" smtClean="0"/>
-              <a:t>22.12.2020</a:t>
+              <a:t>22.01.2021</a:t>
             </a:fld>
             <a:endParaRPr lang="ru-RU"/>
           </a:p>
@@ -2089,7 +2099,7 @@
           <a:p>
             <a:fld id="{CB8AB8CA-94B0-4D70-B3AA-F4F604145185}" type="datetimeFigureOut">
               <a:rPr lang="ru-RU" smtClean="0"/>
-              <a:t>22.12.2020</a:t>
+              <a:t>22.01.2021</a:t>
             </a:fld>
             <a:endParaRPr lang="ru-RU"/>
           </a:p>
@@ -2341,7 +2351,7 @@
           <a:p>
             <a:fld id="{CB8AB8CA-94B0-4D70-B3AA-F4F604145185}" type="datetimeFigureOut">
               <a:rPr lang="ru-RU" smtClean="0"/>
-              <a:t>22.12.2020</a:t>
+              <a:t>22.01.2021</a:t>
             </a:fld>
             <a:endParaRPr lang="ru-RU"/>
           </a:p>
@@ -2552,7 +2562,7 @@
           <a:p>
             <a:fld id="{CB8AB8CA-94B0-4D70-B3AA-F4F604145185}" type="datetimeFigureOut">
               <a:rPr lang="ru-RU" smtClean="0"/>
-              <a:t>22.12.2020</a:t>
+              <a:t>22.01.2021</a:t>
             </a:fld>
             <a:endParaRPr lang="ru-RU"/>
           </a:p>
@@ -2976,7 +2986,7 @@
           </a:ln>
           <a:extLst>
             <a:ext uri="{C572A759-6A51-4108-AA02-DFA0A04FC94B}">
-              <ma14:wrappingTextBoxFlag xmlns:ma14="http://schemas.microsoft.com/office/mac/drawingml/2011/main" xmlns:a14="http://schemas.microsoft.com/office/drawing/2010/main" xmlns:m="http://schemas.openxmlformats.org/officeDocument/2006/math" xmlns="" val="1"/>
+              <ma14:wrappingTextBoxFlag xmlns="" xmlns:m="http://schemas.openxmlformats.org/officeDocument/2006/math" xmlns:a14="http://schemas.microsoft.com/office/drawing/2010/main" xmlns:ma14="http://schemas.microsoft.com/office/mac/drawingml/2011/main" val="1"/>
             </a:ext>
           </a:extLst>
         </p:spPr>
@@ -3066,6 +3076,10 @@
               <a:rPr lang="ru-RU" sz="4100" dirty="0"/>
               <a:t>Синтаксически-управляемый семантический анализ</a:t>
             </a:r>
+            <a:r>
+              <a:rPr dirty="0"/>
+              <a:t/>
+            </a:r>
             <a:br>
               <a:rPr dirty="0"/>
             </a:br>
@@ -3213,7 +3227,7 @@
           </a:ln>
           <a:extLst>
             <a:ext uri="{C572A759-6A51-4108-AA02-DFA0A04FC94B}">
-              <ma14:wrappingTextBoxFlag xmlns:ma14="http://schemas.microsoft.com/office/mac/drawingml/2011/main" xmlns:a14="http://schemas.microsoft.com/office/drawing/2010/main" xmlns:m="http://schemas.openxmlformats.org/officeDocument/2006/math" xmlns="" val="1"/>
+              <ma14:wrappingTextBoxFlag xmlns="" xmlns:m="http://schemas.openxmlformats.org/officeDocument/2006/math" xmlns:a14="http://schemas.microsoft.com/office/drawing/2010/main" xmlns:ma14="http://schemas.microsoft.com/office/mac/drawingml/2011/main" val="1"/>
             </a:ext>
           </a:extLst>
         </p:spPr>
@@ -3300,67 +3314,129 @@
       <p:sp>
         <p:nvSpPr>
           <p:cNvPr id="4" name="Заголовок 1"/>
-          <p:cNvSpPr txBox="1">
-            <a:spLocks/>
-          </p:cNvSpPr>
-          <p:nvPr/>
-        </p:nvSpPr>
-        <p:spPr>
-          <a:xfrm>
-            <a:off x="838200" y="250107"/>
-            <a:ext cx="10515600" cy="1325563"/>
-          </a:xfrm>
-          <a:prstGeom prst="rect">
-            <a:avLst/>
-          </a:prstGeom>
-        </p:spPr>
-        <p:txBody>
-          <a:bodyPr vert="horz" lIns="91440" tIns="45720" rIns="91440" bIns="45720" rtlCol="0" anchor="ctr">
-            <a:noAutofit/>
+          <p:cNvSpPr>
+            <a:spLocks noGrp="1"/>
+          </p:cNvSpPr>
+          <p:nvPr>
+            <p:ph type="title"/>
+          </p:nvPr>
+        </p:nvSpPr>
+        <p:spPr>
+          <a:xfrm>
+            <a:off x="-1" y="1"/>
+            <a:ext cx="12192001" cy="1535501"/>
+          </a:xfrm>
+        </p:spPr>
+        <p:txBody>
+          <a:bodyPr>
+            <a:normAutofit/>
           </a:bodyPr>
-          <a:lstStyle>
-            <a:lvl1pPr algn="l" defTabSz="914400" rtl="0" eaLnBrk="1" latinLnBrk="0" hangingPunct="1">
-              <a:lnSpc>
-                <a:spcPct val="90000"/>
-              </a:lnSpc>
-              <a:spcBef>
-                <a:spcPct val="0"/>
-              </a:spcBef>
-              <a:buNone/>
-              <a:defRPr sz="4400" kern="1200">
-                <a:solidFill>
-                  <a:schemeClr val="tx1"/>
-                </a:solidFill>
-                <a:latin typeface="+mj-lt"/>
-                <a:ea typeface="+mj-ea"/>
-                <a:cs typeface="+mj-cs"/>
-              </a:defRPr>
-            </a:lvl1pPr>
-          </a:lstStyle>
-          <a:p>
+          <a:lstStyle/>
+          <a:p>
+            <a:r>
+              <a:rPr lang="ru-RU" sz="3200" dirty="0"/>
+              <a:t>В)Выполните разбор данной цепочки в соответствии с алгоритмом «сдвиг-свертка». Убедитесь, что в работе алгоритма появляется то же дерево, что было построено на шаге б).</a:t>
+            </a:r>
+          </a:p>
+        </p:txBody>
+      </p:sp>
+      <p:sp>
+        <p:nvSpPr>
+          <p:cNvPr id="5" name="TextBox 4"/>
+          <p:cNvSpPr txBox="1"/>
+          <p:nvPr/>
+        </p:nvSpPr>
+        <p:spPr>
+          <a:xfrm>
+            <a:off x="138023" y="1535502"/>
+            <a:ext cx="1742535" cy="923330"/>
+          </a:xfrm>
+          <a:prstGeom prst="rect">
+            <a:avLst/>
+          </a:prstGeom>
+          <a:noFill/>
+        </p:spPr>
+        <p:txBody>
+          <a:bodyPr wrap="square" rtlCol="0">
+            <a:spAutoFit/>
+          </a:bodyPr>
+          <a:lstStyle/>
+          <a:p>
+            <a:r>
+              <a:rPr lang="en-US" dirty="0"/>
+              <a:t>S → AB | BA </a:t>
+            </a:r>
+            <a:r>
+              <a:rPr lang="ru-RU" dirty="0"/>
+              <a:t/>
+            </a:r>
             <a:br>
-              <a:rPr lang="ru-RU" sz="2800" dirty="0"/>
+              <a:rPr lang="ru-RU" dirty="0"/>
             </a:br>
             <a:r>
-              <a:rPr lang="ru-RU" sz="2800" dirty="0"/>
-              <a:t>В)Выполните разбор данной цепочки в соответствии с алгоритмом «сдвиг-свертка». Убедитесь, что в работе алгоритма появляется то же дерево, что было построено на шаге б).</a:t>
+              <a:rPr lang="en-US" dirty="0" smtClean="0"/>
+              <a:t>A </a:t>
+            </a:r>
+            <a:r>
+              <a:rPr lang="en-US" dirty="0"/>
+              <a:t>→ AB | AA | a </a:t>
+            </a:r>
+            <a:r>
+              <a:rPr lang="ru-RU" dirty="0"/>
+              <a:t/>
             </a:r>
             <a:br>
-              <a:rPr lang="ru-RU" sz="2800" dirty="0"/>
+              <a:rPr lang="ru-RU" dirty="0"/>
             </a:br>
-            <a:endParaRPr lang="ru-RU" sz="2800" dirty="0"/>
+            <a:r>
+              <a:rPr lang="en-US" dirty="0" smtClean="0"/>
+              <a:t>B </a:t>
+            </a:r>
+            <a:r>
+              <a:rPr lang="en-US" dirty="0"/>
+              <a:t>→ </a:t>
+            </a:r>
+            <a:r>
+              <a:rPr lang="en-US" dirty="0" smtClean="0"/>
+              <a:t>b</a:t>
+            </a:r>
+            <a:endParaRPr lang="ru-RU" dirty="0"/>
+          </a:p>
+        </p:txBody>
+      </p:sp>
+      <p:sp>
+        <p:nvSpPr>
+          <p:cNvPr id="6" name="TextBox 5"/>
+          <p:cNvSpPr txBox="1"/>
+          <p:nvPr/>
+        </p:nvSpPr>
+        <p:spPr>
+          <a:xfrm>
+            <a:off x="2888677" y="2557738"/>
+            <a:ext cx="1276350" cy="369332"/>
+          </a:xfrm>
+          <a:prstGeom prst="rect">
+            <a:avLst/>
+          </a:prstGeom>
+          <a:noFill/>
+        </p:spPr>
+        <p:txBody>
+          <a:bodyPr wrap="square" rtlCol="0">
+            <a:spAutoFit/>
+          </a:bodyPr>
+          <a:lstStyle/>
+          <a:p>
+            <a:pPr algn="ctr"/>
+            <a:r>
+              <a:rPr lang="ru-RU" dirty="0" smtClean="0"/>
+              <a:t>Шаг 4. </a:t>
+            </a:r>
           </a:p>
         </p:txBody>
       </p:sp>
       <p:pic>
         <p:nvPicPr>
-          <p:cNvPr id="7" name="Рисунок 6">
-            <a:extLst>
-              <a:ext uri="{FF2B5EF4-FFF2-40B4-BE49-F238E27FC236}">
-                <a16:creationId xmlns:a16="http://schemas.microsoft.com/office/drawing/2014/main" id="{0001D865-EC39-493A-BA84-606E2412B24E}"/>
-              </a:ext>
-            </a:extLst>
-          </p:cNvPr>
+          <p:cNvPr id="7" name="Рисунок 6"/>
           <p:cNvPicPr>
             <a:picLocks noChangeAspect="1"/>
           </p:cNvPicPr>
@@ -3374,8 +3450,8 @@
         </p:blipFill>
         <p:spPr>
           <a:xfrm>
-            <a:off x="6947793" y="2045322"/>
-            <a:ext cx="4052716" cy="4650232"/>
+            <a:off x="2071597" y="2927070"/>
+            <a:ext cx="2962275" cy="2505075"/>
           </a:xfrm>
           <a:prstGeom prst="rect">
             <a:avLst/>
@@ -3384,13 +3460,7 @@
       </p:pic>
       <p:pic>
         <p:nvPicPr>
-          <p:cNvPr id="8" name="Рисунок 7">
-            <a:extLst>
-              <a:ext uri="{FF2B5EF4-FFF2-40B4-BE49-F238E27FC236}">
-                <a16:creationId xmlns:a16="http://schemas.microsoft.com/office/drawing/2014/main" id="{B4153B1B-8BB3-4A54-9706-DC0D44AFE9B1}"/>
-              </a:ext>
-            </a:extLst>
-          </p:cNvPr>
+          <p:cNvPr id="8" name="Рисунок 7"/>
           <p:cNvPicPr>
             <a:picLocks noChangeAspect="1"/>
           </p:cNvPicPr>
@@ -3404,8 +3474,8 @@
         </p:blipFill>
         <p:spPr>
           <a:xfrm>
-            <a:off x="1191491" y="2045322"/>
-            <a:ext cx="3140363" cy="4746755"/>
+            <a:off x="5850952" y="2293657"/>
+            <a:ext cx="6038850" cy="3771900"/>
           </a:xfrm>
           <a:prstGeom prst="rect">
             <a:avLst/>
@@ -3415,7 +3485,1978 @@
     </p:spTree>
     <p:extLst>
       <p:ext uri="{BB962C8B-B14F-4D97-AF65-F5344CB8AC3E}">
-        <p14:creationId xmlns:p14="http://schemas.microsoft.com/office/powerpoint/2010/main" val="2775878473"/>
+        <p14:creationId xmlns:p14="http://schemas.microsoft.com/office/powerpoint/2010/main" val="3778856700"/>
+      </p:ext>
+    </p:extLst>
+  </p:cSld>
+  <p:clrMapOvr>
+    <a:masterClrMapping/>
+  </p:clrMapOvr>
+</p:sld>
+</file>
+
+<file path=ppt/slides/slide11.xml><?xml version="1.0" encoding="utf-8"?>
+<p:sld xmlns:a="http://schemas.openxmlformats.org/drawingml/2006/main" xmlns:r="http://schemas.openxmlformats.org/officeDocument/2006/relationships" xmlns:p="http://schemas.openxmlformats.org/presentationml/2006/main">
+  <p:cSld>
+    <p:spTree>
+      <p:nvGrpSpPr>
+        <p:cNvPr id="1" name=""/>
+        <p:cNvGrpSpPr/>
+        <p:nvPr/>
+      </p:nvGrpSpPr>
+      <p:grpSpPr>
+        <a:xfrm>
+          <a:off x="0" y="0"/>
+          <a:ext cx="0" cy="0"/>
+          <a:chOff x="0" y="0"/>
+          <a:chExt cx="0" cy="0"/>
+        </a:xfrm>
+      </p:grpSpPr>
+      <p:sp>
+        <p:nvSpPr>
+          <p:cNvPr id="4" name="Заголовок 1"/>
+          <p:cNvSpPr>
+            <a:spLocks noGrp="1"/>
+          </p:cNvSpPr>
+          <p:nvPr>
+            <p:ph type="title"/>
+          </p:nvPr>
+        </p:nvSpPr>
+        <p:spPr>
+          <a:xfrm>
+            <a:off x="-1" y="1"/>
+            <a:ext cx="12192001" cy="1535501"/>
+          </a:xfrm>
+        </p:spPr>
+        <p:txBody>
+          <a:bodyPr>
+            <a:normAutofit/>
+          </a:bodyPr>
+          <a:lstStyle/>
+          <a:p>
+            <a:r>
+              <a:rPr lang="ru-RU" sz="3200" dirty="0"/>
+              <a:t>В)Выполните разбор данной цепочки в соответствии с алгоритмом «сдвиг-свертка». Убедитесь, что в работе алгоритма появляется то же дерево, что было построено на шаге б).</a:t>
+            </a:r>
+          </a:p>
+        </p:txBody>
+      </p:sp>
+      <p:sp>
+        <p:nvSpPr>
+          <p:cNvPr id="5" name="TextBox 4"/>
+          <p:cNvSpPr txBox="1"/>
+          <p:nvPr/>
+        </p:nvSpPr>
+        <p:spPr>
+          <a:xfrm>
+            <a:off x="138023" y="1535502"/>
+            <a:ext cx="1742535" cy="923330"/>
+          </a:xfrm>
+          <a:prstGeom prst="rect">
+            <a:avLst/>
+          </a:prstGeom>
+          <a:noFill/>
+        </p:spPr>
+        <p:txBody>
+          <a:bodyPr wrap="square" rtlCol="0">
+            <a:spAutoFit/>
+          </a:bodyPr>
+          <a:lstStyle/>
+          <a:p>
+            <a:r>
+              <a:rPr lang="en-US" dirty="0"/>
+              <a:t>S → AB | BA </a:t>
+            </a:r>
+            <a:r>
+              <a:rPr lang="ru-RU" dirty="0"/>
+              <a:t/>
+            </a:r>
+            <a:br>
+              <a:rPr lang="ru-RU" dirty="0"/>
+            </a:br>
+            <a:r>
+              <a:rPr lang="en-US" dirty="0" smtClean="0"/>
+              <a:t>A </a:t>
+            </a:r>
+            <a:r>
+              <a:rPr lang="en-US" dirty="0"/>
+              <a:t>→ AB | AA | a </a:t>
+            </a:r>
+            <a:r>
+              <a:rPr lang="ru-RU" dirty="0"/>
+              <a:t/>
+            </a:r>
+            <a:br>
+              <a:rPr lang="ru-RU" dirty="0"/>
+            </a:br>
+            <a:r>
+              <a:rPr lang="en-US" dirty="0" smtClean="0"/>
+              <a:t>B </a:t>
+            </a:r>
+            <a:r>
+              <a:rPr lang="en-US" dirty="0"/>
+              <a:t>→ </a:t>
+            </a:r>
+            <a:r>
+              <a:rPr lang="en-US" dirty="0" smtClean="0"/>
+              <a:t>b</a:t>
+            </a:r>
+            <a:endParaRPr lang="ru-RU" dirty="0"/>
+          </a:p>
+        </p:txBody>
+      </p:sp>
+      <p:pic>
+        <p:nvPicPr>
+          <p:cNvPr id="6" name="Рисунок 5"/>
+          <p:cNvPicPr>
+            <a:picLocks noChangeAspect="1"/>
+          </p:cNvPicPr>
+          <p:nvPr/>
+        </p:nvPicPr>
+        <p:blipFill>
+          <a:blip r:embed="rId2"/>
+          <a:stretch>
+            <a:fillRect/>
+          </a:stretch>
+        </p:blipFill>
+        <p:spPr>
+          <a:xfrm>
+            <a:off x="1811547" y="2881222"/>
+            <a:ext cx="2723053" cy="3868857"/>
+          </a:xfrm>
+          <a:prstGeom prst="rect">
+            <a:avLst/>
+          </a:prstGeom>
+        </p:spPr>
+      </p:pic>
+      <p:sp>
+        <p:nvSpPr>
+          <p:cNvPr id="7" name="TextBox 6"/>
+          <p:cNvSpPr txBox="1"/>
+          <p:nvPr/>
+        </p:nvSpPr>
+        <p:spPr>
+          <a:xfrm>
+            <a:off x="2534898" y="2583617"/>
+            <a:ext cx="1276350" cy="369332"/>
+          </a:xfrm>
+          <a:prstGeom prst="rect">
+            <a:avLst/>
+          </a:prstGeom>
+          <a:noFill/>
+        </p:spPr>
+        <p:txBody>
+          <a:bodyPr wrap="square" rtlCol="0">
+            <a:spAutoFit/>
+          </a:bodyPr>
+          <a:lstStyle/>
+          <a:p>
+            <a:pPr algn="ctr"/>
+            <a:r>
+              <a:rPr lang="ru-RU" dirty="0" smtClean="0"/>
+              <a:t>Шаг 5. </a:t>
+            </a:r>
+          </a:p>
+        </p:txBody>
+      </p:sp>
+      <p:pic>
+        <p:nvPicPr>
+          <p:cNvPr id="8" name="Рисунок 7"/>
+          <p:cNvPicPr>
+            <a:picLocks noChangeAspect="1"/>
+          </p:cNvPicPr>
+          <p:nvPr/>
+        </p:nvPicPr>
+        <p:blipFill>
+          <a:blip r:embed="rId3"/>
+          <a:stretch>
+            <a:fillRect/>
+          </a:stretch>
+        </p:blipFill>
+        <p:spPr>
+          <a:xfrm>
+            <a:off x="5615437" y="1997167"/>
+            <a:ext cx="5981700" cy="4495800"/>
+          </a:xfrm>
+          <a:prstGeom prst="rect">
+            <a:avLst/>
+          </a:prstGeom>
+        </p:spPr>
+      </p:pic>
+    </p:spTree>
+    <p:extLst>
+      <p:ext uri="{BB962C8B-B14F-4D97-AF65-F5344CB8AC3E}">
+        <p14:creationId xmlns:p14="http://schemas.microsoft.com/office/powerpoint/2010/main" val="1615940261"/>
+      </p:ext>
+    </p:extLst>
+  </p:cSld>
+  <p:clrMapOvr>
+    <a:masterClrMapping/>
+  </p:clrMapOvr>
+</p:sld>
+</file>
+
+<file path=ppt/slides/slide12.xml><?xml version="1.0" encoding="utf-8"?>
+<p:sld xmlns:a="http://schemas.openxmlformats.org/drawingml/2006/main" xmlns:r="http://schemas.openxmlformats.org/officeDocument/2006/relationships" xmlns:p="http://schemas.openxmlformats.org/presentationml/2006/main">
+  <p:cSld>
+    <p:spTree>
+      <p:nvGrpSpPr>
+        <p:cNvPr id="1" name=""/>
+        <p:cNvGrpSpPr/>
+        <p:nvPr/>
+      </p:nvGrpSpPr>
+      <p:grpSpPr>
+        <a:xfrm>
+          <a:off x="0" y="0"/>
+          <a:ext cx="0" cy="0"/>
+          <a:chOff x="0" y="0"/>
+          <a:chExt cx="0" cy="0"/>
+        </a:xfrm>
+      </p:grpSpPr>
+      <p:sp>
+        <p:nvSpPr>
+          <p:cNvPr id="4" name="Заголовок 1"/>
+          <p:cNvSpPr>
+            <a:spLocks noGrp="1"/>
+          </p:cNvSpPr>
+          <p:nvPr>
+            <p:ph type="title"/>
+          </p:nvPr>
+        </p:nvSpPr>
+        <p:spPr>
+          <a:xfrm>
+            <a:off x="-1" y="1"/>
+            <a:ext cx="12192001" cy="1535501"/>
+          </a:xfrm>
+        </p:spPr>
+        <p:txBody>
+          <a:bodyPr>
+            <a:normAutofit/>
+          </a:bodyPr>
+          <a:lstStyle/>
+          <a:p>
+            <a:r>
+              <a:rPr lang="ru-RU" sz="3200" dirty="0"/>
+              <a:t>В)Выполните разбор данной цепочки в соответствии с алгоритмом «сдвиг-свертка». Убедитесь, что в работе алгоритма появляется то же дерево, что было построено на шаге б).</a:t>
+            </a:r>
+          </a:p>
+        </p:txBody>
+      </p:sp>
+      <p:sp>
+        <p:nvSpPr>
+          <p:cNvPr id="5" name="TextBox 4"/>
+          <p:cNvSpPr txBox="1"/>
+          <p:nvPr/>
+        </p:nvSpPr>
+        <p:spPr>
+          <a:xfrm>
+            <a:off x="138023" y="1535502"/>
+            <a:ext cx="1742535" cy="923330"/>
+          </a:xfrm>
+          <a:prstGeom prst="rect">
+            <a:avLst/>
+          </a:prstGeom>
+          <a:noFill/>
+        </p:spPr>
+        <p:txBody>
+          <a:bodyPr wrap="square" rtlCol="0">
+            <a:spAutoFit/>
+          </a:bodyPr>
+          <a:lstStyle/>
+          <a:p>
+            <a:r>
+              <a:rPr lang="en-US" dirty="0"/>
+              <a:t>S → AB | BA </a:t>
+            </a:r>
+            <a:r>
+              <a:rPr lang="ru-RU" dirty="0"/>
+              <a:t/>
+            </a:r>
+            <a:br>
+              <a:rPr lang="ru-RU" dirty="0"/>
+            </a:br>
+            <a:r>
+              <a:rPr lang="en-US" dirty="0" smtClean="0"/>
+              <a:t>A </a:t>
+            </a:r>
+            <a:r>
+              <a:rPr lang="en-US" dirty="0"/>
+              <a:t>→ AB | AA | a </a:t>
+            </a:r>
+            <a:r>
+              <a:rPr lang="ru-RU" dirty="0"/>
+              <a:t/>
+            </a:r>
+            <a:br>
+              <a:rPr lang="ru-RU" dirty="0"/>
+            </a:br>
+            <a:r>
+              <a:rPr lang="en-US" dirty="0" smtClean="0"/>
+              <a:t>B </a:t>
+            </a:r>
+            <a:r>
+              <a:rPr lang="en-US" dirty="0"/>
+              <a:t>→ </a:t>
+            </a:r>
+            <a:r>
+              <a:rPr lang="en-US" dirty="0" smtClean="0"/>
+              <a:t>b</a:t>
+            </a:r>
+            <a:endParaRPr lang="ru-RU" dirty="0"/>
+          </a:p>
+        </p:txBody>
+      </p:sp>
+      <p:pic>
+        <p:nvPicPr>
+          <p:cNvPr id="7" name="Рисунок 6"/>
+          <p:cNvPicPr>
+            <a:picLocks noChangeAspect="1"/>
+          </p:cNvPicPr>
+          <p:nvPr/>
+        </p:nvPicPr>
+        <p:blipFill>
+          <a:blip r:embed="rId2"/>
+          <a:stretch>
+            <a:fillRect/>
+          </a:stretch>
+        </p:blipFill>
+        <p:spPr>
+          <a:xfrm>
+            <a:off x="597019" y="2674188"/>
+            <a:ext cx="4483911" cy="4053337"/>
+          </a:xfrm>
+          <a:prstGeom prst="rect">
+            <a:avLst/>
+          </a:prstGeom>
+        </p:spPr>
+      </p:pic>
+      <p:sp>
+        <p:nvSpPr>
+          <p:cNvPr id="8" name="TextBox 7"/>
+          <p:cNvSpPr txBox="1"/>
+          <p:nvPr/>
+        </p:nvSpPr>
+        <p:spPr>
+          <a:xfrm>
+            <a:off x="2018582" y="2304856"/>
+            <a:ext cx="1276350" cy="369332"/>
+          </a:xfrm>
+          <a:prstGeom prst="rect">
+            <a:avLst/>
+          </a:prstGeom>
+          <a:noFill/>
+        </p:spPr>
+        <p:txBody>
+          <a:bodyPr wrap="square" rtlCol="0">
+            <a:spAutoFit/>
+          </a:bodyPr>
+          <a:lstStyle/>
+          <a:p>
+            <a:pPr algn="ctr"/>
+            <a:r>
+              <a:rPr lang="ru-RU" dirty="0" smtClean="0"/>
+              <a:t>Шаг </a:t>
+            </a:r>
+            <a:r>
+              <a:rPr lang="en-US" dirty="0" smtClean="0"/>
+              <a:t>6</a:t>
+            </a:r>
+            <a:r>
+              <a:rPr lang="ru-RU" dirty="0" smtClean="0"/>
+              <a:t>. </a:t>
+            </a:r>
+          </a:p>
+        </p:txBody>
+      </p:sp>
+      <p:pic>
+        <p:nvPicPr>
+          <p:cNvPr id="9" name="Рисунок 8"/>
+          <p:cNvPicPr>
+            <a:picLocks noChangeAspect="1"/>
+          </p:cNvPicPr>
+          <p:nvPr/>
+        </p:nvPicPr>
+        <p:blipFill>
+          <a:blip r:embed="rId3"/>
+          <a:stretch>
+            <a:fillRect/>
+          </a:stretch>
+        </p:blipFill>
+        <p:spPr>
+          <a:xfrm>
+            <a:off x="5545527" y="1535502"/>
+            <a:ext cx="6000750" cy="5276850"/>
+          </a:xfrm>
+          <a:prstGeom prst="rect">
+            <a:avLst/>
+          </a:prstGeom>
+        </p:spPr>
+      </p:pic>
+    </p:spTree>
+    <p:extLst>
+      <p:ext uri="{BB962C8B-B14F-4D97-AF65-F5344CB8AC3E}">
+        <p14:creationId xmlns:p14="http://schemas.microsoft.com/office/powerpoint/2010/main" val="1929359947"/>
+      </p:ext>
+    </p:extLst>
+  </p:cSld>
+  <p:clrMapOvr>
+    <a:masterClrMapping/>
+  </p:clrMapOvr>
+</p:sld>
+</file>
+
+<file path=ppt/slides/slide13.xml><?xml version="1.0" encoding="utf-8"?>
+<p:sld xmlns:a="http://schemas.openxmlformats.org/drawingml/2006/main" xmlns:r="http://schemas.openxmlformats.org/officeDocument/2006/relationships" xmlns:p="http://schemas.openxmlformats.org/presentationml/2006/main">
+  <p:cSld>
+    <p:spTree>
+      <p:nvGrpSpPr>
+        <p:cNvPr id="1" name=""/>
+        <p:cNvGrpSpPr/>
+        <p:nvPr/>
+      </p:nvGrpSpPr>
+      <p:grpSpPr>
+        <a:xfrm>
+          <a:off x="0" y="0"/>
+          <a:ext cx="0" cy="0"/>
+          <a:chOff x="0" y="0"/>
+          <a:chExt cx="0" cy="0"/>
+        </a:xfrm>
+      </p:grpSpPr>
+      <p:sp>
+        <p:nvSpPr>
+          <p:cNvPr id="4" name="Заголовок 1"/>
+          <p:cNvSpPr>
+            <a:spLocks noGrp="1"/>
+          </p:cNvSpPr>
+          <p:nvPr>
+            <p:ph type="title"/>
+          </p:nvPr>
+        </p:nvSpPr>
+        <p:spPr>
+          <a:xfrm>
+            <a:off x="-1" y="1"/>
+            <a:ext cx="12192001" cy="1535501"/>
+          </a:xfrm>
+        </p:spPr>
+        <p:txBody>
+          <a:bodyPr>
+            <a:normAutofit/>
+          </a:bodyPr>
+          <a:lstStyle/>
+          <a:p>
+            <a:r>
+              <a:rPr lang="ru-RU" sz="3200" dirty="0"/>
+              <a:t>В)Выполните разбор данной цепочки в соответствии с алгоритмом «сдвиг-свертка». Убедитесь, что в работе алгоритма появляется то же дерево, что было построено на шаге б).</a:t>
+            </a:r>
+          </a:p>
+        </p:txBody>
+      </p:sp>
+      <p:sp>
+        <p:nvSpPr>
+          <p:cNvPr id="5" name="TextBox 4"/>
+          <p:cNvSpPr txBox="1"/>
+          <p:nvPr/>
+        </p:nvSpPr>
+        <p:spPr>
+          <a:xfrm>
+            <a:off x="138023" y="1535502"/>
+            <a:ext cx="1742535" cy="923330"/>
+          </a:xfrm>
+          <a:prstGeom prst="rect">
+            <a:avLst/>
+          </a:prstGeom>
+          <a:noFill/>
+        </p:spPr>
+        <p:txBody>
+          <a:bodyPr wrap="square" rtlCol="0">
+            <a:spAutoFit/>
+          </a:bodyPr>
+          <a:lstStyle/>
+          <a:p>
+            <a:r>
+              <a:rPr lang="en-US" dirty="0"/>
+              <a:t>S → AB | BA </a:t>
+            </a:r>
+            <a:r>
+              <a:rPr lang="ru-RU" dirty="0"/>
+              <a:t/>
+            </a:r>
+            <a:br>
+              <a:rPr lang="ru-RU" dirty="0"/>
+            </a:br>
+            <a:r>
+              <a:rPr lang="en-US" dirty="0" smtClean="0"/>
+              <a:t>A </a:t>
+            </a:r>
+            <a:r>
+              <a:rPr lang="en-US" dirty="0"/>
+              <a:t>→ AB | AA | a </a:t>
+            </a:r>
+            <a:r>
+              <a:rPr lang="ru-RU" dirty="0"/>
+              <a:t/>
+            </a:r>
+            <a:br>
+              <a:rPr lang="ru-RU" dirty="0"/>
+            </a:br>
+            <a:r>
+              <a:rPr lang="en-US" dirty="0" smtClean="0"/>
+              <a:t>B </a:t>
+            </a:r>
+            <a:r>
+              <a:rPr lang="en-US" dirty="0"/>
+              <a:t>→ </a:t>
+            </a:r>
+            <a:r>
+              <a:rPr lang="en-US" dirty="0" smtClean="0"/>
+              <a:t>b</a:t>
+            </a:r>
+            <a:endParaRPr lang="ru-RU" dirty="0"/>
+          </a:p>
+        </p:txBody>
+      </p:sp>
+      <p:pic>
+        <p:nvPicPr>
+          <p:cNvPr id="6" name="Рисунок 5"/>
+          <p:cNvPicPr>
+            <a:picLocks noChangeAspect="1"/>
+          </p:cNvPicPr>
+          <p:nvPr/>
+        </p:nvPicPr>
+        <p:blipFill>
+          <a:blip r:embed="rId2"/>
+          <a:stretch>
+            <a:fillRect/>
+          </a:stretch>
+        </p:blipFill>
+        <p:spPr>
+          <a:xfrm>
+            <a:off x="881602" y="2816615"/>
+            <a:ext cx="4676776" cy="4041385"/>
+          </a:xfrm>
+          <a:prstGeom prst="rect">
+            <a:avLst/>
+          </a:prstGeom>
+        </p:spPr>
+      </p:pic>
+      <p:sp>
+        <p:nvSpPr>
+          <p:cNvPr id="7" name="TextBox 6"/>
+          <p:cNvSpPr txBox="1"/>
+          <p:nvPr/>
+        </p:nvSpPr>
+        <p:spPr>
+          <a:xfrm>
+            <a:off x="2581815" y="2453058"/>
+            <a:ext cx="1276350" cy="369332"/>
+          </a:xfrm>
+          <a:prstGeom prst="rect">
+            <a:avLst/>
+          </a:prstGeom>
+          <a:noFill/>
+        </p:spPr>
+        <p:txBody>
+          <a:bodyPr wrap="square" rtlCol="0">
+            <a:spAutoFit/>
+          </a:bodyPr>
+          <a:lstStyle/>
+          <a:p>
+            <a:pPr algn="ctr"/>
+            <a:r>
+              <a:rPr lang="ru-RU" dirty="0" smtClean="0"/>
+              <a:t>Шаг </a:t>
+            </a:r>
+            <a:r>
+              <a:rPr lang="ru-RU" dirty="0"/>
+              <a:t>7</a:t>
+            </a:r>
+            <a:r>
+              <a:rPr lang="ru-RU" dirty="0" smtClean="0"/>
+              <a:t>. </a:t>
+            </a:r>
+          </a:p>
+        </p:txBody>
+      </p:sp>
+      <p:pic>
+        <p:nvPicPr>
+          <p:cNvPr id="8" name="Рисунок 7"/>
+          <p:cNvPicPr>
+            <a:picLocks noChangeAspect="1"/>
+          </p:cNvPicPr>
+          <p:nvPr/>
+        </p:nvPicPr>
+        <p:blipFill>
+          <a:blip r:embed="rId3"/>
+          <a:stretch>
+            <a:fillRect/>
+          </a:stretch>
+        </p:blipFill>
+        <p:spPr>
+          <a:xfrm>
+            <a:off x="6372764" y="1440611"/>
+            <a:ext cx="5350753" cy="5333820"/>
+          </a:xfrm>
+          <a:prstGeom prst="rect">
+            <a:avLst/>
+          </a:prstGeom>
+        </p:spPr>
+      </p:pic>
+    </p:spTree>
+    <p:extLst>
+      <p:ext uri="{BB962C8B-B14F-4D97-AF65-F5344CB8AC3E}">
+        <p14:creationId xmlns:p14="http://schemas.microsoft.com/office/powerpoint/2010/main" val="1239134116"/>
+      </p:ext>
+    </p:extLst>
+  </p:cSld>
+  <p:clrMapOvr>
+    <a:masterClrMapping/>
+  </p:clrMapOvr>
+</p:sld>
+</file>
+
+<file path=ppt/slides/slide14.xml><?xml version="1.0" encoding="utf-8"?>
+<p:sld xmlns:a="http://schemas.openxmlformats.org/drawingml/2006/main" xmlns:r="http://schemas.openxmlformats.org/officeDocument/2006/relationships" xmlns:p="http://schemas.openxmlformats.org/presentationml/2006/main">
+  <p:cSld>
+    <p:spTree>
+      <p:nvGrpSpPr>
+        <p:cNvPr id="1" name=""/>
+        <p:cNvGrpSpPr/>
+        <p:nvPr/>
+      </p:nvGrpSpPr>
+      <p:grpSpPr>
+        <a:xfrm>
+          <a:off x="0" y="0"/>
+          <a:ext cx="0" cy="0"/>
+          <a:chOff x="0" y="0"/>
+          <a:chExt cx="0" cy="0"/>
+        </a:xfrm>
+      </p:grpSpPr>
+      <p:sp>
+        <p:nvSpPr>
+          <p:cNvPr id="4" name="Заголовок 1"/>
+          <p:cNvSpPr>
+            <a:spLocks noGrp="1"/>
+          </p:cNvSpPr>
+          <p:nvPr>
+            <p:ph type="title"/>
+          </p:nvPr>
+        </p:nvSpPr>
+        <p:spPr>
+          <a:xfrm>
+            <a:off x="-1" y="1"/>
+            <a:ext cx="12192001" cy="1535501"/>
+          </a:xfrm>
+        </p:spPr>
+        <p:txBody>
+          <a:bodyPr>
+            <a:normAutofit/>
+          </a:bodyPr>
+          <a:lstStyle/>
+          <a:p>
+            <a:r>
+              <a:rPr lang="ru-RU" sz="3200" dirty="0"/>
+              <a:t>В)Выполните разбор данной цепочки в соответствии с алгоритмом «сдвиг-свертка». Убедитесь, что в работе алгоритма появляется то же дерево, что было построено на шаге б).</a:t>
+            </a:r>
+          </a:p>
+        </p:txBody>
+      </p:sp>
+      <p:sp>
+        <p:nvSpPr>
+          <p:cNvPr id="5" name="TextBox 4"/>
+          <p:cNvSpPr txBox="1"/>
+          <p:nvPr/>
+        </p:nvSpPr>
+        <p:spPr>
+          <a:xfrm>
+            <a:off x="138023" y="1535502"/>
+            <a:ext cx="1742535" cy="923330"/>
+          </a:xfrm>
+          <a:prstGeom prst="rect">
+            <a:avLst/>
+          </a:prstGeom>
+          <a:noFill/>
+        </p:spPr>
+        <p:txBody>
+          <a:bodyPr wrap="square" rtlCol="0">
+            <a:spAutoFit/>
+          </a:bodyPr>
+          <a:lstStyle/>
+          <a:p>
+            <a:r>
+              <a:rPr lang="en-US" dirty="0"/>
+              <a:t>S → AB | BA </a:t>
+            </a:r>
+            <a:r>
+              <a:rPr lang="ru-RU" dirty="0"/>
+              <a:t/>
+            </a:r>
+            <a:br>
+              <a:rPr lang="ru-RU" dirty="0"/>
+            </a:br>
+            <a:r>
+              <a:rPr lang="en-US" dirty="0" smtClean="0"/>
+              <a:t>A </a:t>
+            </a:r>
+            <a:r>
+              <a:rPr lang="en-US" dirty="0"/>
+              <a:t>→ AB | AA | a </a:t>
+            </a:r>
+            <a:r>
+              <a:rPr lang="ru-RU" dirty="0"/>
+              <a:t/>
+            </a:r>
+            <a:br>
+              <a:rPr lang="ru-RU" dirty="0"/>
+            </a:br>
+            <a:r>
+              <a:rPr lang="en-US" dirty="0" smtClean="0"/>
+              <a:t>B </a:t>
+            </a:r>
+            <a:r>
+              <a:rPr lang="en-US" dirty="0"/>
+              <a:t>→ </a:t>
+            </a:r>
+            <a:r>
+              <a:rPr lang="en-US" dirty="0" smtClean="0"/>
+              <a:t>b</a:t>
+            </a:r>
+            <a:endParaRPr lang="ru-RU" dirty="0"/>
+          </a:p>
+        </p:txBody>
+      </p:sp>
+      <p:pic>
+        <p:nvPicPr>
+          <p:cNvPr id="6" name="Рисунок 5"/>
+          <p:cNvPicPr>
+            <a:picLocks noChangeAspect="1"/>
+          </p:cNvPicPr>
+          <p:nvPr/>
+        </p:nvPicPr>
+        <p:blipFill>
+          <a:blip r:embed="rId2"/>
+          <a:stretch>
+            <a:fillRect/>
+          </a:stretch>
+        </p:blipFill>
+        <p:spPr>
+          <a:xfrm>
+            <a:off x="7119399" y="1535502"/>
+            <a:ext cx="4692704" cy="5265348"/>
+          </a:xfrm>
+          <a:prstGeom prst="rect">
+            <a:avLst/>
+          </a:prstGeom>
+        </p:spPr>
+      </p:pic>
+      <p:pic>
+        <p:nvPicPr>
+          <p:cNvPr id="7" name="Рисунок 6"/>
+          <p:cNvPicPr>
+            <a:picLocks noChangeAspect="1"/>
+          </p:cNvPicPr>
+          <p:nvPr/>
+        </p:nvPicPr>
+        <p:blipFill>
+          <a:blip r:embed="rId3"/>
+          <a:stretch>
+            <a:fillRect/>
+          </a:stretch>
+        </p:blipFill>
+        <p:spPr>
+          <a:xfrm>
+            <a:off x="2018582" y="2070340"/>
+            <a:ext cx="3917177" cy="4787660"/>
+          </a:xfrm>
+          <a:prstGeom prst="rect">
+            <a:avLst/>
+          </a:prstGeom>
+        </p:spPr>
+      </p:pic>
+      <p:sp>
+        <p:nvSpPr>
+          <p:cNvPr id="8" name="TextBox 7"/>
+          <p:cNvSpPr txBox="1"/>
+          <p:nvPr/>
+        </p:nvSpPr>
+        <p:spPr>
+          <a:xfrm>
+            <a:off x="2788849" y="2107057"/>
+            <a:ext cx="1276350" cy="369332"/>
+          </a:xfrm>
+          <a:prstGeom prst="rect">
+            <a:avLst/>
+          </a:prstGeom>
+          <a:noFill/>
+        </p:spPr>
+        <p:txBody>
+          <a:bodyPr wrap="square" rtlCol="0">
+            <a:spAutoFit/>
+          </a:bodyPr>
+          <a:lstStyle/>
+          <a:p>
+            <a:pPr algn="ctr"/>
+            <a:r>
+              <a:rPr lang="ru-RU" dirty="0" smtClean="0"/>
+              <a:t>Шаг 8. </a:t>
+            </a:r>
+          </a:p>
+        </p:txBody>
+      </p:sp>
+    </p:spTree>
+    <p:extLst>
+      <p:ext uri="{BB962C8B-B14F-4D97-AF65-F5344CB8AC3E}">
+        <p14:creationId xmlns:p14="http://schemas.microsoft.com/office/powerpoint/2010/main" val="2287542450"/>
+      </p:ext>
+    </p:extLst>
+  </p:cSld>
+  <p:clrMapOvr>
+    <a:masterClrMapping/>
+  </p:clrMapOvr>
+</p:sld>
+</file>
+
+<file path=ppt/slides/slide15.xml><?xml version="1.0" encoding="utf-8"?>
+<p:sld xmlns:a="http://schemas.openxmlformats.org/drawingml/2006/main" xmlns:r="http://schemas.openxmlformats.org/officeDocument/2006/relationships" xmlns:p="http://schemas.openxmlformats.org/presentationml/2006/main">
+  <p:cSld>
+    <p:spTree>
+      <p:nvGrpSpPr>
+        <p:cNvPr id="1" name=""/>
+        <p:cNvGrpSpPr/>
+        <p:nvPr/>
+      </p:nvGrpSpPr>
+      <p:grpSpPr>
+        <a:xfrm>
+          <a:off x="0" y="0"/>
+          <a:ext cx="0" cy="0"/>
+          <a:chOff x="0" y="0"/>
+          <a:chExt cx="0" cy="0"/>
+        </a:xfrm>
+      </p:grpSpPr>
+      <p:sp>
+        <p:nvSpPr>
+          <p:cNvPr id="4" name="Заголовок 1"/>
+          <p:cNvSpPr>
+            <a:spLocks noGrp="1"/>
+          </p:cNvSpPr>
+          <p:nvPr>
+            <p:ph type="title"/>
+          </p:nvPr>
+        </p:nvSpPr>
+        <p:spPr>
+          <a:xfrm>
+            <a:off x="-1" y="1"/>
+            <a:ext cx="12192001" cy="1535501"/>
+          </a:xfrm>
+        </p:spPr>
+        <p:txBody>
+          <a:bodyPr>
+            <a:normAutofit/>
+          </a:bodyPr>
+          <a:lstStyle/>
+          <a:p>
+            <a:r>
+              <a:rPr lang="ru-RU" sz="3200" dirty="0"/>
+              <a:t>В)Выполните разбор данной цепочки в соответствии с алгоритмом «сдвиг-свертка». Убедитесь, что в работе алгоритма появляется то же дерево, что было построено на шаге б).</a:t>
+            </a:r>
+          </a:p>
+        </p:txBody>
+      </p:sp>
+      <p:sp>
+        <p:nvSpPr>
+          <p:cNvPr id="5" name="TextBox 4"/>
+          <p:cNvSpPr txBox="1"/>
+          <p:nvPr/>
+        </p:nvSpPr>
+        <p:spPr>
+          <a:xfrm>
+            <a:off x="138023" y="1535502"/>
+            <a:ext cx="1742535" cy="923330"/>
+          </a:xfrm>
+          <a:prstGeom prst="rect">
+            <a:avLst/>
+          </a:prstGeom>
+          <a:noFill/>
+        </p:spPr>
+        <p:txBody>
+          <a:bodyPr wrap="square" rtlCol="0">
+            <a:spAutoFit/>
+          </a:bodyPr>
+          <a:lstStyle/>
+          <a:p>
+            <a:r>
+              <a:rPr lang="en-US" dirty="0"/>
+              <a:t>S → AB | BA </a:t>
+            </a:r>
+            <a:r>
+              <a:rPr lang="ru-RU" dirty="0"/>
+              <a:t/>
+            </a:r>
+            <a:br>
+              <a:rPr lang="ru-RU" dirty="0"/>
+            </a:br>
+            <a:r>
+              <a:rPr lang="en-US" dirty="0" smtClean="0"/>
+              <a:t>A </a:t>
+            </a:r>
+            <a:r>
+              <a:rPr lang="en-US" dirty="0"/>
+              <a:t>→ AB | AA | a </a:t>
+            </a:r>
+            <a:r>
+              <a:rPr lang="ru-RU" dirty="0"/>
+              <a:t/>
+            </a:r>
+            <a:br>
+              <a:rPr lang="ru-RU" dirty="0"/>
+            </a:br>
+            <a:r>
+              <a:rPr lang="en-US" dirty="0" smtClean="0"/>
+              <a:t>B </a:t>
+            </a:r>
+            <a:r>
+              <a:rPr lang="en-US" dirty="0"/>
+              <a:t>→ </a:t>
+            </a:r>
+            <a:r>
+              <a:rPr lang="en-US" dirty="0" smtClean="0"/>
+              <a:t>b</a:t>
+            </a:r>
+            <a:endParaRPr lang="ru-RU" dirty="0"/>
+          </a:p>
+        </p:txBody>
+      </p:sp>
+      <p:pic>
+        <p:nvPicPr>
+          <p:cNvPr id="6" name="Рисунок 5"/>
+          <p:cNvPicPr>
+            <a:picLocks noChangeAspect="1"/>
+          </p:cNvPicPr>
+          <p:nvPr/>
+        </p:nvPicPr>
+        <p:blipFill>
+          <a:blip r:embed="rId2"/>
+          <a:stretch>
+            <a:fillRect/>
+          </a:stretch>
+        </p:blipFill>
+        <p:spPr>
+          <a:xfrm>
+            <a:off x="7372261" y="1449237"/>
+            <a:ext cx="4265199" cy="5321420"/>
+          </a:xfrm>
+          <a:prstGeom prst="rect">
+            <a:avLst/>
+          </a:prstGeom>
+        </p:spPr>
+      </p:pic>
+      <p:sp>
+        <p:nvSpPr>
+          <p:cNvPr id="7" name="TextBox 6"/>
+          <p:cNvSpPr txBox="1"/>
+          <p:nvPr/>
+        </p:nvSpPr>
+        <p:spPr>
+          <a:xfrm>
+            <a:off x="2941065" y="2007100"/>
+            <a:ext cx="1276350" cy="369332"/>
+          </a:xfrm>
+          <a:prstGeom prst="rect">
+            <a:avLst/>
+          </a:prstGeom>
+          <a:noFill/>
+        </p:spPr>
+        <p:txBody>
+          <a:bodyPr wrap="square" rtlCol="0">
+            <a:spAutoFit/>
+          </a:bodyPr>
+          <a:lstStyle/>
+          <a:p>
+            <a:pPr algn="ctr"/>
+            <a:r>
+              <a:rPr lang="ru-RU" dirty="0" smtClean="0"/>
+              <a:t>Шаг 9. </a:t>
+            </a:r>
+          </a:p>
+        </p:txBody>
+      </p:sp>
+      <p:pic>
+        <p:nvPicPr>
+          <p:cNvPr id="8" name="Рисунок 7"/>
+          <p:cNvPicPr>
+            <a:picLocks noChangeAspect="1"/>
+          </p:cNvPicPr>
+          <p:nvPr/>
+        </p:nvPicPr>
+        <p:blipFill>
+          <a:blip r:embed="rId3"/>
+          <a:stretch>
+            <a:fillRect/>
+          </a:stretch>
+        </p:blipFill>
+        <p:spPr>
+          <a:xfrm>
+            <a:off x="1242204" y="2376432"/>
+            <a:ext cx="5069550" cy="4481568"/>
+          </a:xfrm>
+          <a:prstGeom prst="rect">
+            <a:avLst/>
+          </a:prstGeom>
+        </p:spPr>
+      </p:pic>
+    </p:spTree>
+    <p:extLst>
+      <p:ext uri="{BB962C8B-B14F-4D97-AF65-F5344CB8AC3E}">
+        <p14:creationId xmlns:p14="http://schemas.microsoft.com/office/powerpoint/2010/main" val="1150270899"/>
+      </p:ext>
+    </p:extLst>
+  </p:cSld>
+  <p:clrMapOvr>
+    <a:masterClrMapping/>
+  </p:clrMapOvr>
+</p:sld>
+</file>
+
+<file path=ppt/slides/slide16.xml><?xml version="1.0" encoding="utf-8"?>
+<p:sld xmlns:a="http://schemas.openxmlformats.org/drawingml/2006/main" xmlns:r="http://schemas.openxmlformats.org/officeDocument/2006/relationships" xmlns:p="http://schemas.openxmlformats.org/presentationml/2006/main">
+  <p:cSld>
+    <p:spTree>
+      <p:nvGrpSpPr>
+        <p:cNvPr id="1" name=""/>
+        <p:cNvGrpSpPr/>
+        <p:nvPr/>
+      </p:nvGrpSpPr>
+      <p:grpSpPr>
+        <a:xfrm>
+          <a:off x="0" y="0"/>
+          <a:ext cx="0" cy="0"/>
+          <a:chOff x="0" y="0"/>
+          <a:chExt cx="0" cy="0"/>
+        </a:xfrm>
+      </p:grpSpPr>
+      <p:sp>
+        <p:nvSpPr>
+          <p:cNvPr id="4" name="Заголовок 1"/>
+          <p:cNvSpPr>
+            <a:spLocks noGrp="1"/>
+          </p:cNvSpPr>
+          <p:nvPr>
+            <p:ph type="title"/>
+          </p:nvPr>
+        </p:nvSpPr>
+        <p:spPr>
+          <a:xfrm>
+            <a:off x="-1" y="1"/>
+            <a:ext cx="12192001" cy="1535501"/>
+          </a:xfrm>
+        </p:spPr>
+        <p:txBody>
+          <a:bodyPr>
+            <a:normAutofit/>
+          </a:bodyPr>
+          <a:lstStyle/>
+          <a:p>
+            <a:r>
+              <a:rPr lang="ru-RU" sz="3200" dirty="0"/>
+              <a:t>В)Выполните разбор данной цепочки в соответствии с алгоритмом «сдвиг-свертка». Убедитесь, что в работе алгоритма появляется то же дерево, что было построено на шаге б).</a:t>
+            </a:r>
+          </a:p>
+        </p:txBody>
+      </p:sp>
+      <p:sp>
+        <p:nvSpPr>
+          <p:cNvPr id="5" name="TextBox 4"/>
+          <p:cNvSpPr txBox="1"/>
+          <p:nvPr/>
+        </p:nvSpPr>
+        <p:spPr>
+          <a:xfrm>
+            <a:off x="138023" y="1535502"/>
+            <a:ext cx="1742535" cy="923330"/>
+          </a:xfrm>
+          <a:prstGeom prst="rect">
+            <a:avLst/>
+          </a:prstGeom>
+          <a:noFill/>
+        </p:spPr>
+        <p:txBody>
+          <a:bodyPr wrap="square" rtlCol="0">
+            <a:spAutoFit/>
+          </a:bodyPr>
+          <a:lstStyle/>
+          <a:p>
+            <a:r>
+              <a:rPr lang="en-US" dirty="0"/>
+              <a:t>S → AB | BA </a:t>
+            </a:r>
+            <a:r>
+              <a:rPr lang="ru-RU" dirty="0"/>
+              <a:t/>
+            </a:r>
+            <a:br>
+              <a:rPr lang="ru-RU" dirty="0"/>
+            </a:br>
+            <a:r>
+              <a:rPr lang="en-US" dirty="0" smtClean="0"/>
+              <a:t>A </a:t>
+            </a:r>
+            <a:r>
+              <a:rPr lang="en-US" dirty="0"/>
+              <a:t>→ AB | AA | a </a:t>
+            </a:r>
+            <a:r>
+              <a:rPr lang="ru-RU" dirty="0"/>
+              <a:t/>
+            </a:r>
+            <a:br>
+              <a:rPr lang="ru-RU" dirty="0"/>
+            </a:br>
+            <a:r>
+              <a:rPr lang="en-US" dirty="0" smtClean="0"/>
+              <a:t>B </a:t>
+            </a:r>
+            <a:r>
+              <a:rPr lang="en-US" dirty="0"/>
+              <a:t>→ </a:t>
+            </a:r>
+            <a:r>
+              <a:rPr lang="en-US" dirty="0" smtClean="0"/>
+              <a:t>b</a:t>
+            </a:r>
+            <a:endParaRPr lang="ru-RU" dirty="0"/>
+          </a:p>
+        </p:txBody>
+      </p:sp>
+      <p:pic>
+        <p:nvPicPr>
+          <p:cNvPr id="6" name="Рисунок 5"/>
+          <p:cNvPicPr>
+            <a:picLocks noChangeAspect="1"/>
+          </p:cNvPicPr>
+          <p:nvPr/>
+        </p:nvPicPr>
+        <p:blipFill>
+          <a:blip r:embed="rId2"/>
+          <a:stretch>
+            <a:fillRect/>
+          </a:stretch>
+        </p:blipFill>
+        <p:spPr>
+          <a:xfrm>
+            <a:off x="7059642" y="1388852"/>
+            <a:ext cx="3932094" cy="5395373"/>
+          </a:xfrm>
+          <a:prstGeom prst="rect">
+            <a:avLst/>
+          </a:prstGeom>
+        </p:spPr>
+      </p:pic>
+      <p:pic>
+        <p:nvPicPr>
+          <p:cNvPr id="7" name="Рисунок 6"/>
+          <p:cNvPicPr>
+            <a:picLocks noChangeAspect="1"/>
+          </p:cNvPicPr>
+          <p:nvPr/>
+        </p:nvPicPr>
+        <p:blipFill>
+          <a:blip r:embed="rId3"/>
+          <a:stretch>
+            <a:fillRect/>
+          </a:stretch>
+        </p:blipFill>
+        <p:spPr>
+          <a:xfrm>
+            <a:off x="1397479" y="2131135"/>
+            <a:ext cx="5315665" cy="4653089"/>
+          </a:xfrm>
+          <a:prstGeom prst="rect">
+            <a:avLst/>
+          </a:prstGeom>
+        </p:spPr>
+      </p:pic>
+      <p:sp>
+        <p:nvSpPr>
+          <p:cNvPr id="8" name="TextBox 7"/>
+          <p:cNvSpPr txBox="1"/>
+          <p:nvPr/>
+        </p:nvSpPr>
+        <p:spPr>
+          <a:xfrm>
+            <a:off x="3260242" y="1812501"/>
+            <a:ext cx="1276350" cy="369332"/>
+          </a:xfrm>
+          <a:prstGeom prst="rect">
+            <a:avLst/>
+          </a:prstGeom>
+          <a:noFill/>
+        </p:spPr>
+        <p:txBody>
+          <a:bodyPr wrap="square" rtlCol="0">
+            <a:spAutoFit/>
+          </a:bodyPr>
+          <a:lstStyle/>
+          <a:p>
+            <a:pPr algn="ctr"/>
+            <a:r>
+              <a:rPr lang="ru-RU" dirty="0" smtClean="0"/>
+              <a:t>Шаг 10. </a:t>
+            </a:r>
+          </a:p>
+        </p:txBody>
+      </p:sp>
+    </p:spTree>
+    <p:extLst>
+      <p:ext uri="{BB962C8B-B14F-4D97-AF65-F5344CB8AC3E}">
+        <p14:creationId xmlns:p14="http://schemas.microsoft.com/office/powerpoint/2010/main" val="3942451727"/>
+      </p:ext>
+    </p:extLst>
+  </p:cSld>
+  <p:clrMapOvr>
+    <a:masterClrMapping/>
+  </p:clrMapOvr>
+</p:sld>
+</file>
+
+<file path=ppt/slides/slide17.xml><?xml version="1.0" encoding="utf-8"?>
+<p:sld xmlns:a="http://schemas.openxmlformats.org/drawingml/2006/main" xmlns:r="http://schemas.openxmlformats.org/officeDocument/2006/relationships" xmlns:p="http://schemas.openxmlformats.org/presentationml/2006/main">
+  <p:cSld>
+    <p:spTree>
+      <p:nvGrpSpPr>
+        <p:cNvPr id="1" name=""/>
+        <p:cNvGrpSpPr/>
+        <p:nvPr/>
+      </p:nvGrpSpPr>
+      <p:grpSpPr>
+        <a:xfrm>
+          <a:off x="0" y="0"/>
+          <a:ext cx="0" cy="0"/>
+          <a:chOff x="0" y="0"/>
+          <a:chExt cx="0" cy="0"/>
+        </a:xfrm>
+      </p:grpSpPr>
+      <p:sp>
+        <p:nvSpPr>
+          <p:cNvPr id="4" name="Заголовок 1"/>
+          <p:cNvSpPr>
+            <a:spLocks noGrp="1"/>
+          </p:cNvSpPr>
+          <p:nvPr>
+            <p:ph type="title"/>
+          </p:nvPr>
+        </p:nvSpPr>
+        <p:spPr>
+          <a:xfrm>
+            <a:off x="-1" y="1"/>
+            <a:ext cx="12192001" cy="1535501"/>
+          </a:xfrm>
+        </p:spPr>
+        <p:txBody>
+          <a:bodyPr>
+            <a:normAutofit/>
+          </a:bodyPr>
+          <a:lstStyle/>
+          <a:p>
+            <a:r>
+              <a:rPr lang="ru-RU" sz="2800" dirty="0"/>
+              <a:t>В)Выполните разбор данной цепочки в соответствии с алгоритмом «сдвиг-свертка». Убедитесь, что в работе алгоритма появляется то же дерево, что было построено на шаге б).</a:t>
+            </a:r>
+          </a:p>
+        </p:txBody>
+      </p:sp>
+      <p:sp>
+        <p:nvSpPr>
+          <p:cNvPr id="5" name="TextBox 4"/>
+          <p:cNvSpPr txBox="1"/>
+          <p:nvPr/>
+        </p:nvSpPr>
+        <p:spPr>
+          <a:xfrm>
+            <a:off x="138023" y="1535502"/>
+            <a:ext cx="1742535" cy="923330"/>
+          </a:xfrm>
+          <a:prstGeom prst="rect">
+            <a:avLst/>
+          </a:prstGeom>
+          <a:noFill/>
+        </p:spPr>
+        <p:txBody>
+          <a:bodyPr wrap="square" rtlCol="0">
+            <a:spAutoFit/>
+          </a:bodyPr>
+          <a:lstStyle/>
+          <a:p>
+            <a:r>
+              <a:rPr lang="en-US" dirty="0"/>
+              <a:t>S → AB | BA </a:t>
+            </a:r>
+            <a:r>
+              <a:rPr lang="ru-RU" dirty="0"/>
+              <a:t/>
+            </a:r>
+            <a:br>
+              <a:rPr lang="ru-RU" dirty="0"/>
+            </a:br>
+            <a:r>
+              <a:rPr lang="en-US" dirty="0" smtClean="0"/>
+              <a:t>A </a:t>
+            </a:r>
+            <a:r>
+              <a:rPr lang="en-US" dirty="0"/>
+              <a:t>→ AB | AA | a </a:t>
+            </a:r>
+            <a:r>
+              <a:rPr lang="ru-RU" dirty="0"/>
+              <a:t/>
+            </a:r>
+            <a:br>
+              <a:rPr lang="ru-RU" dirty="0"/>
+            </a:br>
+            <a:r>
+              <a:rPr lang="en-US" dirty="0" smtClean="0"/>
+              <a:t>B </a:t>
+            </a:r>
+            <a:r>
+              <a:rPr lang="en-US" dirty="0"/>
+              <a:t>→ </a:t>
+            </a:r>
+            <a:r>
+              <a:rPr lang="en-US" dirty="0" smtClean="0"/>
+              <a:t>b</a:t>
+            </a:r>
+            <a:endParaRPr lang="ru-RU" dirty="0"/>
+          </a:p>
+        </p:txBody>
+      </p:sp>
+      <p:pic>
+        <p:nvPicPr>
+          <p:cNvPr id="7" name="Рисунок 6"/>
+          <p:cNvPicPr>
+            <a:picLocks noChangeAspect="1"/>
+          </p:cNvPicPr>
+          <p:nvPr/>
+        </p:nvPicPr>
+        <p:blipFill>
+          <a:blip r:embed="rId2"/>
+          <a:stretch>
+            <a:fillRect/>
+          </a:stretch>
+        </p:blipFill>
+        <p:spPr>
+          <a:xfrm>
+            <a:off x="1880558" y="1586576"/>
+            <a:ext cx="4848046" cy="5220350"/>
+          </a:xfrm>
+          <a:prstGeom prst="rect">
+            <a:avLst/>
+          </a:prstGeom>
+        </p:spPr>
+      </p:pic>
+      <p:sp>
+        <p:nvSpPr>
+          <p:cNvPr id="8" name="TextBox 7"/>
+          <p:cNvSpPr txBox="1"/>
+          <p:nvPr/>
+        </p:nvSpPr>
+        <p:spPr>
+          <a:xfrm>
+            <a:off x="3381012" y="1812501"/>
+            <a:ext cx="1276350" cy="369332"/>
+          </a:xfrm>
+          <a:prstGeom prst="rect">
+            <a:avLst/>
+          </a:prstGeom>
+          <a:noFill/>
+        </p:spPr>
+        <p:txBody>
+          <a:bodyPr wrap="square" rtlCol="0">
+            <a:spAutoFit/>
+          </a:bodyPr>
+          <a:lstStyle/>
+          <a:p>
+            <a:pPr algn="ctr"/>
+            <a:r>
+              <a:rPr lang="ru-RU" dirty="0" smtClean="0"/>
+              <a:t>Шаг 1</a:t>
+            </a:r>
+            <a:r>
+              <a:rPr lang="en-US" dirty="0" smtClean="0"/>
+              <a:t>1</a:t>
+            </a:r>
+            <a:r>
+              <a:rPr lang="ru-RU" dirty="0" smtClean="0"/>
+              <a:t>. </a:t>
+            </a:r>
+          </a:p>
+        </p:txBody>
+      </p:sp>
+      <p:pic>
+        <p:nvPicPr>
+          <p:cNvPr id="9" name="Рисунок 8"/>
+          <p:cNvPicPr>
+            <a:picLocks noChangeAspect="1"/>
+          </p:cNvPicPr>
+          <p:nvPr/>
+        </p:nvPicPr>
+        <p:blipFill>
+          <a:blip r:embed="rId3"/>
+          <a:stretch>
+            <a:fillRect/>
+          </a:stretch>
+        </p:blipFill>
+        <p:spPr>
+          <a:xfrm>
+            <a:off x="7608139" y="867494"/>
+            <a:ext cx="3975435" cy="5990506"/>
+          </a:xfrm>
+          <a:prstGeom prst="rect">
+            <a:avLst/>
+          </a:prstGeom>
+        </p:spPr>
+      </p:pic>
+    </p:spTree>
+    <p:extLst>
+      <p:ext uri="{BB962C8B-B14F-4D97-AF65-F5344CB8AC3E}">
+        <p14:creationId xmlns:p14="http://schemas.microsoft.com/office/powerpoint/2010/main" val="3269090775"/>
+      </p:ext>
+    </p:extLst>
+  </p:cSld>
+  <p:clrMapOvr>
+    <a:masterClrMapping/>
+  </p:clrMapOvr>
+</p:sld>
+</file>
+
+<file path=ppt/slides/slide18.xml><?xml version="1.0" encoding="utf-8"?>
+<p:sld xmlns:a="http://schemas.openxmlformats.org/drawingml/2006/main" xmlns:r="http://schemas.openxmlformats.org/officeDocument/2006/relationships" xmlns:p="http://schemas.openxmlformats.org/presentationml/2006/main">
+  <p:cSld>
+    <p:spTree>
+      <p:nvGrpSpPr>
+        <p:cNvPr id="1" name=""/>
+        <p:cNvGrpSpPr/>
+        <p:nvPr/>
+      </p:nvGrpSpPr>
+      <p:grpSpPr>
+        <a:xfrm>
+          <a:off x="0" y="0"/>
+          <a:ext cx="0" cy="0"/>
+          <a:chOff x="0" y="0"/>
+          <a:chExt cx="0" cy="0"/>
+        </a:xfrm>
+      </p:grpSpPr>
+      <p:sp>
+        <p:nvSpPr>
+          <p:cNvPr id="4" name="Заголовок 1"/>
+          <p:cNvSpPr>
+            <a:spLocks noGrp="1"/>
+          </p:cNvSpPr>
+          <p:nvPr>
+            <p:ph type="title"/>
+          </p:nvPr>
+        </p:nvSpPr>
+        <p:spPr>
+          <a:xfrm>
+            <a:off x="-1" y="1"/>
+            <a:ext cx="12192001" cy="1535501"/>
+          </a:xfrm>
+        </p:spPr>
+        <p:txBody>
+          <a:bodyPr>
+            <a:normAutofit/>
+          </a:bodyPr>
+          <a:lstStyle/>
+          <a:p>
+            <a:r>
+              <a:rPr lang="ru-RU" sz="2800" dirty="0"/>
+              <a:t>В)Выполните разбор данной цепочки в соответствии с алгоритмом «сдвиг-свертка». Убедитесь, что в работе алгоритма появляется то же дерево, что было построено на шаге б).</a:t>
+            </a:r>
+          </a:p>
+        </p:txBody>
+      </p:sp>
+      <p:sp>
+        <p:nvSpPr>
+          <p:cNvPr id="5" name="TextBox 4"/>
+          <p:cNvSpPr txBox="1"/>
+          <p:nvPr/>
+        </p:nvSpPr>
+        <p:spPr>
+          <a:xfrm>
+            <a:off x="138023" y="1535502"/>
+            <a:ext cx="1742535" cy="923330"/>
+          </a:xfrm>
+          <a:prstGeom prst="rect">
+            <a:avLst/>
+          </a:prstGeom>
+          <a:noFill/>
+        </p:spPr>
+        <p:txBody>
+          <a:bodyPr wrap="square" rtlCol="0">
+            <a:spAutoFit/>
+          </a:bodyPr>
+          <a:lstStyle/>
+          <a:p>
+            <a:r>
+              <a:rPr lang="en-US" dirty="0"/>
+              <a:t>S → AB | BA </a:t>
+            </a:r>
+            <a:r>
+              <a:rPr lang="ru-RU" dirty="0"/>
+              <a:t/>
+            </a:r>
+            <a:br>
+              <a:rPr lang="ru-RU" dirty="0"/>
+            </a:br>
+            <a:r>
+              <a:rPr lang="en-US" dirty="0" smtClean="0"/>
+              <a:t>A </a:t>
+            </a:r>
+            <a:r>
+              <a:rPr lang="en-US" dirty="0"/>
+              <a:t>→ AB | AA | a </a:t>
+            </a:r>
+            <a:r>
+              <a:rPr lang="ru-RU" dirty="0"/>
+              <a:t/>
+            </a:r>
+            <a:br>
+              <a:rPr lang="ru-RU" dirty="0"/>
+            </a:br>
+            <a:r>
+              <a:rPr lang="en-US" dirty="0" smtClean="0"/>
+              <a:t>B </a:t>
+            </a:r>
+            <a:r>
+              <a:rPr lang="en-US" dirty="0"/>
+              <a:t>→ </a:t>
+            </a:r>
+            <a:r>
+              <a:rPr lang="en-US" dirty="0" smtClean="0"/>
+              <a:t>b</a:t>
+            </a:r>
+            <a:endParaRPr lang="ru-RU" dirty="0"/>
+          </a:p>
+        </p:txBody>
+      </p:sp>
+      <p:pic>
+        <p:nvPicPr>
+          <p:cNvPr id="6" name="Рисунок 5"/>
+          <p:cNvPicPr>
+            <a:picLocks noChangeAspect="1"/>
+          </p:cNvPicPr>
+          <p:nvPr/>
+        </p:nvPicPr>
+        <p:blipFill>
+          <a:blip r:embed="rId2"/>
+          <a:stretch>
+            <a:fillRect/>
+          </a:stretch>
+        </p:blipFill>
+        <p:spPr>
+          <a:xfrm>
+            <a:off x="7473979" y="877714"/>
+            <a:ext cx="3628217" cy="5961235"/>
+          </a:xfrm>
+          <a:prstGeom prst="rect">
+            <a:avLst/>
+          </a:prstGeom>
+        </p:spPr>
+      </p:pic>
+      <p:pic>
+        <p:nvPicPr>
+          <p:cNvPr id="7" name="Рисунок 6"/>
+          <p:cNvPicPr>
+            <a:picLocks noChangeAspect="1"/>
+          </p:cNvPicPr>
+          <p:nvPr/>
+        </p:nvPicPr>
+        <p:blipFill>
+          <a:blip r:embed="rId3"/>
+          <a:stretch>
+            <a:fillRect/>
+          </a:stretch>
+        </p:blipFill>
+        <p:spPr>
+          <a:xfrm>
+            <a:off x="1880557" y="1298949"/>
+            <a:ext cx="5003321" cy="5381089"/>
+          </a:xfrm>
+          <a:prstGeom prst="rect">
+            <a:avLst/>
+          </a:prstGeom>
+        </p:spPr>
+      </p:pic>
+      <p:sp>
+        <p:nvSpPr>
+          <p:cNvPr id="8" name="TextBox 7"/>
+          <p:cNvSpPr txBox="1"/>
+          <p:nvPr/>
+        </p:nvSpPr>
+        <p:spPr>
+          <a:xfrm>
+            <a:off x="3098814" y="1535502"/>
+            <a:ext cx="1276350" cy="369332"/>
+          </a:xfrm>
+          <a:prstGeom prst="rect">
+            <a:avLst/>
+          </a:prstGeom>
+          <a:noFill/>
+        </p:spPr>
+        <p:txBody>
+          <a:bodyPr wrap="square" rtlCol="0">
+            <a:spAutoFit/>
+          </a:bodyPr>
+          <a:lstStyle/>
+          <a:p>
+            <a:pPr algn="ctr"/>
+            <a:r>
+              <a:rPr lang="ru-RU" dirty="0" smtClean="0"/>
+              <a:t>Шаг 1</a:t>
+            </a:r>
+            <a:r>
+              <a:rPr lang="ru-RU" dirty="0"/>
+              <a:t>2</a:t>
+            </a:r>
+            <a:r>
+              <a:rPr lang="ru-RU" dirty="0" smtClean="0"/>
+              <a:t>. </a:t>
+            </a:r>
+          </a:p>
+        </p:txBody>
+      </p:sp>
+    </p:spTree>
+    <p:extLst>
+      <p:ext uri="{BB962C8B-B14F-4D97-AF65-F5344CB8AC3E}">
+        <p14:creationId xmlns:p14="http://schemas.microsoft.com/office/powerpoint/2010/main" val="369619194"/>
+      </p:ext>
+    </p:extLst>
+  </p:cSld>
+  <p:clrMapOvr>
+    <a:masterClrMapping/>
+  </p:clrMapOvr>
+</p:sld>
+</file>
+
+<file path=ppt/slides/slide19.xml><?xml version="1.0" encoding="utf-8"?>
+<p:sld xmlns:a="http://schemas.openxmlformats.org/drawingml/2006/main" xmlns:r="http://schemas.openxmlformats.org/officeDocument/2006/relationships" xmlns:p="http://schemas.openxmlformats.org/presentationml/2006/main">
+  <p:cSld>
+    <p:spTree>
+      <p:nvGrpSpPr>
+        <p:cNvPr id="1" name=""/>
+        <p:cNvGrpSpPr/>
+        <p:nvPr/>
+      </p:nvGrpSpPr>
+      <p:grpSpPr>
+        <a:xfrm>
+          <a:off x="0" y="0"/>
+          <a:ext cx="0" cy="0"/>
+          <a:chOff x="0" y="0"/>
+          <a:chExt cx="0" cy="0"/>
+        </a:xfrm>
+      </p:grpSpPr>
+      <p:sp>
+        <p:nvSpPr>
+          <p:cNvPr id="2" name="Заголовок 1"/>
+          <p:cNvSpPr>
+            <a:spLocks noGrp="1"/>
+          </p:cNvSpPr>
+          <p:nvPr>
+            <p:ph type="title"/>
+          </p:nvPr>
+        </p:nvSpPr>
+        <p:spPr>
+          <a:xfrm>
+            <a:off x="0" y="1"/>
+            <a:ext cx="12192000" cy="1682150"/>
+          </a:xfrm>
+        </p:spPr>
+        <p:txBody>
+          <a:bodyPr>
+            <a:normAutofit/>
+          </a:bodyPr>
+          <a:lstStyle/>
+          <a:p>
+            <a:r>
+              <a:rPr lang="ru-RU" sz="3200" dirty="0"/>
+              <a:t>В)Выполните разбор данной цепочки в соответствии с алгоритмом «сдвиг-свертка». Убедитесь, что в работе алгоритма появляется то же дерево, что было построено на шаге б).</a:t>
+            </a:r>
+          </a:p>
+        </p:txBody>
+      </p:sp>
+      <p:sp>
+        <p:nvSpPr>
+          <p:cNvPr id="5" name="TextBox 4"/>
+          <p:cNvSpPr txBox="1"/>
+          <p:nvPr/>
+        </p:nvSpPr>
+        <p:spPr>
+          <a:xfrm>
+            <a:off x="97766" y="1682151"/>
+            <a:ext cx="11996468" cy="923330"/>
+          </a:xfrm>
+          <a:prstGeom prst="rect">
+            <a:avLst/>
+          </a:prstGeom>
+          <a:noFill/>
+        </p:spPr>
+        <p:txBody>
+          <a:bodyPr wrap="square" rtlCol="0">
+            <a:spAutoFit/>
+          </a:bodyPr>
+          <a:lstStyle/>
+          <a:p>
+            <a:r>
+              <a:rPr lang="ru-RU" dirty="0" smtClean="0"/>
+              <a:t>На шаге 11 и на шаге 5 при работе алгоритма «Сдвиг-свёртка» возникает неоднозначность. </a:t>
+            </a:r>
+          </a:p>
+          <a:p>
+            <a:r>
+              <a:rPr lang="ru-RU" dirty="0" smtClean="0"/>
+              <a:t>Имея в БНФ </a:t>
+            </a:r>
+            <a:r>
+              <a:rPr lang="en-US" dirty="0"/>
+              <a:t>S → AB </a:t>
+            </a:r>
+            <a:r>
+              <a:rPr lang="ru-RU" dirty="0" smtClean="0"/>
+              <a:t> </a:t>
+            </a:r>
+            <a:r>
+              <a:rPr lang="en-US" dirty="0" smtClean="0"/>
+              <a:t>A </a:t>
+            </a:r>
+            <a:r>
+              <a:rPr lang="en-US" dirty="0"/>
+              <a:t>→ </a:t>
+            </a:r>
+            <a:r>
+              <a:rPr lang="en-US" dirty="0" smtClean="0"/>
+              <a:t>AB</a:t>
+            </a:r>
+            <a:r>
+              <a:rPr lang="ru-RU" dirty="0" smtClean="0"/>
+              <a:t> алгоритм может сработать таким образом, что дерево полученное в результате его работы не будет соответствовать дереву полученному на шаге б).</a:t>
+            </a:r>
+          </a:p>
+        </p:txBody>
+      </p:sp>
+      <p:sp>
+        <p:nvSpPr>
+          <p:cNvPr id="6" name="TextBox 5"/>
+          <p:cNvSpPr txBox="1"/>
+          <p:nvPr/>
+        </p:nvSpPr>
+        <p:spPr>
+          <a:xfrm>
+            <a:off x="181155" y="2535690"/>
+            <a:ext cx="5486400" cy="923330"/>
+          </a:xfrm>
+          <a:prstGeom prst="rect">
+            <a:avLst/>
+          </a:prstGeom>
+          <a:noFill/>
+        </p:spPr>
+        <p:txBody>
+          <a:bodyPr wrap="square" rtlCol="0">
+            <a:spAutoFit/>
+          </a:bodyPr>
+          <a:lstStyle/>
+          <a:p>
+            <a:r>
+              <a:rPr lang="ru-RU" dirty="0"/>
+              <a:t>Допустим, на шаге 5 будет выбрано </a:t>
+            </a:r>
+            <a:r>
+              <a:rPr lang="en-US" dirty="0"/>
+              <a:t>S → </a:t>
+            </a:r>
+            <a:r>
+              <a:rPr lang="en-US" dirty="0" smtClean="0"/>
+              <a:t>AB</a:t>
+            </a:r>
+            <a:r>
+              <a:rPr lang="ru-RU" dirty="0" smtClean="0"/>
+              <a:t>,</a:t>
+            </a:r>
+            <a:br>
+              <a:rPr lang="ru-RU" dirty="0" smtClean="0"/>
+            </a:br>
+            <a:r>
+              <a:rPr lang="ru-RU" dirty="0" smtClean="0"/>
+              <a:t>вместо </a:t>
+            </a:r>
+            <a:r>
+              <a:rPr lang="en-US" dirty="0"/>
+              <a:t>A → AB</a:t>
+            </a:r>
+            <a:r>
+              <a:rPr lang="ru-RU" dirty="0" smtClean="0"/>
+              <a:t>   </a:t>
+            </a:r>
+            <a:r>
+              <a:rPr lang="en-US" dirty="0" smtClean="0"/>
+              <a:t> </a:t>
+            </a:r>
+            <a:endParaRPr lang="ru-RU" dirty="0"/>
+          </a:p>
+          <a:p>
+            <a:r>
+              <a:rPr lang="ru-RU" dirty="0" smtClean="0"/>
+              <a:t>Тогда дерево будет иметь вид:</a:t>
+            </a:r>
+            <a:endParaRPr lang="ru-RU" dirty="0"/>
+          </a:p>
+        </p:txBody>
+      </p:sp>
+      <p:pic>
+        <p:nvPicPr>
+          <p:cNvPr id="7" name="Рисунок 6"/>
+          <p:cNvPicPr>
+            <a:picLocks noChangeAspect="1"/>
+          </p:cNvPicPr>
+          <p:nvPr/>
+        </p:nvPicPr>
+        <p:blipFill>
+          <a:blip r:embed="rId2"/>
+          <a:stretch>
+            <a:fillRect/>
+          </a:stretch>
+        </p:blipFill>
+        <p:spPr>
+          <a:xfrm>
+            <a:off x="181155" y="3389228"/>
+            <a:ext cx="2302876" cy="3076755"/>
+          </a:xfrm>
+          <a:prstGeom prst="rect">
+            <a:avLst/>
+          </a:prstGeom>
+        </p:spPr>
+      </p:pic>
+      <p:sp>
+        <p:nvSpPr>
+          <p:cNvPr id="8" name="TextBox 7"/>
+          <p:cNvSpPr txBox="1"/>
+          <p:nvPr/>
+        </p:nvSpPr>
+        <p:spPr>
+          <a:xfrm>
+            <a:off x="2484031" y="3553431"/>
+            <a:ext cx="2648686" cy="1477328"/>
+          </a:xfrm>
+          <a:prstGeom prst="rect">
+            <a:avLst/>
+          </a:prstGeom>
+          <a:noFill/>
+        </p:spPr>
+        <p:txBody>
+          <a:bodyPr wrap="square" rtlCol="0">
+            <a:spAutoFit/>
+          </a:bodyPr>
+          <a:lstStyle/>
+          <a:p>
+            <a:r>
+              <a:rPr lang="ru-RU" dirty="0" smtClean="0"/>
+              <a:t>В таком случае, дерево будет отличаться от полученного на шаге б) и цепочка полностью не будет разобрана</a:t>
+            </a:r>
+            <a:endParaRPr lang="ru-RU" dirty="0"/>
+          </a:p>
+        </p:txBody>
+      </p:sp>
+      <p:pic>
+        <p:nvPicPr>
+          <p:cNvPr id="9" name="Рисунок 8"/>
+          <p:cNvPicPr>
+            <a:picLocks noChangeAspect="1"/>
+          </p:cNvPicPr>
+          <p:nvPr/>
+        </p:nvPicPr>
+        <p:blipFill>
+          <a:blip r:embed="rId3"/>
+          <a:stretch>
+            <a:fillRect/>
+          </a:stretch>
+        </p:blipFill>
+        <p:spPr>
+          <a:xfrm>
+            <a:off x="8004560" y="2271227"/>
+            <a:ext cx="3298079" cy="4461054"/>
+          </a:xfrm>
+          <a:prstGeom prst="rect">
+            <a:avLst/>
+          </a:prstGeom>
+        </p:spPr>
+      </p:pic>
+      <p:sp>
+        <p:nvSpPr>
+          <p:cNvPr id="10" name="TextBox 9"/>
+          <p:cNvSpPr txBox="1"/>
+          <p:nvPr/>
+        </p:nvSpPr>
+        <p:spPr>
+          <a:xfrm>
+            <a:off x="5667555" y="2674189"/>
+            <a:ext cx="2570671" cy="923330"/>
+          </a:xfrm>
+          <a:prstGeom prst="rect">
+            <a:avLst/>
+          </a:prstGeom>
+          <a:noFill/>
+        </p:spPr>
+        <p:txBody>
+          <a:bodyPr wrap="square" rtlCol="0">
+            <a:spAutoFit/>
+          </a:bodyPr>
+          <a:lstStyle/>
+          <a:p>
+            <a:r>
+              <a:rPr lang="ru-RU" dirty="0" smtClean="0"/>
+              <a:t>Дерево, полученное на шаге б).</a:t>
+            </a:r>
+          </a:p>
+          <a:p>
+            <a:endParaRPr lang="ru-RU" dirty="0"/>
+          </a:p>
+        </p:txBody>
+      </p:sp>
+      <p:cxnSp>
+        <p:nvCxnSpPr>
+          <p:cNvPr id="12" name="Прямая соединительная линия 11"/>
+          <p:cNvCxnSpPr/>
+          <p:nvPr/>
+        </p:nvCxnSpPr>
+        <p:spPr>
+          <a:xfrm>
+            <a:off x="5343524" y="2605481"/>
+            <a:ext cx="0" cy="4212000"/>
+          </a:xfrm>
+          <a:prstGeom prst="line">
+            <a:avLst/>
+          </a:prstGeom>
+          <a:ln w="25400">
+            <a:solidFill>
+              <a:schemeClr val="tx1"/>
+            </a:solidFill>
+          </a:ln>
+        </p:spPr>
+        <p:style>
+          <a:lnRef idx="1">
+            <a:schemeClr val="accent1"/>
+          </a:lnRef>
+          <a:fillRef idx="0">
+            <a:schemeClr val="accent1"/>
+          </a:fillRef>
+          <a:effectRef idx="0">
+            <a:schemeClr val="accent1"/>
+          </a:effectRef>
+          <a:fontRef idx="minor">
+            <a:schemeClr val="tx1"/>
+          </a:fontRef>
+        </p:style>
+      </p:cxnSp>
+    </p:spTree>
+    <p:extLst>
+      <p:ext uri="{BB962C8B-B14F-4D97-AF65-F5344CB8AC3E}">
+        <p14:creationId xmlns:p14="http://schemas.microsoft.com/office/powerpoint/2010/main" val="3727878847"/>
       </p:ext>
     </p:extLst>
   </p:cSld>
@@ -3514,6 +5555,10 @@
               <a:rPr lang="en-US" sz="6000" dirty="0"/>
               <a:t>S → AB | BA </a:t>
             </a:r>
+            <a:r>
+              <a:rPr lang="ru-RU" sz="6000" dirty="0"/>
+              <a:t/>
+            </a:r>
             <a:br>
               <a:rPr lang="ru-RU" sz="6000" dirty="0"/>
             </a:br>
@@ -3524,6 +5569,10 @@
             <a:r>
               <a:rPr lang="en-US" sz="6000" dirty="0"/>
               <a:t>A → AB | AA | a </a:t>
+            </a:r>
+            <a:r>
+              <a:rPr lang="ru-RU" sz="6000" dirty="0"/>
+              <a:t/>
             </a:r>
             <a:br>
               <a:rPr lang="ru-RU" sz="6000" dirty="0"/>
@@ -3544,6 +5593,349 @@
     <p:extLst>
       <p:ext uri="{BB962C8B-B14F-4D97-AF65-F5344CB8AC3E}">
         <p14:creationId xmlns:p14="http://schemas.microsoft.com/office/powerpoint/2010/main" val="1468717075"/>
+      </p:ext>
+    </p:extLst>
+  </p:cSld>
+  <p:clrMapOvr>
+    <a:masterClrMapping/>
+  </p:clrMapOvr>
+</p:sld>
+</file>
+
+<file path=ppt/slides/slide20.xml><?xml version="1.0" encoding="utf-8"?>
+<p:sld xmlns:a="http://schemas.openxmlformats.org/drawingml/2006/main" xmlns:r="http://schemas.openxmlformats.org/officeDocument/2006/relationships" xmlns:p="http://schemas.openxmlformats.org/presentationml/2006/main">
+  <p:cSld>
+    <p:spTree>
+      <p:nvGrpSpPr>
+        <p:cNvPr id="1" name=""/>
+        <p:cNvGrpSpPr/>
+        <p:nvPr/>
+      </p:nvGrpSpPr>
+      <p:grpSpPr>
+        <a:xfrm>
+          <a:off x="0" y="0"/>
+          <a:ext cx="0" cy="0"/>
+          <a:chOff x="0" y="0"/>
+          <a:chExt cx="0" cy="0"/>
+        </a:xfrm>
+      </p:grpSpPr>
+      <p:sp>
+        <p:nvSpPr>
+          <p:cNvPr id="4" name="Заголовок 1"/>
+          <p:cNvSpPr>
+            <a:spLocks noGrp="1"/>
+          </p:cNvSpPr>
+          <p:nvPr>
+            <p:ph type="title"/>
+          </p:nvPr>
+        </p:nvSpPr>
+        <p:spPr>
+          <a:xfrm>
+            <a:off x="0" y="1"/>
+            <a:ext cx="12192000" cy="1682150"/>
+          </a:xfrm>
+        </p:spPr>
+        <p:txBody>
+          <a:bodyPr>
+            <a:normAutofit/>
+          </a:bodyPr>
+          <a:lstStyle/>
+          <a:p>
+            <a:r>
+              <a:rPr lang="ru-RU" sz="3200" dirty="0"/>
+              <a:t>В)Выполните разбор данной цепочки в соответствии с алгоритмом «сдвиг-свертка». Убедитесь, что в работе алгоритма появляется то же дерево, что было построено на шаге б).</a:t>
+            </a:r>
+          </a:p>
+        </p:txBody>
+      </p:sp>
+      <p:sp>
+        <p:nvSpPr>
+          <p:cNvPr id="5" name="TextBox 4"/>
+          <p:cNvSpPr txBox="1"/>
+          <p:nvPr/>
+        </p:nvSpPr>
+        <p:spPr>
+          <a:xfrm>
+            <a:off x="97766" y="1682151"/>
+            <a:ext cx="11996468" cy="923330"/>
+          </a:xfrm>
+          <a:prstGeom prst="rect">
+            <a:avLst/>
+          </a:prstGeom>
+          <a:noFill/>
+        </p:spPr>
+        <p:txBody>
+          <a:bodyPr wrap="square" rtlCol="0">
+            <a:spAutoFit/>
+          </a:bodyPr>
+          <a:lstStyle/>
+          <a:p>
+            <a:r>
+              <a:rPr lang="ru-RU" dirty="0" smtClean="0"/>
+              <a:t>На шаге 11 и на шаге 5 при работе алгоритма «Сдвиг-свёртка» возникает неоднозначность. </a:t>
+            </a:r>
+          </a:p>
+          <a:p>
+            <a:r>
+              <a:rPr lang="ru-RU" dirty="0" smtClean="0"/>
+              <a:t>Имея в БНФ </a:t>
+            </a:r>
+            <a:r>
+              <a:rPr lang="en-US" dirty="0"/>
+              <a:t>S → AB </a:t>
+            </a:r>
+            <a:r>
+              <a:rPr lang="ru-RU" dirty="0" smtClean="0"/>
+              <a:t> </a:t>
+            </a:r>
+            <a:r>
+              <a:rPr lang="en-US" dirty="0" smtClean="0"/>
+              <a:t>A </a:t>
+            </a:r>
+            <a:r>
+              <a:rPr lang="en-US" dirty="0"/>
+              <a:t>→ </a:t>
+            </a:r>
+            <a:r>
+              <a:rPr lang="en-US" dirty="0" smtClean="0"/>
+              <a:t>AB</a:t>
+            </a:r>
+            <a:r>
+              <a:rPr lang="ru-RU" dirty="0" smtClean="0"/>
+              <a:t> алгоритм может сработать таким образом, что дерево полученное в результате его работы не будет соответствовать дереву полученному на шаге б).</a:t>
+            </a:r>
+          </a:p>
+        </p:txBody>
+      </p:sp>
+      <p:pic>
+        <p:nvPicPr>
+          <p:cNvPr id="6" name="Рисунок 5"/>
+          <p:cNvPicPr>
+            <a:picLocks noChangeAspect="1"/>
+          </p:cNvPicPr>
+          <p:nvPr/>
+        </p:nvPicPr>
+        <p:blipFill>
+          <a:blip r:embed="rId2"/>
+          <a:stretch>
+            <a:fillRect/>
+          </a:stretch>
+        </p:blipFill>
+        <p:spPr>
+          <a:xfrm>
+            <a:off x="8004560" y="2271227"/>
+            <a:ext cx="3298079" cy="4461054"/>
+          </a:xfrm>
+          <a:prstGeom prst="rect">
+            <a:avLst/>
+          </a:prstGeom>
+        </p:spPr>
+      </p:pic>
+      <p:sp>
+        <p:nvSpPr>
+          <p:cNvPr id="7" name="TextBox 6"/>
+          <p:cNvSpPr txBox="1"/>
+          <p:nvPr/>
+        </p:nvSpPr>
+        <p:spPr>
+          <a:xfrm>
+            <a:off x="6926636" y="2674189"/>
+            <a:ext cx="2570671" cy="923330"/>
+          </a:xfrm>
+          <a:prstGeom prst="rect">
+            <a:avLst/>
+          </a:prstGeom>
+          <a:noFill/>
+        </p:spPr>
+        <p:txBody>
+          <a:bodyPr wrap="square" rtlCol="0">
+            <a:spAutoFit/>
+          </a:bodyPr>
+          <a:lstStyle/>
+          <a:p>
+            <a:r>
+              <a:rPr lang="ru-RU" dirty="0" smtClean="0"/>
+              <a:t>Дерево, полученное на шаге б).</a:t>
+            </a:r>
+          </a:p>
+          <a:p>
+            <a:endParaRPr lang="ru-RU" dirty="0"/>
+          </a:p>
+        </p:txBody>
+      </p:sp>
+      <p:sp>
+        <p:nvSpPr>
+          <p:cNvPr id="8" name="TextBox 7"/>
+          <p:cNvSpPr txBox="1"/>
+          <p:nvPr/>
+        </p:nvSpPr>
+        <p:spPr>
+          <a:xfrm>
+            <a:off x="181155" y="2674189"/>
+            <a:ext cx="5486400" cy="923330"/>
+          </a:xfrm>
+          <a:prstGeom prst="rect">
+            <a:avLst/>
+          </a:prstGeom>
+          <a:noFill/>
+        </p:spPr>
+        <p:txBody>
+          <a:bodyPr wrap="square" rtlCol="0">
+            <a:spAutoFit/>
+          </a:bodyPr>
+          <a:lstStyle/>
+          <a:p>
+            <a:r>
+              <a:rPr lang="ru-RU" dirty="0"/>
+              <a:t>Допустим, на шаге </a:t>
+            </a:r>
+            <a:r>
+              <a:rPr lang="ru-RU" dirty="0" smtClean="0"/>
+              <a:t>11 </a:t>
+            </a:r>
+            <a:r>
+              <a:rPr lang="ru-RU" dirty="0"/>
+              <a:t>будет </a:t>
+            </a:r>
+            <a:r>
+              <a:rPr lang="ru-RU" dirty="0" smtClean="0"/>
+              <a:t>выбрано</a:t>
+            </a:r>
+            <a:r>
+              <a:rPr lang="en-US" dirty="0"/>
+              <a:t> A → </a:t>
+            </a:r>
+            <a:r>
+              <a:rPr lang="en-US" dirty="0" smtClean="0"/>
+              <a:t>AB</a:t>
+            </a:r>
+            <a:r>
+              <a:rPr lang="ru-RU" dirty="0" smtClean="0"/>
+              <a:t>, </a:t>
+            </a:r>
+            <a:br>
+              <a:rPr lang="ru-RU" dirty="0" smtClean="0"/>
+            </a:br>
+            <a:r>
+              <a:rPr lang="ru-RU" dirty="0" smtClean="0"/>
+              <a:t>вместо </a:t>
+            </a:r>
+            <a:r>
+              <a:rPr lang="en-US" dirty="0"/>
+              <a:t>S → AB</a:t>
+            </a:r>
+            <a:r>
+              <a:rPr lang="ru-RU" dirty="0"/>
+              <a:t>  </a:t>
+            </a:r>
+            <a:r>
+              <a:rPr lang="en-US" dirty="0"/>
+              <a:t> </a:t>
+            </a:r>
+            <a:endParaRPr lang="ru-RU" dirty="0"/>
+          </a:p>
+          <a:p>
+            <a:r>
+              <a:rPr lang="ru-RU" dirty="0" smtClean="0"/>
+              <a:t>Тогда дерево будет иметь вид:</a:t>
+            </a:r>
+            <a:endParaRPr lang="ru-RU" dirty="0"/>
+          </a:p>
+        </p:txBody>
+      </p:sp>
+      <p:pic>
+        <p:nvPicPr>
+          <p:cNvPr id="10" name="Рисунок 9"/>
+          <p:cNvPicPr>
+            <a:picLocks noChangeAspect="1"/>
+          </p:cNvPicPr>
+          <p:nvPr/>
+        </p:nvPicPr>
+        <p:blipFill>
+          <a:blip r:embed="rId3"/>
+          <a:stretch>
+            <a:fillRect/>
+          </a:stretch>
+        </p:blipFill>
+        <p:spPr>
+          <a:xfrm>
+            <a:off x="181155" y="3725256"/>
+            <a:ext cx="4348621" cy="3007025"/>
+          </a:xfrm>
+          <a:prstGeom prst="rect">
+            <a:avLst/>
+          </a:prstGeom>
+        </p:spPr>
+      </p:pic>
+      <p:sp>
+        <p:nvSpPr>
+          <p:cNvPr id="11" name="TextBox 10"/>
+          <p:cNvSpPr txBox="1"/>
+          <p:nvPr/>
+        </p:nvSpPr>
+        <p:spPr>
+          <a:xfrm>
+            <a:off x="4010907" y="3597519"/>
+            <a:ext cx="2648686" cy="1477328"/>
+          </a:xfrm>
+          <a:prstGeom prst="rect">
+            <a:avLst/>
+          </a:prstGeom>
+          <a:noFill/>
+        </p:spPr>
+        <p:txBody>
+          <a:bodyPr wrap="square" rtlCol="0">
+            <a:spAutoFit/>
+          </a:bodyPr>
+          <a:lstStyle/>
+          <a:p>
+            <a:r>
+              <a:rPr lang="ru-RU" dirty="0" smtClean="0"/>
+              <a:t>В таком случае, дерево будет отличаться от полученного на шаге б), но цепочка будет полностью разобрана</a:t>
+            </a:r>
+            <a:endParaRPr lang="ru-RU" dirty="0"/>
+          </a:p>
+        </p:txBody>
+      </p:sp>
+      <p:cxnSp>
+        <p:nvCxnSpPr>
+          <p:cNvPr id="12" name="Прямая соединительная линия 11"/>
+          <p:cNvCxnSpPr/>
+          <p:nvPr/>
+        </p:nvCxnSpPr>
+        <p:spPr>
+          <a:xfrm>
+            <a:off x="6648449" y="2605481"/>
+            <a:ext cx="0" cy="4212000"/>
+          </a:xfrm>
+          <a:prstGeom prst="line">
+            <a:avLst/>
+          </a:prstGeom>
+          <a:ln w="25400">
+            <a:solidFill>
+              <a:schemeClr val="tx1"/>
+            </a:solidFill>
+          </a:ln>
+        </p:spPr>
+        <p:style>
+          <a:lnRef idx="1">
+            <a:schemeClr val="accent1"/>
+          </a:lnRef>
+          <a:fillRef idx="0">
+            <a:schemeClr val="accent1"/>
+          </a:fillRef>
+          <a:effectRef idx="0">
+            <a:schemeClr val="accent1"/>
+          </a:effectRef>
+          <a:fontRef idx="minor">
+            <a:schemeClr val="tx1"/>
+          </a:fontRef>
+        </p:style>
+      </p:cxnSp>
+    </p:spTree>
+    <p:extLst>
+      <p:ext uri="{BB962C8B-B14F-4D97-AF65-F5344CB8AC3E}">
+        <p14:creationId xmlns:p14="http://schemas.microsoft.com/office/powerpoint/2010/main" val="975423173"/>
       </p:ext>
     </p:extLst>
   </p:cSld>
@@ -3631,102 +6023,6 @@
           </a:p>
         </p:txBody>
       </p:sp>
-      <p:pic>
-        <p:nvPicPr>
-          <p:cNvPr id="10" name="Рисунок 9"/>
-          <p:cNvPicPr>
-            <a:picLocks noChangeAspect="1"/>
-          </p:cNvPicPr>
-          <p:nvPr/>
-        </p:nvPicPr>
-        <p:blipFill>
-          <a:blip r:embed="rId2"/>
-          <a:stretch>
-            <a:fillRect/>
-          </a:stretch>
-        </p:blipFill>
-        <p:spPr>
-          <a:xfrm>
-            <a:off x="838200" y="2685510"/>
-            <a:ext cx="5172075" cy="2228850"/>
-          </a:xfrm>
-          <a:prstGeom prst="rect">
-            <a:avLst/>
-          </a:prstGeom>
-        </p:spPr>
-      </p:pic>
-      <p:pic>
-        <p:nvPicPr>
-          <p:cNvPr id="11" name="Рисунок 10"/>
-          <p:cNvPicPr>
-            <a:picLocks noChangeAspect="1"/>
-          </p:cNvPicPr>
-          <p:nvPr/>
-        </p:nvPicPr>
-        <p:blipFill>
-          <a:blip r:embed="rId3"/>
-          <a:stretch>
-            <a:fillRect/>
-          </a:stretch>
-        </p:blipFill>
-        <p:spPr>
-          <a:xfrm>
-            <a:off x="6583842" y="2830048"/>
-            <a:ext cx="5269588" cy="1939774"/>
-          </a:xfrm>
-          <a:prstGeom prst="rect">
-            <a:avLst/>
-          </a:prstGeom>
-        </p:spPr>
-      </p:pic>
-      <p:pic>
-        <p:nvPicPr>
-          <p:cNvPr id="13" name="Рисунок 12"/>
-          <p:cNvPicPr>
-            <a:picLocks noChangeAspect="1"/>
-          </p:cNvPicPr>
-          <p:nvPr/>
-        </p:nvPicPr>
-        <p:blipFill>
-          <a:blip r:embed="rId4"/>
-          <a:stretch>
-            <a:fillRect/>
-          </a:stretch>
-        </p:blipFill>
-        <p:spPr>
-          <a:xfrm>
-            <a:off x="4916248" y="4246846"/>
-            <a:ext cx="962025" cy="514350"/>
-          </a:xfrm>
-          <a:prstGeom prst="rect">
-            <a:avLst/>
-          </a:prstGeom>
-        </p:spPr>
-      </p:pic>
-      <p:pic>
-        <p:nvPicPr>
-          <p:cNvPr id="14" name="Рисунок 13"/>
-          <p:cNvPicPr>
-            <a:picLocks noChangeAspect="1"/>
-          </p:cNvPicPr>
-          <p:nvPr/>
-        </p:nvPicPr>
-        <p:blipFill>
-          <a:blip r:embed="rId4"/>
-          <a:stretch>
-            <a:fillRect/>
-          </a:stretch>
-        </p:blipFill>
-        <p:spPr>
-          <a:xfrm>
-            <a:off x="10787960" y="4149080"/>
-            <a:ext cx="962025" cy="514350"/>
-          </a:xfrm>
-          <a:prstGeom prst="rect">
-            <a:avLst/>
-          </a:prstGeom>
-        </p:spPr>
-      </p:pic>
       <p:cxnSp>
         <p:nvCxnSpPr>
           <p:cNvPr id="5" name="Прямая соединительная линия 4">
@@ -3833,6 +6129,54 @@
           </a:p>
         </p:txBody>
       </p:sp>
+      <p:pic>
+        <p:nvPicPr>
+          <p:cNvPr id="4" name="Рисунок 3"/>
+          <p:cNvPicPr>
+            <a:picLocks noChangeAspect="1"/>
+          </p:cNvPicPr>
+          <p:nvPr/>
+        </p:nvPicPr>
+        <p:blipFill>
+          <a:blip r:embed="rId2"/>
+          <a:stretch>
+            <a:fillRect/>
+          </a:stretch>
+        </p:blipFill>
+        <p:spPr>
+          <a:xfrm>
+            <a:off x="6207695" y="3114135"/>
+            <a:ext cx="5840216" cy="2337516"/>
+          </a:xfrm>
+          <a:prstGeom prst="rect">
+            <a:avLst/>
+          </a:prstGeom>
+        </p:spPr>
+      </p:pic>
+      <p:pic>
+        <p:nvPicPr>
+          <p:cNvPr id="7" name="Рисунок 6"/>
+          <p:cNvPicPr>
+            <a:picLocks noChangeAspect="1"/>
+          </p:cNvPicPr>
+          <p:nvPr/>
+        </p:nvPicPr>
+        <p:blipFill>
+          <a:blip r:embed="rId3"/>
+          <a:stretch>
+            <a:fillRect/>
+          </a:stretch>
+        </p:blipFill>
+        <p:spPr>
+          <a:xfrm>
+            <a:off x="54996" y="3146572"/>
+            <a:ext cx="6041004" cy="2397106"/>
+          </a:xfrm>
+          <a:prstGeom prst="rect">
+            <a:avLst/>
+          </a:prstGeom>
+        </p:spPr>
+      </p:pic>
     </p:spTree>
     <p:extLst>
       <p:ext uri="{BB962C8B-B14F-4D97-AF65-F5344CB8AC3E}">
@@ -3915,101 +6259,6 @@
           </a:p>
         </p:txBody>
       </p:sp>
-      <p:pic>
-        <p:nvPicPr>
-          <p:cNvPr id="10" name="Рисунок 9">
-            <a:extLst>
-              <a:ext uri="{FF2B5EF4-FFF2-40B4-BE49-F238E27FC236}">
-                <a16:creationId xmlns:a16="http://schemas.microsoft.com/office/drawing/2014/main" id="{B43E6557-93C0-4EA6-B7A5-A0509D9C6B60}"/>
-              </a:ext>
-            </a:extLst>
-          </p:cNvPr>
-          <p:cNvPicPr>
-            <a:picLocks noChangeAspect="1"/>
-          </p:cNvPicPr>
-          <p:nvPr/>
-        </p:nvPicPr>
-        <p:blipFill>
-          <a:blip r:embed="rId2"/>
-          <a:stretch>
-            <a:fillRect/>
-          </a:stretch>
-        </p:blipFill>
-        <p:spPr>
-          <a:xfrm>
-            <a:off x="196160" y="1822547"/>
-            <a:ext cx="5052116" cy="4825902"/>
-          </a:xfrm>
-          <a:prstGeom prst="rect">
-            <a:avLst/>
-          </a:prstGeom>
-        </p:spPr>
-      </p:pic>
-      <p:pic>
-        <p:nvPicPr>
-          <p:cNvPr id="12" name="Рисунок 11">
-            <a:extLst>
-              <a:ext uri="{FF2B5EF4-FFF2-40B4-BE49-F238E27FC236}">
-                <a16:creationId xmlns:a16="http://schemas.microsoft.com/office/drawing/2014/main" id="{3F959B36-8D0A-4492-8EFC-C1601FF7ACEE}"/>
-              </a:ext>
-            </a:extLst>
-          </p:cNvPr>
-          <p:cNvPicPr>
-            <a:picLocks noChangeAspect="1"/>
-          </p:cNvPicPr>
-          <p:nvPr/>
-        </p:nvPicPr>
-        <p:blipFill>
-          <a:blip r:embed="rId3"/>
-          <a:stretch>
-            <a:fillRect/>
-          </a:stretch>
-        </p:blipFill>
-        <p:spPr>
-          <a:xfrm>
-            <a:off x="6943725" y="2038349"/>
-            <a:ext cx="4562475" cy="4610100"/>
-          </a:xfrm>
-          <a:prstGeom prst="rect">
-            <a:avLst/>
-          </a:prstGeom>
-        </p:spPr>
-      </p:pic>
-      <p:sp>
-        <p:nvSpPr>
-          <p:cNvPr id="13" name="TextBox 12">
-            <a:extLst>
-              <a:ext uri="{FF2B5EF4-FFF2-40B4-BE49-F238E27FC236}">
-                <a16:creationId xmlns:a16="http://schemas.microsoft.com/office/drawing/2014/main" id="{B8958A77-36F1-4267-9E7C-0C3BB65AFFBC}"/>
-              </a:ext>
-            </a:extLst>
-          </p:cNvPr>
-          <p:cNvSpPr txBox="1"/>
-          <p:nvPr/>
-        </p:nvSpPr>
-        <p:spPr>
-          <a:xfrm>
-            <a:off x="332509" y="2038349"/>
-            <a:ext cx="2124363" cy="369332"/>
-          </a:xfrm>
-          <a:prstGeom prst="rect">
-            <a:avLst/>
-          </a:prstGeom>
-          <a:noFill/>
-        </p:spPr>
-        <p:txBody>
-          <a:bodyPr wrap="square" rtlCol="0">
-            <a:spAutoFit/>
-          </a:bodyPr>
-          <a:lstStyle/>
-          <a:p>
-            <a:r>
-              <a:rPr lang="ru-RU" dirty="0"/>
-              <a:t>Шаг 3</a:t>
-            </a:r>
-          </a:p>
-        </p:txBody>
-      </p:sp>
       <p:sp>
         <p:nvSpPr>
           <p:cNvPr id="14" name="TextBox 13">
@@ -4024,7 +6273,7 @@
         </p:nvSpPr>
         <p:spPr>
           <a:xfrm>
-            <a:off x="6534727" y="2038349"/>
+            <a:off x="8616540" y="1484897"/>
             <a:ext cx="2124363" cy="369332"/>
           </a:xfrm>
           <a:prstGeom prst="rect">
@@ -4083,6 +6332,84 @@
           </a:fontRef>
         </p:style>
       </p:cxnSp>
+      <p:pic>
+        <p:nvPicPr>
+          <p:cNvPr id="2" name="Рисунок 1"/>
+          <p:cNvPicPr>
+            <a:picLocks noChangeAspect="1"/>
+          </p:cNvPicPr>
+          <p:nvPr/>
+        </p:nvPicPr>
+        <p:blipFill>
+          <a:blip r:embed="rId2"/>
+          <a:stretch>
+            <a:fillRect/>
+          </a:stretch>
+        </p:blipFill>
+        <p:spPr>
+          <a:xfrm>
+            <a:off x="6594807" y="1830676"/>
+            <a:ext cx="5318273" cy="5027324"/>
+          </a:xfrm>
+          <a:prstGeom prst="rect">
+            <a:avLst/>
+          </a:prstGeom>
+        </p:spPr>
+      </p:pic>
+      <p:pic>
+        <p:nvPicPr>
+          <p:cNvPr id="3" name="Рисунок 2"/>
+          <p:cNvPicPr>
+            <a:picLocks noChangeAspect="1"/>
+          </p:cNvPicPr>
+          <p:nvPr/>
+        </p:nvPicPr>
+        <p:blipFill>
+          <a:blip r:embed="rId3"/>
+          <a:stretch>
+            <a:fillRect/>
+          </a:stretch>
+        </p:blipFill>
+        <p:spPr>
+          <a:xfrm>
+            <a:off x="283735" y="1596948"/>
+            <a:ext cx="5484037" cy="5261052"/>
+          </a:xfrm>
+          <a:prstGeom prst="rect">
+            <a:avLst/>
+          </a:prstGeom>
+        </p:spPr>
+      </p:pic>
+      <p:sp>
+        <p:nvSpPr>
+          <p:cNvPr id="5" name="TextBox 4"/>
+          <p:cNvSpPr txBox="1"/>
+          <p:nvPr/>
+        </p:nvSpPr>
+        <p:spPr>
+          <a:xfrm>
+            <a:off x="672860" y="1705442"/>
+            <a:ext cx="1475117" cy="369332"/>
+          </a:xfrm>
+          <a:prstGeom prst="rect">
+            <a:avLst/>
+          </a:prstGeom>
+          <a:noFill/>
+        </p:spPr>
+        <p:txBody>
+          <a:bodyPr wrap="square" rtlCol="0">
+            <a:spAutoFit/>
+          </a:bodyPr>
+          <a:lstStyle/>
+          <a:p>
+            <a:pPr algn="ctr"/>
+            <a:r>
+              <a:rPr lang="ru-RU" dirty="0" smtClean="0"/>
+              <a:t>Шаг 3</a:t>
+            </a:r>
+          </a:p>
+        </p:txBody>
+      </p:sp>
     </p:spTree>
     <p:extLst>
       <p:ext uri="{BB962C8B-B14F-4D97-AF65-F5344CB8AC3E}">
@@ -4137,66 +6464,6 @@
           </a:p>
         </p:txBody>
       </p:sp>
-      <p:pic>
-        <p:nvPicPr>
-          <p:cNvPr id="9" name="Рисунок 8">
-            <a:extLst>
-              <a:ext uri="{FF2B5EF4-FFF2-40B4-BE49-F238E27FC236}">
-                <a16:creationId xmlns:a16="http://schemas.microsoft.com/office/drawing/2014/main" id="{8D46905F-29C5-415E-9B23-C362C84A5B91}"/>
-              </a:ext>
-            </a:extLst>
-          </p:cNvPr>
-          <p:cNvPicPr>
-            <a:picLocks noChangeAspect="1"/>
-          </p:cNvPicPr>
-          <p:nvPr/>
-        </p:nvPicPr>
-        <p:blipFill>
-          <a:blip r:embed="rId2"/>
-          <a:stretch>
-            <a:fillRect/>
-          </a:stretch>
-        </p:blipFill>
-        <p:spPr>
-          <a:xfrm>
-            <a:off x="563852" y="1779272"/>
-            <a:ext cx="4026622" cy="4972076"/>
-          </a:xfrm>
-          <a:prstGeom prst="rect">
-            <a:avLst/>
-          </a:prstGeom>
-        </p:spPr>
-      </p:pic>
-      <p:pic>
-        <p:nvPicPr>
-          <p:cNvPr id="11" name="Рисунок 10">
-            <a:extLst>
-              <a:ext uri="{FF2B5EF4-FFF2-40B4-BE49-F238E27FC236}">
-                <a16:creationId xmlns:a16="http://schemas.microsoft.com/office/drawing/2014/main" id="{6533C05A-5EA0-44DE-99A5-CFAF3D5D173B}"/>
-              </a:ext>
-            </a:extLst>
-          </p:cNvPr>
-          <p:cNvPicPr>
-            <a:picLocks noChangeAspect="1"/>
-          </p:cNvPicPr>
-          <p:nvPr/>
-        </p:nvPicPr>
-        <p:blipFill>
-          <a:blip r:embed="rId3"/>
-          <a:stretch>
-            <a:fillRect/>
-          </a:stretch>
-        </p:blipFill>
-        <p:spPr>
-          <a:xfrm>
-            <a:off x="6947621" y="1799405"/>
-            <a:ext cx="3850679" cy="4972076"/>
-          </a:xfrm>
-          <a:prstGeom prst="rect">
-            <a:avLst/>
-          </a:prstGeom>
-        </p:spPr>
-      </p:pic>
       <p:cxnSp>
         <p:nvCxnSpPr>
           <p:cNvPr id="12" name="Прямая соединительная линия 11">
@@ -4305,6 +6572,54 @@
           </a:p>
         </p:txBody>
       </p:sp>
+      <p:pic>
+        <p:nvPicPr>
+          <p:cNvPr id="3" name="Рисунок 2"/>
+          <p:cNvPicPr>
+            <a:picLocks noChangeAspect="1"/>
+          </p:cNvPicPr>
+          <p:nvPr/>
+        </p:nvPicPr>
+        <p:blipFill>
+          <a:blip r:embed="rId2"/>
+          <a:stretch>
+            <a:fillRect/>
+          </a:stretch>
+        </p:blipFill>
+        <p:spPr>
+          <a:xfrm>
+            <a:off x="7578271" y="1512360"/>
+            <a:ext cx="4380455" cy="5345640"/>
+          </a:xfrm>
+          <a:prstGeom prst="rect">
+            <a:avLst/>
+          </a:prstGeom>
+        </p:spPr>
+      </p:pic>
+      <p:pic>
+        <p:nvPicPr>
+          <p:cNvPr id="4" name="Рисунок 3"/>
+          <p:cNvPicPr>
+            <a:picLocks noChangeAspect="1"/>
+          </p:cNvPicPr>
+          <p:nvPr/>
+        </p:nvPicPr>
+        <p:blipFill>
+          <a:blip r:embed="rId3"/>
+          <a:stretch>
+            <a:fillRect/>
+          </a:stretch>
+        </p:blipFill>
+        <p:spPr>
+          <a:xfrm>
+            <a:off x="1176558" y="1767504"/>
+            <a:ext cx="4508250" cy="5090496"/>
+          </a:xfrm>
+          <a:prstGeom prst="rect">
+            <a:avLst/>
+          </a:prstGeom>
+        </p:spPr>
+      </p:pic>
     </p:spTree>
     <p:extLst>
       <p:ext uri="{BB962C8B-B14F-4D97-AF65-F5344CB8AC3E}">
@@ -4364,36 +6679,6 @@
           </a:p>
         </p:txBody>
       </p:sp>
-      <p:pic>
-        <p:nvPicPr>
-          <p:cNvPr id="3" name="Рисунок 2">
-            <a:extLst>
-              <a:ext uri="{FF2B5EF4-FFF2-40B4-BE49-F238E27FC236}">
-                <a16:creationId xmlns:a16="http://schemas.microsoft.com/office/drawing/2014/main" id="{8CC25FA0-8EA1-48B8-BCF6-C1AB462E68C5}"/>
-              </a:ext>
-            </a:extLst>
-          </p:cNvPr>
-          <p:cNvPicPr>
-            <a:picLocks noChangeAspect="1"/>
-          </p:cNvPicPr>
-          <p:nvPr/>
-        </p:nvPicPr>
-        <p:blipFill>
-          <a:blip r:embed="rId2"/>
-          <a:stretch>
-            <a:fillRect/>
-          </a:stretch>
-        </p:blipFill>
-        <p:spPr>
-          <a:xfrm>
-            <a:off x="5966691" y="0"/>
-            <a:ext cx="4420634" cy="6681924"/>
-          </a:xfrm>
-          <a:prstGeom prst="rect">
-            <a:avLst/>
-          </a:prstGeom>
-        </p:spPr>
-      </p:pic>
       <p:sp>
         <p:nvSpPr>
           <p:cNvPr id="7" name="TextBox 6">
@@ -4429,6 +6714,30 @@
           </a:p>
         </p:txBody>
       </p:sp>
+      <p:pic>
+        <p:nvPicPr>
+          <p:cNvPr id="2" name="Рисунок 1"/>
+          <p:cNvPicPr>
+            <a:picLocks noChangeAspect="1"/>
+          </p:cNvPicPr>
+          <p:nvPr/>
+        </p:nvPicPr>
+        <p:blipFill>
+          <a:blip r:embed="rId2"/>
+          <a:stretch>
+            <a:fillRect/>
+          </a:stretch>
+        </p:blipFill>
+        <p:spPr>
+          <a:xfrm>
+            <a:off x="6303121" y="0"/>
+            <a:ext cx="5066494" cy="6853051"/>
+          </a:xfrm>
+          <a:prstGeom prst="rect">
+            <a:avLst/>
+          </a:prstGeom>
+        </p:spPr>
+      </p:pic>
     </p:spTree>
     <p:extLst>
       <p:ext uri="{BB962C8B-B14F-4D97-AF65-F5344CB8AC3E}">
@@ -4461,7 +6770,7 @@
       </p:grpSpPr>
       <p:sp>
         <p:nvSpPr>
-          <p:cNvPr id="2" name="Заголовок 1"/>
+          <p:cNvPr id="4" name="Заголовок 1"/>
           <p:cNvSpPr>
             <a:spLocks noGrp="1"/>
           </p:cNvSpPr>
@@ -4469,24 +6778,22 @@
             <p:ph type="title"/>
           </p:nvPr>
         </p:nvSpPr>
-        <p:spPr/>
+        <p:spPr>
+          <a:xfrm>
+            <a:off x="-1" y="1"/>
+            <a:ext cx="12192001" cy="1535501"/>
+          </a:xfrm>
+        </p:spPr>
         <p:txBody>
           <a:bodyPr>
-            <a:noAutofit/>
+            <a:normAutofit/>
           </a:bodyPr>
           <a:lstStyle/>
           <a:p>
-            <a:br>
-              <a:rPr lang="ru-RU" sz="2800" dirty="0"/>
-            </a:br>
-            <a:r>
-              <a:rPr lang="ru-RU" sz="2800" dirty="0"/>
+            <a:r>
+              <a:rPr lang="ru-RU" sz="3200" dirty="0"/>
               <a:t>В)Выполните разбор данной цепочки в соответствии с алгоритмом «сдвиг-свертка». Убедитесь, что в работе алгоритма появляется то же дерево, что было построено на шаге б).</a:t>
             </a:r>
-            <a:br>
-              <a:rPr lang="ru-RU" sz="2800" dirty="0"/>
-            </a:br>
-            <a:endParaRPr lang="ru-RU" sz="2800" dirty="0"/>
           </a:p>
         </p:txBody>
       </p:sp>
@@ -4498,8 +6805,8 @@
         </p:nvSpPr>
         <p:spPr>
           <a:xfrm>
-            <a:off x="1026542" y="2889849"/>
-            <a:ext cx="5555411" cy="3968151"/>
+            <a:off x="138023" y="1535502"/>
+            <a:ext cx="1742535" cy="923330"/>
           </a:xfrm>
           <a:prstGeom prst="rect">
             <a:avLst/>
@@ -4512,6 +6819,44 @@
           </a:bodyPr>
           <a:lstStyle/>
           <a:p>
+            <a:r>
+              <a:rPr lang="en-US" dirty="0"/>
+              <a:t>S → AB | BA </a:t>
+            </a:r>
+            <a:r>
+              <a:rPr lang="ru-RU" dirty="0"/>
+              <a:t/>
+            </a:r>
+            <a:br>
+              <a:rPr lang="ru-RU" dirty="0"/>
+            </a:br>
+            <a:r>
+              <a:rPr lang="en-US" dirty="0" smtClean="0"/>
+              <a:t>A </a:t>
+            </a:r>
+            <a:r>
+              <a:rPr lang="en-US" dirty="0"/>
+              <a:t>→ AB | AA | a </a:t>
+            </a:r>
+            <a:r>
+              <a:rPr lang="ru-RU" dirty="0"/>
+              <a:t/>
+            </a:r>
+            <a:br>
+              <a:rPr lang="ru-RU" dirty="0"/>
+            </a:br>
+            <a:r>
+              <a:rPr lang="en-US" dirty="0" smtClean="0"/>
+              <a:t>B </a:t>
+            </a:r>
+            <a:r>
+              <a:rPr lang="en-US" dirty="0"/>
+              <a:t>→ </a:t>
+            </a:r>
+            <a:r>
+              <a:rPr lang="en-US" dirty="0" smtClean="0"/>
+              <a:t>b</a:t>
+            </a:r>
             <a:endParaRPr lang="ru-RU" dirty="0"/>
           </a:p>
         </p:txBody>
@@ -4524,8 +6869,8 @@
         </p:nvSpPr>
         <p:spPr>
           <a:xfrm>
-            <a:off x="120769" y="2803585"/>
-            <a:ext cx="5555411" cy="646331"/>
+            <a:off x="2339781" y="2761640"/>
+            <a:ext cx="1276350" cy="369332"/>
           </a:xfrm>
           <a:prstGeom prst="rect">
             <a:avLst/>
@@ -4538,28 +6883,17 @@
           </a:bodyPr>
           <a:lstStyle/>
           <a:p>
-            <a:pPr marL="342900" indent="-342900">
-              <a:buAutoNum type="arabicParenR"/>
-            </a:pPr>
-            <a:r>
-              <a:rPr lang="ru-RU" dirty="0"/>
-              <a:t>.</a:t>
-            </a:r>
-          </a:p>
-          <a:p>
-            <a:pPr marL="342900" indent="-342900">
-              <a:buAutoNum type="arabicParenR"/>
-            </a:pPr>
-            <a:r>
-              <a:rPr lang="ru-RU" dirty="0"/>
-              <a:t>.</a:t>
+            <a:pPr algn="ctr"/>
+            <a:r>
+              <a:rPr lang="ru-RU" dirty="0" smtClean="0"/>
+              <a:t>Шаг 1. </a:t>
             </a:r>
           </a:p>
         </p:txBody>
       </p:sp>
       <p:pic>
         <p:nvPicPr>
-          <p:cNvPr id="10" name="Рисунок 9"/>
+          <p:cNvPr id="7" name="Рисунок 6"/>
           <p:cNvPicPr>
             <a:picLocks noChangeAspect="1"/>
           </p:cNvPicPr>
@@ -4573,8 +6907,8 @@
         </p:blipFill>
         <p:spPr>
           <a:xfrm>
-            <a:off x="120769" y="1692491"/>
-            <a:ext cx="5918710" cy="1111094"/>
+            <a:off x="2339781" y="3130972"/>
+            <a:ext cx="1276350" cy="742950"/>
           </a:xfrm>
           <a:prstGeom prst="rect">
             <a:avLst/>
@@ -4583,7 +6917,7 @@
       </p:pic>
       <p:pic>
         <p:nvPicPr>
-          <p:cNvPr id="11" name="Рисунок 10"/>
+          <p:cNvPr id="17" name="Рисунок 16"/>
           <p:cNvPicPr>
             <a:picLocks noChangeAspect="1"/>
           </p:cNvPicPr>
@@ -4597,8 +6931,8 @@
         </p:blipFill>
         <p:spPr>
           <a:xfrm>
-            <a:off x="120769" y="3527553"/>
-            <a:ext cx="5518299" cy="2286440"/>
+            <a:off x="5856078" y="2946306"/>
+            <a:ext cx="6000750" cy="1476375"/>
           </a:xfrm>
           <a:prstGeom prst="rect">
             <a:avLst/>
@@ -4607,133 +6941,37 @@
       </p:pic>
       <p:sp>
         <p:nvSpPr>
-          <p:cNvPr id="14" name="TextBox 13"/>
-          <p:cNvSpPr txBox="1"/>
-          <p:nvPr/>
-        </p:nvSpPr>
-        <p:spPr>
-          <a:xfrm>
-            <a:off x="6363418" y="1967904"/>
-            <a:ext cx="5555411" cy="646331"/>
-          </a:xfrm>
-          <a:prstGeom prst="rect">
-            <a:avLst/>
-          </a:prstGeom>
-          <a:noFill/>
-        </p:spPr>
-        <p:txBody>
-          <a:bodyPr wrap="square" rtlCol="0">
+          <p:cNvPr id="18" name="Прямоугольник 17"/>
+          <p:cNvSpPr/>
+          <p:nvPr/>
+        </p:nvSpPr>
+        <p:spPr>
+          <a:xfrm>
+            <a:off x="3994190" y="1812501"/>
+            <a:ext cx="649537" cy="369332"/>
+          </a:xfrm>
+          <a:prstGeom prst="rect">
+            <a:avLst/>
+          </a:prstGeom>
+        </p:spPr>
+        <p:txBody>
+          <a:bodyPr wrap="none">
             <a:spAutoFit/>
           </a:bodyPr>
           <a:lstStyle/>
           <a:p>
             <a:r>
-              <a:rPr lang="en-US" dirty="0"/>
-              <a:t>3) </a:t>
-            </a:r>
-            <a:br>
-              <a:rPr lang="ru-RU" dirty="0"/>
-            </a:br>
-            <a:r>
-              <a:rPr lang="en-US" dirty="0"/>
-              <a:t>4) </a:t>
+              <a:rPr lang="en-US" dirty="0" err="1"/>
+              <a:t>abab</a:t>
             </a:r>
             <a:endParaRPr lang="ru-RU" dirty="0"/>
           </a:p>
         </p:txBody>
       </p:sp>
-      <p:pic>
-        <p:nvPicPr>
-          <p:cNvPr id="16" name="Рисунок 15"/>
-          <p:cNvPicPr>
-            <a:picLocks noChangeAspect="1"/>
-          </p:cNvPicPr>
-          <p:nvPr/>
-        </p:nvPicPr>
-        <p:blipFill>
-          <a:blip r:embed="rId4"/>
-          <a:stretch>
-            <a:fillRect/>
-          </a:stretch>
-        </p:blipFill>
-        <p:spPr>
-          <a:xfrm>
-            <a:off x="6234741" y="2603628"/>
-            <a:ext cx="4867275" cy="1847850"/>
-          </a:xfrm>
-          <a:prstGeom prst="rect">
-            <a:avLst/>
-          </a:prstGeom>
-        </p:spPr>
-      </p:pic>
-      <p:sp>
-        <p:nvSpPr>
-          <p:cNvPr id="17" name="TextBox 16"/>
-          <p:cNvSpPr txBox="1"/>
-          <p:nvPr/>
-        </p:nvSpPr>
-        <p:spPr>
-          <a:xfrm>
-            <a:off x="6363417" y="4347607"/>
-            <a:ext cx="5555411" cy="369332"/>
-          </a:xfrm>
-          <a:prstGeom prst="rect">
-            <a:avLst/>
-          </a:prstGeom>
-          <a:noFill/>
-        </p:spPr>
-        <p:txBody>
-          <a:bodyPr wrap="square" rtlCol="0">
-            <a:spAutoFit/>
-          </a:bodyPr>
-          <a:lstStyle/>
-          <a:p>
-            <a:r>
-              <a:rPr lang="ru-RU" dirty="0"/>
-              <a:t>5</a:t>
-            </a:r>
-            <a:r>
-              <a:rPr lang="en-US" dirty="0"/>
-              <a:t>)</a:t>
-            </a:r>
-            <a:endParaRPr lang="ru-RU" dirty="0"/>
-          </a:p>
-        </p:txBody>
-      </p:sp>
-      <p:pic>
-        <p:nvPicPr>
-          <p:cNvPr id="4" name="Рисунок 3">
-            <a:extLst>
-              <a:ext uri="{FF2B5EF4-FFF2-40B4-BE49-F238E27FC236}">
-                <a16:creationId xmlns:a16="http://schemas.microsoft.com/office/drawing/2014/main" id="{8C102991-D31B-4004-8AA8-69887B979C3A}"/>
-              </a:ext>
-            </a:extLst>
-          </p:cNvPr>
-          <p:cNvPicPr>
-            <a:picLocks noChangeAspect="1"/>
-          </p:cNvPicPr>
-          <p:nvPr/>
-        </p:nvPicPr>
-        <p:blipFill>
-          <a:blip r:embed="rId5"/>
-          <a:stretch>
-            <a:fillRect/>
-          </a:stretch>
-        </p:blipFill>
-        <p:spPr>
-          <a:xfrm>
-            <a:off x="7035455" y="4673576"/>
-            <a:ext cx="3263090" cy="2151800"/>
-          </a:xfrm>
-          <a:prstGeom prst="rect">
-            <a:avLst/>
-          </a:prstGeom>
-        </p:spPr>
-      </p:pic>
     </p:spTree>
     <p:extLst>
       <p:ext uri="{BB962C8B-B14F-4D97-AF65-F5344CB8AC3E}">
-        <p14:creationId xmlns:p14="http://schemas.microsoft.com/office/powerpoint/2010/main" val="3417800161"/>
+        <p14:creationId xmlns:p14="http://schemas.microsoft.com/office/powerpoint/2010/main" val="2449330581"/>
       </p:ext>
     </p:extLst>
   </p:cSld>
@@ -4762,7 +7000,7 @@
       </p:grpSpPr>
       <p:sp>
         <p:nvSpPr>
-          <p:cNvPr id="5" name="Заголовок 1"/>
+          <p:cNvPr id="4" name="Заголовок 1"/>
           <p:cNvSpPr>
             <a:spLocks noGrp="1"/>
           </p:cNvSpPr>
@@ -4772,40 +7010,33 @@
         </p:nvSpPr>
         <p:spPr>
           <a:xfrm>
-            <a:off x="838200" y="365125"/>
-            <a:ext cx="10515600" cy="1325563"/>
+            <a:off x="-1" y="1"/>
+            <a:ext cx="12192001" cy="1535501"/>
           </a:xfrm>
         </p:spPr>
         <p:txBody>
           <a:bodyPr>
-            <a:noAutofit/>
+            <a:normAutofit/>
           </a:bodyPr>
           <a:lstStyle/>
           <a:p>
-            <a:br>
-              <a:rPr lang="ru-RU" sz="2800" dirty="0"/>
-            </a:br>
-            <a:r>
-              <a:rPr lang="ru-RU" sz="2800" dirty="0"/>
+            <a:r>
+              <a:rPr lang="ru-RU" sz="3200" dirty="0"/>
               <a:t>В)Выполните разбор данной цепочки в соответствии с алгоритмом «сдвиг-свертка». Убедитесь, что в работе алгоритма появляется то же дерево, что было построено на шаге б).</a:t>
             </a:r>
-            <a:br>
-              <a:rPr lang="ru-RU" sz="2800" dirty="0"/>
-            </a:br>
-            <a:endParaRPr lang="ru-RU" sz="2800" dirty="0"/>
-          </a:p>
-        </p:txBody>
-      </p:sp>
-      <p:sp>
-        <p:nvSpPr>
-          <p:cNvPr id="7" name="TextBox 6"/>
+          </a:p>
+        </p:txBody>
+      </p:sp>
+      <p:sp>
+        <p:nvSpPr>
+          <p:cNvPr id="5" name="TextBox 4"/>
           <p:cNvSpPr txBox="1"/>
           <p:nvPr/>
         </p:nvSpPr>
         <p:spPr>
           <a:xfrm>
-            <a:off x="540589" y="1871147"/>
-            <a:ext cx="5555411" cy="369332"/>
+            <a:off x="138023" y="1535502"/>
+            <a:ext cx="1742535" cy="923330"/>
           </a:xfrm>
           <a:prstGeom prst="rect">
             <a:avLst/>
@@ -4819,46 +7050,42 @@
           <a:lstStyle/>
           <a:p>
             <a:r>
+              <a:rPr lang="en-US" dirty="0"/>
+              <a:t>S → AB | BA </a:t>
+            </a:r>
+            <a:r>
               <a:rPr lang="ru-RU" dirty="0"/>
-              <a:t>6</a:t>
+              <a:t/>
+            </a:r>
+            <a:br>
+              <a:rPr lang="ru-RU" dirty="0"/>
+            </a:br>
+            <a:r>
+              <a:rPr lang="en-US" dirty="0" smtClean="0"/>
+              <a:t>A </a:t>
             </a:r>
             <a:r>
               <a:rPr lang="en-US" dirty="0"/>
-              <a:t>)  </a:t>
-            </a:r>
-            <a:endParaRPr lang="ru-RU" dirty="0"/>
-          </a:p>
-        </p:txBody>
-      </p:sp>
-      <p:sp>
-        <p:nvSpPr>
-          <p:cNvPr id="9" name="TextBox 8"/>
-          <p:cNvSpPr txBox="1"/>
-          <p:nvPr/>
-        </p:nvSpPr>
-        <p:spPr>
-          <a:xfrm>
-            <a:off x="6205268" y="1917005"/>
-            <a:ext cx="5555411" cy="369332"/>
-          </a:xfrm>
-          <a:prstGeom prst="rect">
-            <a:avLst/>
-          </a:prstGeom>
-          <a:noFill/>
-        </p:spPr>
-        <p:txBody>
-          <a:bodyPr wrap="square" rtlCol="0">
-            <a:spAutoFit/>
-          </a:bodyPr>
-          <a:lstStyle/>
-          <a:p>
+              <a:t>→ AB | AA | a </a:t>
+            </a:r>
             <a:r>
               <a:rPr lang="ru-RU" dirty="0"/>
-              <a:t>7</a:t>
+              <a:t/>
+            </a:r>
+            <a:br>
+              <a:rPr lang="ru-RU" dirty="0"/>
+            </a:br>
+            <a:r>
+              <a:rPr lang="en-US" dirty="0" smtClean="0"/>
+              <a:t>B </a:t>
             </a:r>
             <a:r>
               <a:rPr lang="en-US" dirty="0"/>
-              <a:t>)  </a:t>
+              <a:t>→ </a:t>
+            </a:r>
+            <a:r>
+              <a:rPr lang="en-US" dirty="0" smtClean="0"/>
+              <a:t>b</a:t>
             </a:r>
             <a:endParaRPr lang="ru-RU" dirty="0"/>
           </a:p>
@@ -4866,13 +7093,7 @@
       </p:sp>
       <p:pic>
         <p:nvPicPr>
-          <p:cNvPr id="3" name="Рисунок 2">
-            <a:extLst>
-              <a:ext uri="{FF2B5EF4-FFF2-40B4-BE49-F238E27FC236}">
-                <a16:creationId xmlns:a16="http://schemas.microsoft.com/office/drawing/2014/main" id="{B9513FF0-5622-4E8A-BD3F-3772FBEA4872}"/>
-              </a:ext>
-            </a:extLst>
-          </p:cNvPr>
+          <p:cNvPr id="6" name="Рисунок 5"/>
           <p:cNvPicPr>
             <a:picLocks noChangeAspect="1"/>
           </p:cNvPicPr>
@@ -4886,23 +7107,47 @@
         </p:blipFill>
         <p:spPr>
           <a:xfrm>
-            <a:off x="540589" y="2771342"/>
-            <a:ext cx="4343400" cy="2867025"/>
+            <a:off x="2459966" y="2869541"/>
+            <a:ext cx="1371600" cy="2533650"/>
           </a:xfrm>
           <a:prstGeom prst="rect">
             <a:avLst/>
           </a:prstGeom>
         </p:spPr>
       </p:pic>
+      <p:sp>
+        <p:nvSpPr>
+          <p:cNvPr id="7" name="TextBox 6"/>
+          <p:cNvSpPr txBox="1"/>
+          <p:nvPr/>
+        </p:nvSpPr>
+        <p:spPr>
+          <a:xfrm>
+            <a:off x="2507591" y="2563232"/>
+            <a:ext cx="1276350" cy="369332"/>
+          </a:xfrm>
+          <a:prstGeom prst="rect">
+            <a:avLst/>
+          </a:prstGeom>
+          <a:noFill/>
+        </p:spPr>
+        <p:txBody>
+          <a:bodyPr wrap="square" rtlCol="0">
+            <a:spAutoFit/>
+          </a:bodyPr>
+          <a:lstStyle/>
+          <a:p>
+            <a:pPr algn="ctr"/>
+            <a:r>
+              <a:rPr lang="ru-RU" dirty="0" smtClean="0"/>
+              <a:t>Шаг 2. </a:t>
+            </a:r>
+          </a:p>
+        </p:txBody>
+      </p:sp>
       <p:pic>
         <p:nvPicPr>
-          <p:cNvPr id="6" name="Рисунок 5">
-            <a:extLst>
-              <a:ext uri="{FF2B5EF4-FFF2-40B4-BE49-F238E27FC236}">
-                <a16:creationId xmlns:a16="http://schemas.microsoft.com/office/drawing/2014/main" id="{855151EB-CBFE-4BE6-8214-4A0FCF974931}"/>
-              </a:ext>
-            </a:extLst>
-          </p:cNvPr>
+          <p:cNvPr id="9" name="Рисунок 8"/>
           <p:cNvPicPr>
             <a:picLocks noChangeAspect="1"/>
           </p:cNvPicPr>
@@ -4916,8 +7161,8 @@
         </p:blipFill>
         <p:spPr>
           <a:xfrm>
-            <a:off x="6205268" y="2288646"/>
-            <a:ext cx="4486275" cy="4305300"/>
+            <a:off x="5765950" y="2869541"/>
+            <a:ext cx="5991225" cy="2257425"/>
           </a:xfrm>
           <a:prstGeom prst="rect">
             <a:avLst/>
@@ -4927,7 +7172,7 @@
     </p:spTree>
     <p:extLst>
       <p:ext uri="{BB962C8B-B14F-4D97-AF65-F5344CB8AC3E}">
-        <p14:creationId xmlns:p14="http://schemas.microsoft.com/office/powerpoint/2010/main" val="1099064213"/>
+        <p14:creationId xmlns:p14="http://schemas.microsoft.com/office/powerpoint/2010/main" val="1044982485"/>
       </p:ext>
     </p:extLst>
   </p:cSld>
@@ -4957,55 +7202,29 @@
       <p:sp>
         <p:nvSpPr>
           <p:cNvPr id="4" name="Заголовок 1"/>
-          <p:cNvSpPr txBox="1">
-            <a:spLocks/>
-          </p:cNvSpPr>
-          <p:nvPr/>
-        </p:nvSpPr>
-        <p:spPr>
-          <a:xfrm>
-            <a:off x="794066" y="-107379"/>
-            <a:ext cx="10515600" cy="1325563"/>
-          </a:xfrm>
-          <a:prstGeom prst="rect">
-            <a:avLst/>
-          </a:prstGeom>
-        </p:spPr>
-        <p:txBody>
-          <a:bodyPr vert="horz" lIns="91440" tIns="45720" rIns="91440" bIns="45720" rtlCol="0" anchor="ctr">
-            <a:noAutofit/>
+          <p:cNvSpPr>
+            <a:spLocks noGrp="1"/>
+          </p:cNvSpPr>
+          <p:nvPr>
+            <p:ph type="title"/>
+          </p:nvPr>
+        </p:nvSpPr>
+        <p:spPr>
+          <a:xfrm>
+            <a:off x="-1" y="1"/>
+            <a:ext cx="12192001" cy="1535501"/>
+          </a:xfrm>
+        </p:spPr>
+        <p:txBody>
+          <a:bodyPr>
+            <a:normAutofit/>
           </a:bodyPr>
-          <a:lstStyle>
-            <a:lvl1pPr algn="l" defTabSz="914400" rtl="0" eaLnBrk="1" latinLnBrk="0" hangingPunct="1">
-              <a:lnSpc>
-                <a:spcPct val="90000"/>
-              </a:lnSpc>
-              <a:spcBef>
-                <a:spcPct val="0"/>
-              </a:spcBef>
-              <a:buNone/>
-              <a:defRPr sz="4400" kern="1200">
-                <a:solidFill>
-                  <a:schemeClr val="tx1"/>
-                </a:solidFill>
-                <a:latin typeface="+mj-lt"/>
-                <a:ea typeface="+mj-ea"/>
-                <a:cs typeface="+mj-cs"/>
-              </a:defRPr>
-            </a:lvl1pPr>
-          </a:lstStyle>
-          <a:p>
-            <a:br>
-              <a:rPr lang="ru-RU" sz="2800" dirty="0"/>
-            </a:br>
-            <a:r>
-              <a:rPr lang="ru-RU" sz="2800" dirty="0"/>
+          <a:lstStyle/>
+          <a:p>
+            <a:r>
+              <a:rPr lang="ru-RU" sz="3200" dirty="0"/>
               <a:t>В)Выполните разбор данной цепочки в соответствии с алгоритмом «сдвиг-свертка». Убедитесь, что в работе алгоритма появляется то же дерево, что было построено на шаге б).</a:t>
             </a:r>
-            <a:br>
-              <a:rPr lang="ru-RU" sz="2800" dirty="0"/>
-            </a:br>
-            <a:endParaRPr lang="ru-RU" sz="2800" dirty="0"/>
           </a:p>
         </p:txBody>
       </p:sp>
@@ -5017,8 +7236,8 @@
         </p:nvSpPr>
         <p:spPr>
           <a:xfrm>
-            <a:off x="838200" y="1675466"/>
-            <a:ext cx="5555411" cy="369332"/>
+            <a:off x="138023" y="1535502"/>
+            <a:ext cx="1742535" cy="923330"/>
           </a:xfrm>
           <a:prstGeom prst="rect">
             <a:avLst/>
@@ -5032,99 +7251,50 @@
           <a:lstStyle/>
           <a:p>
             <a:r>
+              <a:rPr lang="en-US" dirty="0"/>
+              <a:t>S → AB | BA </a:t>
+            </a:r>
+            <a:r>
               <a:rPr lang="ru-RU" dirty="0"/>
-              <a:t>7</a:t>
+              <a:t/>
+            </a:r>
+            <a:br>
+              <a:rPr lang="ru-RU" dirty="0"/>
+            </a:br>
+            <a:r>
+              <a:rPr lang="en-US" dirty="0" smtClean="0"/>
+              <a:t>A </a:t>
             </a:r>
             <a:r>
               <a:rPr lang="en-US" dirty="0"/>
-              <a:t>) </a:t>
+              <a:t>→ AB | AA | a </a:t>
+            </a:r>
+            <a:r>
+              <a:rPr lang="ru-RU" dirty="0"/>
+              <a:t/>
+            </a:r>
+            <a:br>
+              <a:rPr lang="ru-RU" dirty="0"/>
+            </a:br>
+            <a:r>
+              <a:rPr lang="en-US" dirty="0" smtClean="0"/>
+              <a:t>B </a:t>
+            </a:r>
+            <a:r>
+              <a:rPr lang="en-US" dirty="0"/>
+              <a:t>→ </a:t>
+            </a:r>
+            <a:r>
+              <a:rPr lang="en-US" dirty="0" smtClean="0"/>
+              <a:t>b</a:t>
             </a:r>
             <a:endParaRPr lang="ru-RU" dirty="0"/>
-          </a:p>
-        </p:txBody>
-      </p:sp>
-      <p:sp>
-        <p:nvSpPr>
-          <p:cNvPr id="8" name="TextBox 7"/>
-          <p:cNvSpPr txBox="1"/>
-          <p:nvPr/>
-        </p:nvSpPr>
-        <p:spPr>
-          <a:xfrm>
-            <a:off x="5890753" y="1218184"/>
-            <a:ext cx="5555411" cy="769441"/>
-          </a:xfrm>
-          <a:prstGeom prst="rect">
-            <a:avLst/>
-          </a:prstGeom>
-          <a:noFill/>
-        </p:spPr>
-        <p:txBody>
-          <a:bodyPr wrap="square" rtlCol="0">
-            <a:spAutoFit/>
-          </a:bodyPr>
-          <a:lstStyle/>
-          <a:p>
-            <a:r>
-              <a:rPr lang="ru-RU" sz="1100" dirty="0"/>
-              <a:t>8</a:t>
-            </a:r>
-            <a:r>
-              <a:rPr lang="en-US" sz="1100" dirty="0"/>
-              <a:t>)</a:t>
-            </a:r>
-            <a:r>
-              <a:rPr lang="ru-RU" sz="1100" dirty="0"/>
-              <a:t> 10)</a:t>
-            </a:r>
-            <a:r>
-              <a:rPr lang="en-US" sz="1100" dirty="0"/>
-              <a:t>S</a:t>
-            </a:r>
-          </a:p>
-          <a:p>
-            <a:r>
-              <a:rPr lang="ru-RU" sz="1100" dirty="0"/>
-              <a:t>Алгоритм закончен, потому что мы пришли в </a:t>
-            </a:r>
-            <a:r>
-              <a:rPr lang="en-US" sz="1100" dirty="0"/>
-              <a:t>S </a:t>
-            </a:r>
-            <a:r>
-              <a:rPr lang="ru-RU" sz="1100" dirty="0"/>
-              <a:t>больше нечего сдвигать или </a:t>
-            </a:r>
-            <a:r>
-              <a:rPr lang="ru-RU" sz="1100" dirty="0" err="1"/>
-              <a:t>свертать</a:t>
-            </a:r>
-            <a:br>
-              <a:rPr lang="ru-RU" sz="1100" dirty="0"/>
-            </a:br>
-            <a:r>
-              <a:rPr lang="ru-RU" sz="1100" dirty="0"/>
-              <a:t>Вывод: Дерево построенное на шаге Б то же, что и построенное в ходе алгоритма.</a:t>
-            </a:r>
-          </a:p>
-          <a:p>
-            <a:r>
-              <a:rPr lang="en-US" sz="1100" dirty="0"/>
-              <a:t> </a:t>
-            </a:r>
-            <a:endParaRPr lang="ru-RU" sz="1100" dirty="0"/>
           </a:p>
         </p:txBody>
       </p:sp>
       <p:pic>
         <p:nvPicPr>
-          <p:cNvPr id="3" name="Рисунок 2">
-            <a:extLst>
-              <a:ext uri="{FF2B5EF4-FFF2-40B4-BE49-F238E27FC236}">
-                <a16:creationId xmlns:a16="http://schemas.microsoft.com/office/drawing/2014/main" id="{474E82DC-D6E3-4005-BD3B-F00972BDA155}"/>
-              </a:ext>
-            </a:extLst>
-          </p:cNvPr>
+          <p:cNvPr id="6" name="Рисунок 5"/>
           <p:cNvPicPr>
             <a:picLocks noChangeAspect="1"/>
           </p:cNvPicPr>
@@ -5138,23 +7308,47 @@
         </p:blipFill>
         <p:spPr>
           <a:xfrm>
-            <a:off x="505980" y="2086465"/>
-            <a:ext cx="4400550" cy="4400550"/>
+            <a:off x="1880558" y="3071003"/>
+            <a:ext cx="3152775" cy="2552700"/>
           </a:xfrm>
           <a:prstGeom prst="rect">
             <a:avLst/>
           </a:prstGeom>
         </p:spPr>
       </p:pic>
+      <p:sp>
+        <p:nvSpPr>
+          <p:cNvPr id="7" name="TextBox 6"/>
+          <p:cNvSpPr txBox="1"/>
+          <p:nvPr/>
+        </p:nvSpPr>
+        <p:spPr>
+          <a:xfrm>
+            <a:off x="2818770" y="2701671"/>
+            <a:ext cx="1276350" cy="369332"/>
+          </a:xfrm>
+          <a:prstGeom prst="rect">
+            <a:avLst/>
+          </a:prstGeom>
+          <a:noFill/>
+        </p:spPr>
+        <p:txBody>
+          <a:bodyPr wrap="square" rtlCol="0">
+            <a:spAutoFit/>
+          </a:bodyPr>
+          <a:lstStyle/>
+          <a:p>
+            <a:pPr algn="ctr"/>
+            <a:r>
+              <a:rPr lang="ru-RU" dirty="0" smtClean="0"/>
+              <a:t>Шаг 3. </a:t>
+            </a:r>
+          </a:p>
+        </p:txBody>
+      </p:sp>
       <p:pic>
         <p:nvPicPr>
-          <p:cNvPr id="10" name="Рисунок 9">
-            <a:extLst>
-              <a:ext uri="{FF2B5EF4-FFF2-40B4-BE49-F238E27FC236}">
-                <a16:creationId xmlns:a16="http://schemas.microsoft.com/office/drawing/2014/main" id="{B5094378-C620-4027-AEAF-B6BF2E78B637}"/>
-              </a:ext>
-            </a:extLst>
-          </p:cNvPr>
+          <p:cNvPr id="8" name="Рисунок 7"/>
           <p:cNvPicPr>
             <a:picLocks noChangeAspect="1"/>
           </p:cNvPicPr>
@@ -5168,8 +7362,8 @@
         </p:blipFill>
         <p:spPr>
           <a:xfrm>
-            <a:off x="7566630" y="2086465"/>
-            <a:ext cx="4052716" cy="4650232"/>
+            <a:off x="5726682" y="2670953"/>
+            <a:ext cx="6000750" cy="2952750"/>
           </a:xfrm>
           <a:prstGeom prst="rect">
             <a:avLst/>
@@ -5179,7 +7373,7 @@
     </p:spTree>
     <p:extLst>
       <p:ext uri="{BB962C8B-B14F-4D97-AF65-F5344CB8AC3E}">
-        <p14:creationId xmlns:p14="http://schemas.microsoft.com/office/powerpoint/2010/main" val="1407900791"/>
+        <p14:creationId xmlns:p14="http://schemas.microsoft.com/office/powerpoint/2010/main" val="1164438807"/>
       </p:ext>
     </p:extLst>
   </p:cSld>
